--- a/final presentation.pptx
+++ b/final presentation.pptx
@@ -5,10 +5,19 @@
     <p:sldMasterId id="2147483736" r:id="rId1"/>
   </p:sldMasterIdLst>
   <p:notesMasterIdLst>
-    <p:notesMasterId r:id="rId3"/>
+    <p:notesMasterId r:id="rId12"/>
   </p:notesMasterIdLst>
   <p:sldIdLst>
     <p:sldId id="256" r:id="rId2"/>
+    <p:sldId id="257" r:id="rId3"/>
+    <p:sldId id="258" r:id="rId4"/>
+    <p:sldId id="259" r:id="rId5"/>
+    <p:sldId id="260" r:id="rId6"/>
+    <p:sldId id="261" r:id="rId7"/>
+    <p:sldId id="262" r:id="rId8"/>
+    <p:sldId id="263" r:id="rId9"/>
+    <p:sldId id="264" r:id="rId10"/>
+    <p:sldId id="265" r:id="rId11"/>
   </p:sldIdLst>
   <p:sldSz cx="12192000" cy="6858000"/>
   <p:notesSz cx="6858000" cy="9144000"/>
@@ -9198,7 +9207,10 @@
           <a:lstStyle/>
           <a:p>
             <a:pPr algn="l"/>
-            <a:endParaRPr lang="en-US"/>
+            <a:r>
+              <a:rPr lang="en-US" dirty="0"/>
+              <a:t>Jordan Reed</a:t>
+            </a:r>
           </a:p>
         </p:txBody>
       </p:sp>
@@ -27865,6 +27877,7700 @@
     <p:extLst>
       <p:ext uri="{BB962C8B-B14F-4D97-AF65-F5344CB8AC3E}">
         <p14:creationId xmlns:p14="http://schemas.microsoft.com/office/powerpoint/2010/main" val="2841649558"/>
+      </p:ext>
+    </p:extLst>
+  </p:cSld>
+  <p:clrMapOvr>
+    <a:masterClrMapping/>
+  </p:clrMapOvr>
+</p:sld>
+</file>
+
+<file path=ppt/slides/slide10.xml><?xml version="1.0" encoding="utf-8"?>
+<p:sld xmlns:a="http://schemas.openxmlformats.org/drawingml/2006/main" xmlns:r="http://schemas.openxmlformats.org/officeDocument/2006/relationships" xmlns:p="http://schemas.openxmlformats.org/presentationml/2006/main">
+  <p:cSld>
+    <p:spTree>
+      <p:nvGrpSpPr>
+        <p:cNvPr id="1" name=""/>
+        <p:cNvGrpSpPr/>
+        <p:nvPr/>
+      </p:nvGrpSpPr>
+      <p:grpSpPr>
+        <a:xfrm>
+          <a:off x="0" y="0"/>
+          <a:ext cx="0" cy="0"/>
+          <a:chOff x="0" y="0"/>
+          <a:chExt cx="0" cy="0"/>
+        </a:xfrm>
+      </p:grpSpPr>
+      <p:sp>
+        <p:nvSpPr>
+          <p:cNvPr id="2" name="Title 1">
+            <a:extLst>
+              <a:ext uri="{FF2B5EF4-FFF2-40B4-BE49-F238E27FC236}">
+                <a16:creationId xmlns:a16="http://schemas.microsoft.com/office/drawing/2014/main" id="{58FBF14E-6267-9A44-912B-3718FEE7216A}"/>
+              </a:ext>
+            </a:extLst>
+          </p:cNvPr>
+          <p:cNvSpPr>
+            <a:spLocks noGrp="1"/>
+          </p:cNvSpPr>
+          <p:nvPr>
+            <p:ph type="title"/>
+          </p:nvPr>
+        </p:nvSpPr>
+        <p:spPr/>
+        <p:txBody>
+          <a:bodyPr/>
+          <a:lstStyle/>
+          <a:p>
+            <a:r>
+              <a:rPr lang="en-US" dirty="0"/>
+              <a:t>Results page</a:t>
+            </a:r>
+          </a:p>
+        </p:txBody>
+      </p:sp>
+      <p:sp>
+        <p:nvSpPr>
+          <p:cNvPr id="3" name="Content Placeholder 2">
+            <a:extLst>
+              <a:ext uri="{FF2B5EF4-FFF2-40B4-BE49-F238E27FC236}">
+                <a16:creationId xmlns:a16="http://schemas.microsoft.com/office/drawing/2014/main" id="{74527A1E-E631-6440-B3E4-5370C289068A}"/>
+              </a:ext>
+            </a:extLst>
+          </p:cNvPr>
+          <p:cNvSpPr>
+            <a:spLocks noGrp="1"/>
+          </p:cNvSpPr>
+          <p:nvPr>
+            <p:ph idx="1"/>
+          </p:nvPr>
+        </p:nvSpPr>
+        <p:spPr/>
+        <p:txBody>
+          <a:bodyPr/>
+          <a:lstStyle/>
+          <a:p>
+            <a:r>
+              <a:rPr lang="en-US" dirty="0"/>
+              <a:t>Not sure on what this page will look like since I'm unsure how I will collect data.</a:t>
+            </a:r>
+          </a:p>
+        </p:txBody>
+      </p:sp>
+      <p:sp>
+        <p:nvSpPr>
+          <p:cNvPr id="4" name="Rectangle 3">
+            <a:extLst>
+              <a:ext uri="{FF2B5EF4-FFF2-40B4-BE49-F238E27FC236}">
+                <a16:creationId xmlns:a16="http://schemas.microsoft.com/office/drawing/2014/main" id="{6C50668A-E4AD-B54F-AD0E-921F70B391AC}"/>
+              </a:ext>
+            </a:extLst>
+          </p:cNvPr>
+          <p:cNvSpPr/>
+          <p:nvPr/>
+        </p:nvSpPr>
+        <p:spPr>
+          <a:xfrm>
+            <a:off x="5409369" y="3244334"/>
+            <a:ext cx="1373261" cy="369332"/>
+          </a:xfrm>
+          <a:prstGeom prst="rect">
+            <a:avLst/>
+          </a:prstGeom>
+        </p:spPr>
+        <p:txBody>
+          <a:bodyPr wrap="none">
+            <a:spAutoFit/>
+          </a:bodyPr>
+          <a:lstStyle/>
+          <a:p>
+            <a:r>
+              <a:rPr lang="en-US" b="0" i="0" u="none" strike="noStrike">
+                <a:solidFill>
+                  <a:srgbClr val="212529"/>
+                </a:solidFill>
+                <a:effectLst/>
+                <a:latin typeface="-apple-system"/>
+              </a:rPr>
+              <a:t>complement</a:t>
+            </a:r>
+            <a:endParaRPr lang="en-US"/>
+          </a:p>
+        </p:txBody>
+      </p:sp>
+    </p:spTree>
+    <p:extLst>
+      <p:ext uri="{BB962C8B-B14F-4D97-AF65-F5344CB8AC3E}">
+        <p14:creationId xmlns:p14="http://schemas.microsoft.com/office/powerpoint/2010/main" val="3624929822"/>
+      </p:ext>
+    </p:extLst>
+  </p:cSld>
+  <p:clrMapOvr>
+    <a:masterClrMapping/>
+  </p:clrMapOvr>
+</p:sld>
+</file>
+
+<file path=ppt/slides/slide2.xml><?xml version="1.0" encoding="utf-8"?>
+<p:sld xmlns:a="http://schemas.openxmlformats.org/drawingml/2006/main" xmlns:r="http://schemas.openxmlformats.org/officeDocument/2006/relationships" xmlns:p="http://schemas.openxmlformats.org/presentationml/2006/main">
+  <p:cSld>
+    <p:spTree>
+      <p:nvGrpSpPr>
+        <p:cNvPr id="1" name=""/>
+        <p:cNvGrpSpPr/>
+        <p:nvPr/>
+      </p:nvGrpSpPr>
+      <p:grpSpPr>
+        <a:xfrm>
+          <a:off x="0" y="0"/>
+          <a:ext cx="0" cy="0"/>
+          <a:chOff x="0" y="0"/>
+          <a:chExt cx="0" cy="0"/>
+        </a:xfrm>
+      </p:grpSpPr>
+      <p:sp>
+        <p:nvSpPr>
+          <p:cNvPr id="2" name="Title 1">
+            <a:extLst>
+              <a:ext uri="{FF2B5EF4-FFF2-40B4-BE49-F238E27FC236}">
+                <a16:creationId xmlns:a16="http://schemas.microsoft.com/office/drawing/2014/main" id="{AF3459E6-4852-5249-A0BB-8BFF7B2236C2}"/>
+              </a:ext>
+            </a:extLst>
+          </p:cNvPr>
+          <p:cNvSpPr>
+            <a:spLocks noGrp="1"/>
+          </p:cNvSpPr>
+          <p:nvPr>
+            <p:ph type="title"/>
+          </p:nvPr>
+        </p:nvSpPr>
+        <p:spPr/>
+        <p:txBody>
+          <a:bodyPr/>
+          <a:lstStyle/>
+          <a:p>
+            <a:r>
+              <a:rPr lang="en-US" dirty="0"/>
+              <a:t>Final project proposal</a:t>
+            </a:r>
+          </a:p>
+        </p:txBody>
+      </p:sp>
+      <p:sp>
+        <p:nvSpPr>
+          <p:cNvPr id="3" name="Content Placeholder 2">
+            <a:extLst>
+              <a:ext uri="{FF2B5EF4-FFF2-40B4-BE49-F238E27FC236}">
+                <a16:creationId xmlns:a16="http://schemas.microsoft.com/office/drawing/2014/main" id="{6C3CB462-4D1E-0D42-B159-C1D76DB7699B}"/>
+              </a:ext>
+            </a:extLst>
+          </p:cNvPr>
+          <p:cNvSpPr>
+            <a:spLocks noGrp="1"/>
+          </p:cNvSpPr>
+          <p:nvPr>
+            <p:ph idx="1"/>
+          </p:nvPr>
+        </p:nvSpPr>
+        <p:spPr/>
+        <p:txBody>
+          <a:bodyPr/>
+          <a:lstStyle/>
+          <a:p>
+            <a:pPr marL="0" indent="0">
+              <a:buNone/>
+            </a:pPr>
+            <a:r>
+              <a:rPr lang="en-US" dirty="0"/>
+              <a:t>My proposal for the final project will focus on the usability of a website. I want to create two designs that encapsulate what good and bad usability is and how it affects the user. </a:t>
+            </a:r>
+          </a:p>
+        </p:txBody>
+      </p:sp>
+    </p:spTree>
+    <p:extLst>
+      <p:ext uri="{BB962C8B-B14F-4D97-AF65-F5344CB8AC3E}">
+        <p14:creationId xmlns:p14="http://schemas.microsoft.com/office/powerpoint/2010/main" val="3083638687"/>
+      </p:ext>
+    </p:extLst>
+  </p:cSld>
+  <p:clrMapOvr>
+    <a:masterClrMapping/>
+  </p:clrMapOvr>
+</p:sld>
+</file>
+
+<file path=ppt/slides/slide3.xml><?xml version="1.0" encoding="utf-8"?>
+<p:sld xmlns:a="http://schemas.openxmlformats.org/drawingml/2006/main" xmlns:r="http://schemas.openxmlformats.org/officeDocument/2006/relationships" xmlns:p="http://schemas.openxmlformats.org/presentationml/2006/main">
+  <p:cSld>
+    <p:spTree>
+      <p:nvGrpSpPr>
+        <p:cNvPr id="1" name=""/>
+        <p:cNvGrpSpPr/>
+        <p:nvPr/>
+      </p:nvGrpSpPr>
+      <p:grpSpPr>
+        <a:xfrm>
+          <a:off x="0" y="0"/>
+          <a:ext cx="0" cy="0"/>
+          <a:chOff x="0" y="0"/>
+          <a:chExt cx="0" cy="0"/>
+        </a:xfrm>
+      </p:grpSpPr>
+      <p:sp>
+        <p:nvSpPr>
+          <p:cNvPr id="2" name="Title 1">
+            <a:extLst>
+              <a:ext uri="{FF2B5EF4-FFF2-40B4-BE49-F238E27FC236}">
+                <a16:creationId xmlns:a16="http://schemas.microsoft.com/office/drawing/2014/main" id="{22852D21-A697-5146-B498-167EE289F632}"/>
+              </a:ext>
+            </a:extLst>
+          </p:cNvPr>
+          <p:cNvSpPr>
+            <a:spLocks noGrp="1"/>
+          </p:cNvSpPr>
+          <p:nvPr>
+            <p:ph type="title"/>
+          </p:nvPr>
+        </p:nvSpPr>
+        <p:spPr/>
+        <p:txBody>
+          <a:bodyPr/>
+          <a:lstStyle/>
+          <a:p>
+            <a:r>
+              <a:rPr lang="en-US" dirty="0"/>
+              <a:t>Definition of bad design</a:t>
+            </a:r>
+          </a:p>
+        </p:txBody>
+      </p:sp>
+      <p:sp>
+        <p:nvSpPr>
+          <p:cNvPr id="3" name="Content Placeholder 2">
+            <a:extLst>
+              <a:ext uri="{FF2B5EF4-FFF2-40B4-BE49-F238E27FC236}">
+                <a16:creationId xmlns:a16="http://schemas.microsoft.com/office/drawing/2014/main" id="{0EECB7F1-CF32-524F-876B-26AD509B090C}"/>
+              </a:ext>
+            </a:extLst>
+          </p:cNvPr>
+          <p:cNvSpPr>
+            <a:spLocks noGrp="1"/>
+          </p:cNvSpPr>
+          <p:nvPr>
+            <p:ph idx="1"/>
+          </p:nvPr>
+        </p:nvSpPr>
+        <p:spPr/>
+        <p:txBody>
+          <a:bodyPr/>
+          <a:lstStyle/>
+          <a:p>
+            <a:pPr marL="0" indent="0">
+              <a:buNone/>
+            </a:pPr>
+            <a:r>
+              <a:rPr lang="en-US" dirty="0"/>
+              <a:t>What I think would really show the user how bad a design can be I plan on incorporating the following.</a:t>
+            </a:r>
+          </a:p>
+          <a:p>
+            <a:r>
+              <a:rPr lang="en-US" sz="2000" dirty="0"/>
+              <a:t>Unappealing colors</a:t>
+            </a:r>
+          </a:p>
+          <a:p>
+            <a:r>
+              <a:rPr lang="en-US" sz="2000" dirty="0"/>
+              <a:t>Confusing organization</a:t>
+            </a:r>
+          </a:p>
+          <a:p>
+            <a:r>
+              <a:rPr lang="en-US" sz="2000" dirty="0"/>
+              <a:t>Dark Patterns</a:t>
+            </a:r>
+          </a:p>
+          <a:p>
+            <a:pPr lvl="1"/>
+            <a:r>
+              <a:rPr lang="en-US" sz="2000" dirty="0"/>
+              <a:t>Pop ups </a:t>
+            </a:r>
+          </a:p>
+          <a:p>
+            <a:pPr lvl="1"/>
+            <a:r>
+              <a:rPr lang="en-US" sz="2000" dirty="0"/>
+              <a:t>Misleading information/instructions</a:t>
+            </a:r>
+          </a:p>
+          <a:p>
+            <a:pPr lvl="1"/>
+            <a:r>
+              <a:rPr lang="en-US" sz="2000" dirty="0"/>
+              <a:t>Etc.</a:t>
+            </a:r>
+          </a:p>
+          <a:p>
+            <a:r>
+              <a:rPr lang="en-US" sz="2000" dirty="0"/>
+              <a:t>Cluttered elements</a:t>
+            </a:r>
+          </a:p>
+          <a:p>
+            <a:pPr marL="0" indent="0">
+              <a:buNone/>
+            </a:pPr>
+            <a:endParaRPr lang="en-US" sz="2000" dirty="0"/>
+          </a:p>
+        </p:txBody>
+      </p:sp>
+    </p:spTree>
+    <p:extLst>
+      <p:ext uri="{BB962C8B-B14F-4D97-AF65-F5344CB8AC3E}">
+        <p14:creationId xmlns:p14="http://schemas.microsoft.com/office/powerpoint/2010/main" val="1276006789"/>
+      </p:ext>
+    </p:extLst>
+  </p:cSld>
+  <p:clrMapOvr>
+    <a:masterClrMapping/>
+  </p:clrMapOvr>
+</p:sld>
+</file>
+
+<file path=ppt/slides/slide4.xml><?xml version="1.0" encoding="utf-8"?>
+<p:sld xmlns:a="http://schemas.openxmlformats.org/drawingml/2006/main" xmlns:r="http://schemas.openxmlformats.org/officeDocument/2006/relationships" xmlns:p="http://schemas.openxmlformats.org/presentationml/2006/main">
+  <p:cSld>
+    <p:spTree>
+      <p:nvGrpSpPr>
+        <p:cNvPr id="1" name=""/>
+        <p:cNvGrpSpPr/>
+        <p:nvPr/>
+      </p:nvGrpSpPr>
+      <p:grpSpPr>
+        <a:xfrm>
+          <a:off x="0" y="0"/>
+          <a:ext cx="0" cy="0"/>
+          <a:chOff x="0" y="0"/>
+          <a:chExt cx="0" cy="0"/>
+        </a:xfrm>
+      </p:grpSpPr>
+      <p:sp>
+        <p:nvSpPr>
+          <p:cNvPr id="2" name="Title 1">
+            <a:extLst>
+              <a:ext uri="{FF2B5EF4-FFF2-40B4-BE49-F238E27FC236}">
+                <a16:creationId xmlns:a16="http://schemas.microsoft.com/office/drawing/2014/main" id="{7E5A15F1-0E89-4743-BA98-9158BECE25BE}"/>
+              </a:ext>
+            </a:extLst>
+          </p:cNvPr>
+          <p:cNvSpPr>
+            <a:spLocks noGrp="1"/>
+          </p:cNvSpPr>
+          <p:nvPr>
+            <p:ph type="title"/>
+          </p:nvPr>
+        </p:nvSpPr>
+        <p:spPr/>
+        <p:txBody>
+          <a:bodyPr/>
+          <a:lstStyle/>
+          <a:p>
+            <a:r>
+              <a:rPr lang="en-US" dirty="0"/>
+              <a:t>Definition of good design</a:t>
+            </a:r>
+          </a:p>
+        </p:txBody>
+      </p:sp>
+      <p:sp>
+        <p:nvSpPr>
+          <p:cNvPr id="3" name="Content Placeholder 2">
+            <a:extLst>
+              <a:ext uri="{FF2B5EF4-FFF2-40B4-BE49-F238E27FC236}">
+                <a16:creationId xmlns:a16="http://schemas.microsoft.com/office/drawing/2014/main" id="{3644D369-4F6B-6442-BBBE-54ADD1EE9174}"/>
+              </a:ext>
+            </a:extLst>
+          </p:cNvPr>
+          <p:cNvSpPr>
+            <a:spLocks noGrp="1"/>
+          </p:cNvSpPr>
+          <p:nvPr>
+            <p:ph idx="1"/>
+          </p:nvPr>
+        </p:nvSpPr>
+        <p:spPr/>
+        <p:txBody>
+          <a:bodyPr/>
+          <a:lstStyle/>
+          <a:p>
+            <a:pPr marL="0" indent="0">
+              <a:buNone/>
+            </a:pPr>
+            <a:r>
+              <a:rPr lang="en-US" dirty="0"/>
+              <a:t>These following points is what I believe would convey good design and usability.</a:t>
+            </a:r>
+          </a:p>
+          <a:p>
+            <a:r>
+              <a:rPr lang="en-US" dirty="0"/>
+              <a:t>Well organized layout</a:t>
+            </a:r>
+          </a:p>
+          <a:p>
+            <a:r>
+              <a:rPr lang="en-US" dirty="0"/>
+              <a:t>Appealing color scheme</a:t>
+            </a:r>
+          </a:p>
+          <a:p>
+            <a:r>
+              <a:rPr lang="en-US" dirty="0"/>
+              <a:t>A minimalistic/modern look</a:t>
+            </a:r>
+          </a:p>
+          <a:p>
+            <a:r>
+              <a:rPr lang="en-US" dirty="0"/>
+              <a:t>Functional </a:t>
+            </a:r>
+          </a:p>
+        </p:txBody>
+      </p:sp>
+    </p:spTree>
+    <p:extLst>
+      <p:ext uri="{BB962C8B-B14F-4D97-AF65-F5344CB8AC3E}">
+        <p14:creationId xmlns:p14="http://schemas.microsoft.com/office/powerpoint/2010/main" val="3519535184"/>
+      </p:ext>
+    </p:extLst>
+  </p:cSld>
+  <p:clrMapOvr>
+    <a:masterClrMapping/>
+  </p:clrMapOvr>
+</p:sld>
+</file>
+
+<file path=ppt/slides/slide5.xml><?xml version="1.0" encoding="utf-8"?>
+<p:sld xmlns:a="http://schemas.openxmlformats.org/drawingml/2006/main" xmlns:r="http://schemas.openxmlformats.org/officeDocument/2006/relationships" xmlns:p="http://schemas.openxmlformats.org/presentationml/2006/main">
+  <p:cSld>
+    <p:spTree>
+      <p:nvGrpSpPr>
+        <p:cNvPr id="1" name=""/>
+        <p:cNvGrpSpPr/>
+        <p:nvPr/>
+      </p:nvGrpSpPr>
+      <p:grpSpPr>
+        <a:xfrm>
+          <a:off x="0" y="0"/>
+          <a:ext cx="0" cy="0"/>
+          <a:chOff x="0" y="0"/>
+          <a:chExt cx="0" cy="0"/>
+        </a:xfrm>
+      </p:grpSpPr>
+      <p:sp>
+        <p:nvSpPr>
+          <p:cNvPr id="2" name="Title 1">
+            <a:extLst>
+              <a:ext uri="{FF2B5EF4-FFF2-40B4-BE49-F238E27FC236}">
+                <a16:creationId xmlns:a16="http://schemas.microsoft.com/office/drawing/2014/main" id="{D9F29B8B-D5A4-8645-9300-F90ED63A0D0B}"/>
+              </a:ext>
+            </a:extLst>
+          </p:cNvPr>
+          <p:cNvSpPr>
+            <a:spLocks noGrp="1"/>
+          </p:cNvSpPr>
+          <p:nvPr>
+            <p:ph type="title"/>
+          </p:nvPr>
+        </p:nvSpPr>
+        <p:spPr/>
+        <p:txBody>
+          <a:bodyPr/>
+          <a:lstStyle/>
+          <a:p>
+            <a:r>
+              <a:rPr lang="en-US" dirty="0"/>
+              <a:t>User interaction</a:t>
+            </a:r>
+          </a:p>
+        </p:txBody>
+      </p:sp>
+      <p:sp>
+        <p:nvSpPr>
+          <p:cNvPr id="3" name="Content Placeholder 2">
+            <a:extLst>
+              <a:ext uri="{FF2B5EF4-FFF2-40B4-BE49-F238E27FC236}">
+                <a16:creationId xmlns:a16="http://schemas.microsoft.com/office/drawing/2014/main" id="{864CA6C2-50DB-0248-A025-57FFFB5040A3}"/>
+              </a:ext>
+            </a:extLst>
+          </p:cNvPr>
+          <p:cNvSpPr>
+            <a:spLocks noGrp="1"/>
+          </p:cNvSpPr>
+          <p:nvPr>
+            <p:ph idx="1"/>
+          </p:nvPr>
+        </p:nvSpPr>
+        <p:spPr/>
+        <p:txBody>
+          <a:bodyPr/>
+          <a:lstStyle/>
+          <a:p>
+            <a:pPr marL="0" indent="0">
+              <a:buNone/>
+            </a:pPr>
+            <a:r>
+              <a:rPr lang="en-US" dirty="0"/>
+              <a:t>To incorporate user interaction I will ask the user to select the elements in both of the designs and they will become highlighted and ask for what they do or do not like about the elements.</a:t>
+            </a:r>
+          </a:p>
+          <a:p>
+            <a:pPr marL="0" indent="0">
+              <a:buNone/>
+            </a:pPr>
+            <a:r>
+              <a:rPr lang="en-US" dirty="0"/>
+              <a:t>When they are asked to put in what the did/didn’t like, I will probably have a drop down with prewritten options(positive/negative/neutral).</a:t>
+            </a:r>
+          </a:p>
+        </p:txBody>
+      </p:sp>
+    </p:spTree>
+    <p:extLst>
+      <p:ext uri="{BB962C8B-B14F-4D97-AF65-F5344CB8AC3E}">
+        <p14:creationId xmlns:p14="http://schemas.microsoft.com/office/powerpoint/2010/main" val="957776964"/>
+      </p:ext>
+    </p:extLst>
+  </p:cSld>
+  <p:clrMapOvr>
+    <a:masterClrMapping/>
+  </p:clrMapOvr>
+</p:sld>
+</file>
+
+<file path=ppt/slides/slide6.xml><?xml version="1.0" encoding="utf-8"?>
+<p:sld xmlns:a="http://schemas.openxmlformats.org/drawingml/2006/main" xmlns:r="http://schemas.openxmlformats.org/officeDocument/2006/relationships" xmlns:p="http://schemas.openxmlformats.org/presentationml/2006/main">
+  <p:cSld>
+    <p:spTree>
+      <p:nvGrpSpPr>
+        <p:cNvPr id="1" name=""/>
+        <p:cNvGrpSpPr/>
+        <p:nvPr/>
+      </p:nvGrpSpPr>
+      <p:grpSpPr>
+        <a:xfrm>
+          <a:off x="0" y="0"/>
+          <a:ext cx="0" cy="0"/>
+          <a:chOff x="0" y="0"/>
+          <a:chExt cx="0" cy="0"/>
+        </a:xfrm>
+      </p:grpSpPr>
+      <p:sp>
+        <p:nvSpPr>
+          <p:cNvPr id="2" name="Title 1">
+            <a:extLst>
+              <a:ext uri="{FF2B5EF4-FFF2-40B4-BE49-F238E27FC236}">
+                <a16:creationId xmlns:a16="http://schemas.microsoft.com/office/drawing/2014/main" id="{30C768DC-C165-4C45-B614-ECA40D45229D}"/>
+              </a:ext>
+            </a:extLst>
+          </p:cNvPr>
+          <p:cNvSpPr>
+            <a:spLocks noGrp="1"/>
+          </p:cNvSpPr>
+          <p:nvPr>
+            <p:ph type="title"/>
+          </p:nvPr>
+        </p:nvSpPr>
+        <p:spPr/>
+        <p:txBody>
+          <a:bodyPr/>
+          <a:lstStyle/>
+          <a:p>
+            <a:r>
+              <a:rPr lang="en-US" dirty="0"/>
+              <a:t>Preliminary design</a:t>
+            </a:r>
+          </a:p>
+        </p:txBody>
+      </p:sp>
+      <p:sp>
+        <p:nvSpPr>
+          <p:cNvPr id="3" name="Content Placeholder 2">
+            <a:extLst>
+              <a:ext uri="{FF2B5EF4-FFF2-40B4-BE49-F238E27FC236}">
+                <a16:creationId xmlns:a16="http://schemas.microsoft.com/office/drawing/2014/main" id="{B1031E15-DC1E-9F42-B8D6-69B64BF2F235}"/>
+              </a:ext>
+            </a:extLst>
+          </p:cNvPr>
+          <p:cNvSpPr>
+            <a:spLocks noGrp="1"/>
+          </p:cNvSpPr>
+          <p:nvPr>
+            <p:ph idx="1"/>
+          </p:nvPr>
+        </p:nvSpPr>
+        <p:spPr/>
+        <p:txBody>
+          <a:bodyPr/>
+          <a:lstStyle/>
+          <a:p>
+            <a:pPr marL="0" indent="0">
+              <a:buNone/>
+            </a:pPr>
+            <a:r>
+              <a:rPr lang="en-US" dirty="0"/>
+              <a:t>The general design that I am considering, would be a three-four pages. The pages would be the following</a:t>
+            </a:r>
+          </a:p>
+          <a:p>
+            <a:r>
+              <a:rPr lang="en-US" dirty="0"/>
+              <a:t>Intro page</a:t>
+            </a:r>
+          </a:p>
+          <a:p>
+            <a:r>
+              <a:rPr lang="en-US" dirty="0"/>
+              <a:t>Bad design page</a:t>
+            </a:r>
+          </a:p>
+          <a:p>
+            <a:r>
+              <a:rPr lang="en-US" dirty="0"/>
+              <a:t>Good design page</a:t>
+            </a:r>
+          </a:p>
+          <a:p>
+            <a:r>
+              <a:rPr lang="en-US" dirty="0"/>
+              <a:t>Results page(undecided)</a:t>
+            </a:r>
+          </a:p>
+        </p:txBody>
+      </p:sp>
+    </p:spTree>
+    <p:extLst>
+      <p:ext uri="{BB962C8B-B14F-4D97-AF65-F5344CB8AC3E}">
+        <p14:creationId xmlns:p14="http://schemas.microsoft.com/office/powerpoint/2010/main" val="1647694551"/>
+      </p:ext>
+    </p:extLst>
+  </p:cSld>
+  <p:clrMapOvr>
+    <a:masterClrMapping/>
+  </p:clrMapOvr>
+</p:sld>
+</file>
+
+<file path=ppt/slides/slide7.xml><?xml version="1.0" encoding="utf-8"?>
+<p:sld xmlns:a="http://schemas.openxmlformats.org/drawingml/2006/main" xmlns:r="http://schemas.openxmlformats.org/officeDocument/2006/relationships" xmlns:p="http://schemas.openxmlformats.org/presentationml/2006/main">
+  <p:cSld>
+    <p:bg>
+      <p:bgPr>
+        <a:solidFill>
+          <a:schemeClr val="bg1"/>
+        </a:solidFill>
+        <a:effectLst/>
+      </p:bgPr>
+    </p:bg>
+    <p:spTree>
+      <p:nvGrpSpPr>
+        <p:cNvPr id="1" name=""/>
+        <p:cNvGrpSpPr/>
+        <p:nvPr/>
+      </p:nvGrpSpPr>
+      <p:grpSpPr>
+        <a:xfrm>
+          <a:off x="0" y="0"/>
+          <a:ext cx="0" cy="0"/>
+          <a:chOff x="0" y="0"/>
+          <a:chExt cx="0" cy="0"/>
+        </a:xfrm>
+      </p:grpSpPr>
+      <p:grpSp>
+        <p:nvGrpSpPr>
+          <p:cNvPr id="10" name="Graphic 185">
+            <a:extLst>
+              <a:ext uri="{FF2B5EF4-FFF2-40B4-BE49-F238E27FC236}">
+                <a16:creationId xmlns:a16="http://schemas.microsoft.com/office/drawing/2014/main" id="{8A351602-3772-4279-B0D3-A523F6F6EAB3}"/>
+              </a:ext>
+              <a:ext uri="{C183D7F6-B498-43B3-948B-1728B52AA6E4}">
+                <adec:decorative xmlns:adec="http://schemas.microsoft.com/office/drawing/2017/decorative" val="1"/>
+              </a:ext>
+            </a:extLst>
+          </p:cNvPr>
+          <p:cNvGrpSpPr>
+            <a:grpSpLocks noGrp="1" noUngrp="1" noRot="1" noChangeAspect="1" noMove="1" noResize="1"/>
+          </p:cNvGrpSpPr>
+          <p:nvPr>
+            <p:extLst>
+              <p:ext uri="{386F3935-93C4-4BCD-93E2-E3B085C9AB24}">
+                <p16:designElem xmlns:p16="http://schemas.microsoft.com/office/powerpoint/2015/main" val="1"/>
+              </p:ext>
+            </p:extLst>
+          </p:nvPr>
+        </p:nvGrpSpPr>
+        <p:grpSpPr>
+          <a:xfrm>
+            <a:off x="10999576" y="5987064"/>
+            <a:ext cx="1054466" cy="469689"/>
+            <a:chOff x="9841624" y="4115729"/>
+            <a:chExt cx="602169" cy="268223"/>
+          </a:xfrm>
+          <a:solidFill>
+            <a:schemeClr val="tx1"/>
+          </a:solidFill>
+        </p:grpSpPr>
+        <p:sp>
+          <p:nvSpPr>
+            <p:cNvPr id="11" name="Freeform: Shape 10">
+              <a:extLst>
+                <a:ext uri="{FF2B5EF4-FFF2-40B4-BE49-F238E27FC236}">
+                  <a16:creationId xmlns:a16="http://schemas.microsoft.com/office/drawing/2014/main" id="{A5AAAA75-5FFB-4C07-AD4A-3146773E6CDD}"/>
+                </a:ext>
+                <a:ext uri="{C183D7F6-B498-43B3-948B-1728B52AA6E4}">
+                  <adec:decorative xmlns:adec="http://schemas.microsoft.com/office/drawing/2017/decorative" val="1"/>
+                </a:ext>
+              </a:extLst>
+            </p:cNvPr>
+            <p:cNvSpPr/>
+            <p:nvPr>
+              <p:extLst>
+                <p:ext uri="{386F3935-93C4-4BCD-93E2-E3B085C9AB24}">
+                  <p16:designElem xmlns:p16="http://schemas.microsoft.com/office/powerpoint/2015/main" val="1"/>
+                </p:ext>
+              </p:extLst>
+            </p:nvPr>
+          </p:nvSpPr>
+          <p:spPr>
+            <a:xfrm>
+              <a:off x="9841624" y="4115729"/>
+              <a:ext cx="202882" cy="268223"/>
+            </a:xfrm>
+            <a:custGeom>
+              <a:avLst/>
+              <a:gdLst>
+                <a:gd name="connsiteX0" fmla="*/ 20765 w 202882"/>
+                <a:gd name="connsiteY0" fmla="*/ 268224 h 268223"/>
+                <a:gd name="connsiteX1" fmla="*/ 0 w 202882"/>
+                <a:gd name="connsiteY1" fmla="*/ 268224 h 268223"/>
+                <a:gd name="connsiteX2" fmla="*/ 182118 w 202882"/>
+                <a:gd name="connsiteY2" fmla="*/ 0 h 268223"/>
+                <a:gd name="connsiteX3" fmla="*/ 202883 w 202882"/>
+                <a:gd name="connsiteY3" fmla="*/ 0 h 268223"/>
+              </a:gdLst>
+              <a:ahLst/>
+              <a:cxnLst>
+                <a:cxn ang="0">
+                  <a:pos x="connsiteX0" y="connsiteY0"/>
+                </a:cxn>
+                <a:cxn ang="0">
+                  <a:pos x="connsiteX1" y="connsiteY1"/>
+                </a:cxn>
+                <a:cxn ang="0">
+                  <a:pos x="connsiteX2" y="connsiteY2"/>
+                </a:cxn>
+                <a:cxn ang="0">
+                  <a:pos x="connsiteX3" y="connsiteY3"/>
+                </a:cxn>
+              </a:cxnLst>
+              <a:rect l="l" t="t" r="r" b="b"/>
+              <a:pathLst>
+                <a:path w="202882" h="268223">
+                  <a:moveTo>
+                    <a:pt x="20765" y="268224"/>
+                  </a:moveTo>
+                  <a:lnTo>
+                    <a:pt x="0" y="268224"/>
+                  </a:lnTo>
+                  <a:lnTo>
+                    <a:pt x="182118" y="0"/>
+                  </a:lnTo>
+                  <a:lnTo>
+                    <a:pt x="202883" y="0"/>
+                  </a:lnTo>
+                  <a:close/>
+                </a:path>
+              </a:pathLst>
+            </a:custGeom>
+            <a:grpFill/>
+            <a:ln w="9525" cap="flat">
+              <a:noFill/>
+              <a:prstDash val="solid"/>
+              <a:miter/>
+            </a:ln>
+          </p:spPr>
+          <p:txBody>
+            <a:bodyPr rtlCol="0" anchor="ctr"/>
+            <a:lstStyle/>
+            <a:p>
+              <a:endParaRPr lang="en-US"/>
+            </a:p>
+          </p:txBody>
+        </p:sp>
+        <p:sp>
+          <p:nvSpPr>
+            <p:cNvPr id="12" name="Freeform: Shape 11">
+              <a:extLst>
+                <a:ext uri="{FF2B5EF4-FFF2-40B4-BE49-F238E27FC236}">
+                  <a16:creationId xmlns:a16="http://schemas.microsoft.com/office/drawing/2014/main" id="{1479895E-3847-44BB-8404-28F14219FB70}"/>
+                </a:ext>
+                <a:ext uri="{C183D7F6-B498-43B3-948B-1728B52AA6E4}">
+                  <adec:decorative xmlns:adec="http://schemas.microsoft.com/office/drawing/2017/decorative" val="1"/>
+                </a:ext>
+              </a:extLst>
+            </p:cNvPr>
+            <p:cNvSpPr/>
+            <p:nvPr>
+              <p:extLst>
+                <p:ext uri="{386F3935-93C4-4BCD-93E2-E3B085C9AB24}">
+                  <p16:designElem xmlns:p16="http://schemas.microsoft.com/office/powerpoint/2015/main" val="1"/>
+                </p:ext>
+              </p:extLst>
+            </p:nvPr>
+          </p:nvSpPr>
+          <p:spPr>
+            <a:xfrm>
+              <a:off x="9941445" y="4115729"/>
+              <a:ext cx="202882" cy="268223"/>
+            </a:xfrm>
+            <a:custGeom>
+              <a:avLst/>
+              <a:gdLst>
+                <a:gd name="connsiteX0" fmla="*/ 20765 w 202882"/>
+                <a:gd name="connsiteY0" fmla="*/ 268224 h 268223"/>
+                <a:gd name="connsiteX1" fmla="*/ 0 w 202882"/>
+                <a:gd name="connsiteY1" fmla="*/ 268224 h 268223"/>
+                <a:gd name="connsiteX2" fmla="*/ 182118 w 202882"/>
+                <a:gd name="connsiteY2" fmla="*/ 0 h 268223"/>
+                <a:gd name="connsiteX3" fmla="*/ 202883 w 202882"/>
+                <a:gd name="connsiteY3" fmla="*/ 0 h 268223"/>
+              </a:gdLst>
+              <a:ahLst/>
+              <a:cxnLst>
+                <a:cxn ang="0">
+                  <a:pos x="connsiteX0" y="connsiteY0"/>
+                </a:cxn>
+                <a:cxn ang="0">
+                  <a:pos x="connsiteX1" y="connsiteY1"/>
+                </a:cxn>
+                <a:cxn ang="0">
+                  <a:pos x="connsiteX2" y="connsiteY2"/>
+                </a:cxn>
+                <a:cxn ang="0">
+                  <a:pos x="connsiteX3" y="connsiteY3"/>
+                </a:cxn>
+              </a:cxnLst>
+              <a:rect l="l" t="t" r="r" b="b"/>
+              <a:pathLst>
+                <a:path w="202882" h="268223">
+                  <a:moveTo>
+                    <a:pt x="20765" y="268224"/>
+                  </a:moveTo>
+                  <a:lnTo>
+                    <a:pt x="0" y="268224"/>
+                  </a:lnTo>
+                  <a:lnTo>
+                    <a:pt x="182118" y="0"/>
+                  </a:lnTo>
+                  <a:lnTo>
+                    <a:pt x="202883" y="0"/>
+                  </a:lnTo>
+                  <a:close/>
+                </a:path>
+              </a:pathLst>
+            </a:custGeom>
+            <a:grpFill/>
+            <a:ln w="9525" cap="flat">
+              <a:noFill/>
+              <a:prstDash val="solid"/>
+              <a:miter/>
+            </a:ln>
+          </p:spPr>
+          <p:txBody>
+            <a:bodyPr rtlCol="0" anchor="ctr"/>
+            <a:lstStyle/>
+            <a:p>
+              <a:endParaRPr lang="en-US"/>
+            </a:p>
+          </p:txBody>
+        </p:sp>
+        <p:sp>
+          <p:nvSpPr>
+            <p:cNvPr id="13" name="Freeform: Shape 12">
+              <a:extLst>
+                <a:ext uri="{FF2B5EF4-FFF2-40B4-BE49-F238E27FC236}">
+                  <a16:creationId xmlns:a16="http://schemas.microsoft.com/office/drawing/2014/main" id="{50E02F68-8149-4236-8D9F-6B550F78B932}"/>
+                </a:ext>
+                <a:ext uri="{C183D7F6-B498-43B3-948B-1728B52AA6E4}">
+                  <adec:decorative xmlns:adec="http://schemas.microsoft.com/office/drawing/2017/decorative" val="1"/>
+                </a:ext>
+              </a:extLst>
+            </p:cNvPr>
+            <p:cNvSpPr/>
+            <p:nvPr>
+              <p:extLst>
+                <p:ext uri="{386F3935-93C4-4BCD-93E2-E3B085C9AB24}">
+                  <p16:designElem xmlns:p16="http://schemas.microsoft.com/office/powerpoint/2015/main" val="1"/>
+                </p:ext>
+              </p:extLst>
+            </p:nvPr>
+          </p:nvSpPr>
+          <p:spPr>
+            <a:xfrm>
+              <a:off x="10041267" y="4115729"/>
+              <a:ext cx="202882" cy="268223"/>
+            </a:xfrm>
+            <a:custGeom>
+              <a:avLst/>
+              <a:gdLst>
+                <a:gd name="connsiteX0" fmla="*/ 20669 w 202882"/>
+                <a:gd name="connsiteY0" fmla="*/ 268224 h 268223"/>
+                <a:gd name="connsiteX1" fmla="*/ 0 w 202882"/>
+                <a:gd name="connsiteY1" fmla="*/ 268224 h 268223"/>
+                <a:gd name="connsiteX2" fmla="*/ 182118 w 202882"/>
+                <a:gd name="connsiteY2" fmla="*/ 0 h 268223"/>
+                <a:gd name="connsiteX3" fmla="*/ 202883 w 202882"/>
+                <a:gd name="connsiteY3" fmla="*/ 0 h 268223"/>
+              </a:gdLst>
+              <a:ahLst/>
+              <a:cxnLst>
+                <a:cxn ang="0">
+                  <a:pos x="connsiteX0" y="connsiteY0"/>
+                </a:cxn>
+                <a:cxn ang="0">
+                  <a:pos x="connsiteX1" y="connsiteY1"/>
+                </a:cxn>
+                <a:cxn ang="0">
+                  <a:pos x="connsiteX2" y="connsiteY2"/>
+                </a:cxn>
+                <a:cxn ang="0">
+                  <a:pos x="connsiteX3" y="connsiteY3"/>
+                </a:cxn>
+              </a:cxnLst>
+              <a:rect l="l" t="t" r="r" b="b"/>
+              <a:pathLst>
+                <a:path w="202882" h="268223">
+                  <a:moveTo>
+                    <a:pt x="20669" y="268224"/>
+                  </a:moveTo>
+                  <a:lnTo>
+                    <a:pt x="0" y="268224"/>
+                  </a:lnTo>
+                  <a:lnTo>
+                    <a:pt x="182118" y="0"/>
+                  </a:lnTo>
+                  <a:lnTo>
+                    <a:pt x="202883" y="0"/>
+                  </a:lnTo>
+                  <a:close/>
+                </a:path>
+              </a:pathLst>
+            </a:custGeom>
+            <a:grpFill/>
+            <a:ln w="9525" cap="flat">
+              <a:noFill/>
+              <a:prstDash val="solid"/>
+              <a:miter/>
+            </a:ln>
+          </p:spPr>
+          <p:txBody>
+            <a:bodyPr rtlCol="0" anchor="ctr"/>
+            <a:lstStyle/>
+            <a:p>
+              <a:endParaRPr lang="en-US"/>
+            </a:p>
+          </p:txBody>
+        </p:sp>
+        <p:sp>
+          <p:nvSpPr>
+            <p:cNvPr id="14" name="Freeform: Shape 13">
+              <a:extLst>
+                <a:ext uri="{FF2B5EF4-FFF2-40B4-BE49-F238E27FC236}">
+                  <a16:creationId xmlns:a16="http://schemas.microsoft.com/office/drawing/2014/main" id="{956FCAAB-F073-4561-A484-42C7DD10DC26}"/>
+                </a:ext>
+                <a:ext uri="{C183D7F6-B498-43B3-948B-1728B52AA6E4}">
+                  <adec:decorative xmlns:adec="http://schemas.microsoft.com/office/drawing/2017/decorative" val="1"/>
+                </a:ext>
+              </a:extLst>
+            </p:cNvPr>
+            <p:cNvSpPr/>
+            <p:nvPr>
+              <p:extLst>
+                <p:ext uri="{386F3935-93C4-4BCD-93E2-E3B085C9AB24}">
+                  <p16:designElem xmlns:p16="http://schemas.microsoft.com/office/powerpoint/2015/main" val="1"/>
+                </p:ext>
+              </p:extLst>
+            </p:nvPr>
+          </p:nvSpPr>
+          <p:spPr>
+            <a:xfrm>
+              <a:off x="10141090" y="4115729"/>
+              <a:ext cx="202882" cy="268223"/>
+            </a:xfrm>
+            <a:custGeom>
+              <a:avLst/>
+              <a:gdLst>
+                <a:gd name="connsiteX0" fmla="*/ 20669 w 202882"/>
+                <a:gd name="connsiteY0" fmla="*/ 268224 h 268223"/>
+                <a:gd name="connsiteX1" fmla="*/ 0 w 202882"/>
+                <a:gd name="connsiteY1" fmla="*/ 268224 h 268223"/>
+                <a:gd name="connsiteX2" fmla="*/ 182118 w 202882"/>
+                <a:gd name="connsiteY2" fmla="*/ 0 h 268223"/>
+                <a:gd name="connsiteX3" fmla="*/ 202883 w 202882"/>
+                <a:gd name="connsiteY3" fmla="*/ 0 h 268223"/>
+              </a:gdLst>
+              <a:ahLst/>
+              <a:cxnLst>
+                <a:cxn ang="0">
+                  <a:pos x="connsiteX0" y="connsiteY0"/>
+                </a:cxn>
+                <a:cxn ang="0">
+                  <a:pos x="connsiteX1" y="connsiteY1"/>
+                </a:cxn>
+                <a:cxn ang="0">
+                  <a:pos x="connsiteX2" y="connsiteY2"/>
+                </a:cxn>
+                <a:cxn ang="0">
+                  <a:pos x="connsiteX3" y="connsiteY3"/>
+                </a:cxn>
+              </a:cxnLst>
+              <a:rect l="l" t="t" r="r" b="b"/>
+              <a:pathLst>
+                <a:path w="202882" h="268223">
+                  <a:moveTo>
+                    <a:pt x="20669" y="268224"/>
+                  </a:moveTo>
+                  <a:lnTo>
+                    <a:pt x="0" y="268224"/>
+                  </a:lnTo>
+                  <a:lnTo>
+                    <a:pt x="182118" y="0"/>
+                  </a:lnTo>
+                  <a:lnTo>
+                    <a:pt x="202883" y="0"/>
+                  </a:lnTo>
+                  <a:close/>
+                </a:path>
+              </a:pathLst>
+            </a:custGeom>
+            <a:grpFill/>
+            <a:ln w="9525" cap="flat">
+              <a:noFill/>
+              <a:prstDash val="solid"/>
+              <a:miter/>
+            </a:ln>
+          </p:spPr>
+          <p:txBody>
+            <a:bodyPr rtlCol="0" anchor="ctr"/>
+            <a:lstStyle/>
+            <a:p>
+              <a:endParaRPr lang="en-US"/>
+            </a:p>
+          </p:txBody>
+        </p:sp>
+        <p:sp>
+          <p:nvSpPr>
+            <p:cNvPr id="15" name="Freeform: Shape 14">
+              <a:extLst>
+                <a:ext uri="{FF2B5EF4-FFF2-40B4-BE49-F238E27FC236}">
+                  <a16:creationId xmlns:a16="http://schemas.microsoft.com/office/drawing/2014/main" id="{6CF8DB94-87A3-43E9-9BBB-301CFF0FB05B}"/>
+                </a:ext>
+                <a:ext uri="{C183D7F6-B498-43B3-948B-1728B52AA6E4}">
+                  <adec:decorative xmlns:adec="http://schemas.microsoft.com/office/drawing/2017/decorative" val="1"/>
+                </a:ext>
+              </a:extLst>
+            </p:cNvPr>
+            <p:cNvSpPr/>
+            <p:nvPr>
+              <p:extLst>
+                <p:ext uri="{386F3935-93C4-4BCD-93E2-E3B085C9AB24}">
+                  <p16:designElem xmlns:p16="http://schemas.microsoft.com/office/powerpoint/2015/main" val="1"/>
+                </p:ext>
+              </p:extLst>
+            </p:nvPr>
+          </p:nvSpPr>
+          <p:spPr>
+            <a:xfrm>
+              <a:off x="10240911" y="4115729"/>
+              <a:ext cx="202882" cy="268223"/>
+            </a:xfrm>
+            <a:custGeom>
+              <a:avLst/>
+              <a:gdLst>
+                <a:gd name="connsiteX0" fmla="*/ 20669 w 202882"/>
+                <a:gd name="connsiteY0" fmla="*/ 268224 h 268223"/>
+                <a:gd name="connsiteX1" fmla="*/ 0 w 202882"/>
+                <a:gd name="connsiteY1" fmla="*/ 268224 h 268223"/>
+                <a:gd name="connsiteX2" fmla="*/ 182118 w 202882"/>
+                <a:gd name="connsiteY2" fmla="*/ 0 h 268223"/>
+                <a:gd name="connsiteX3" fmla="*/ 202883 w 202882"/>
+                <a:gd name="connsiteY3" fmla="*/ 0 h 268223"/>
+              </a:gdLst>
+              <a:ahLst/>
+              <a:cxnLst>
+                <a:cxn ang="0">
+                  <a:pos x="connsiteX0" y="connsiteY0"/>
+                </a:cxn>
+                <a:cxn ang="0">
+                  <a:pos x="connsiteX1" y="connsiteY1"/>
+                </a:cxn>
+                <a:cxn ang="0">
+                  <a:pos x="connsiteX2" y="connsiteY2"/>
+                </a:cxn>
+                <a:cxn ang="0">
+                  <a:pos x="connsiteX3" y="connsiteY3"/>
+                </a:cxn>
+              </a:cxnLst>
+              <a:rect l="l" t="t" r="r" b="b"/>
+              <a:pathLst>
+                <a:path w="202882" h="268223">
+                  <a:moveTo>
+                    <a:pt x="20669" y="268224"/>
+                  </a:moveTo>
+                  <a:lnTo>
+                    <a:pt x="0" y="268224"/>
+                  </a:lnTo>
+                  <a:lnTo>
+                    <a:pt x="182118" y="0"/>
+                  </a:lnTo>
+                  <a:lnTo>
+                    <a:pt x="202883" y="0"/>
+                  </a:lnTo>
+                  <a:close/>
+                </a:path>
+              </a:pathLst>
+            </a:custGeom>
+            <a:grpFill/>
+            <a:ln w="9525" cap="flat">
+              <a:noFill/>
+              <a:prstDash val="solid"/>
+              <a:miter/>
+            </a:ln>
+          </p:spPr>
+          <p:txBody>
+            <a:bodyPr rtlCol="0" anchor="ctr"/>
+            <a:lstStyle/>
+            <a:p>
+              <a:endParaRPr lang="en-US"/>
+            </a:p>
+          </p:txBody>
+        </p:sp>
+      </p:grpSp>
+      <p:sp>
+        <p:nvSpPr>
+          <p:cNvPr id="17" name="Oval 16">
+            <a:extLst>
+              <a:ext uri="{FF2B5EF4-FFF2-40B4-BE49-F238E27FC236}">
+                <a16:creationId xmlns:a16="http://schemas.microsoft.com/office/drawing/2014/main" id="{7D6BF779-0B8C-4CC2-9268-9506AD0C5331}"/>
+              </a:ext>
+              <a:ext uri="{C183D7F6-B498-43B3-948B-1728B52AA6E4}">
+                <adec:decorative xmlns:adec="http://schemas.microsoft.com/office/drawing/2017/decorative" val="1"/>
+              </a:ext>
+            </a:extLst>
+          </p:cNvPr>
+          <p:cNvSpPr>
+            <a:spLocks noGrp="1" noRot="1" noChangeAspect="1" noMove="1" noResize="1" noEditPoints="1" noAdjustHandles="1" noChangeArrowheads="1" noChangeShapeType="1" noTextEdit="1"/>
+          </p:cNvSpPr>
+          <p:nvPr>
+            <p:extLst>
+              <p:ext uri="{386F3935-93C4-4BCD-93E2-E3B085C9AB24}">
+                <p16:designElem xmlns:p16="http://schemas.microsoft.com/office/powerpoint/2015/main" val="1"/>
+              </p:ext>
+            </p:extLst>
+          </p:nvPr>
+        </p:nvSpPr>
+        <p:spPr>
+          <a:xfrm>
+            <a:off x="320736" y="652894"/>
+            <a:ext cx="319941" cy="319941"/>
+          </a:xfrm>
+          <a:prstGeom prst="ellipse">
+            <a:avLst/>
+          </a:prstGeom>
+          <a:solidFill>
+            <a:schemeClr val="accent3">
+              <a:lumMod val="20000"/>
+              <a:lumOff val="80000"/>
+            </a:schemeClr>
+          </a:solidFill>
+          <a:ln w="28575">
+            <a:solidFill>
+              <a:schemeClr val="tx1"/>
+            </a:solidFill>
+          </a:ln>
+        </p:spPr>
+        <p:style>
+          <a:lnRef idx="2">
+            <a:schemeClr val="accent1">
+              <a:shade val="50000"/>
+            </a:schemeClr>
+          </a:lnRef>
+          <a:fillRef idx="1">
+            <a:schemeClr val="accent1"/>
+          </a:fillRef>
+          <a:effectRef idx="0">
+            <a:schemeClr val="accent1"/>
+          </a:effectRef>
+          <a:fontRef idx="minor">
+            <a:schemeClr val="lt1"/>
+          </a:fontRef>
+        </p:style>
+        <p:txBody>
+          <a:bodyPr rot="0" spcFirstLastPara="0" vertOverflow="overflow" horzOverflow="overflow" vert="horz" wrap="square" lIns="91440" tIns="45720" rIns="91440" bIns="45720" numCol="1" spcCol="0" rtlCol="0" fromWordArt="0" anchor="ctr" anchorCtr="0" forceAA="0" compatLnSpc="1">
+            <a:prstTxWarp prst="textNoShape">
+              <a:avLst/>
+            </a:prstTxWarp>
+            <a:noAutofit/>
+          </a:bodyPr>
+          <a:lstStyle/>
+          <a:p>
+            <a:pPr algn="ctr"/>
+            <a:endParaRPr lang="en-US"/>
+          </a:p>
+        </p:txBody>
+      </p:sp>
+      <p:sp useBgFill="1">
+        <p:nvSpPr>
+          <p:cNvPr id="19" name="Rectangle 18">
+            <a:extLst>
+              <a:ext uri="{FF2B5EF4-FFF2-40B4-BE49-F238E27FC236}">
+                <a16:creationId xmlns:a16="http://schemas.microsoft.com/office/drawing/2014/main" id="{3A397E3E-B90C-4D82-BAAA-36F7AC6A4565}"/>
+              </a:ext>
+              <a:ext uri="{C183D7F6-B498-43B3-948B-1728B52AA6E4}">
+                <adec:decorative xmlns:adec="http://schemas.microsoft.com/office/drawing/2017/decorative" val="1"/>
+              </a:ext>
+            </a:extLst>
+          </p:cNvPr>
+          <p:cNvSpPr>
+            <a:spLocks noGrp="1" noRot="1" noChangeAspect="1" noMove="1" noResize="1" noEditPoints="1" noAdjustHandles="1" noChangeArrowheads="1" noChangeShapeType="1" noTextEdit="1"/>
+          </p:cNvSpPr>
+          <p:nvPr>
+            <p:extLst>
+              <p:ext uri="{386F3935-93C4-4BCD-93E2-E3B085C9AB24}">
+                <p16:designElem xmlns:p16="http://schemas.microsoft.com/office/powerpoint/2015/main" val="1"/>
+              </p:ext>
+            </p:extLst>
+          </p:nvPr>
+        </p:nvSpPr>
+        <p:spPr>
+          <a:xfrm>
+            <a:off x="0" y="0"/>
+            <a:ext cx="12192000" cy="6858000"/>
+          </a:xfrm>
+          <a:prstGeom prst="rect">
+            <a:avLst/>
+          </a:prstGeom>
+          <a:ln>
+            <a:noFill/>
+          </a:ln>
+        </p:spPr>
+        <p:style>
+          <a:lnRef idx="2">
+            <a:schemeClr val="accent1">
+              <a:shade val="50000"/>
+            </a:schemeClr>
+          </a:lnRef>
+          <a:fillRef idx="1">
+            <a:schemeClr val="accent1"/>
+          </a:fillRef>
+          <a:effectRef idx="0">
+            <a:schemeClr val="accent1"/>
+          </a:effectRef>
+          <a:fontRef idx="minor">
+            <a:schemeClr val="lt1"/>
+          </a:fontRef>
+        </p:style>
+        <p:txBody>
+          <a:bodyPr rtlCol="0" anchor="ctr"/>
+          <a:lstStyle/>
+          <a:p>
+            <a:pPr algn="ctr"/>
+            <a:endParaRPr lang="en-US" dirty="0"/>
+          </a:p>
+        </p:txBody>
+      </p:sp>
+      <p:sp>
+        <p:nvSpPr>
+          <p:cNvPr id="21" name="Freeform: Shape 20">
+            <a:extLst>
+              <a:ext uri="{FF2B5EF4-FFF2-40B4-BE49-F238E27FC236}">
+                <a16:creationId xmlns:a16="http://schemas.microsoft.com/office/drawing/2014/main" id="{1EE8AD20-D46A-4CDA-ACE9-CDEE6F001164}"/>
+              </a:ext>
+              <a:ext uri="{C183D7F6-B498-43B3-948B-1728B52AA6E4}">
+                <adec:decorative xmlns:adec="http://schemas.microsoft.com/office/drawing/2017/decorative" val="1"/>
+              </a:ext>
+            </a:extLst>
+          </p:cNvPr>
+          <p:cNvSpPr>
+            <a:spLocks noGrp="1" noRot="1" noChangeAspect="1" noMove="1" noResize="1" noEditPoints="1" noAdjustHandles="1" noChangeArrowheads="1" noChangeShapeType="1" noTextEdit="1"/>
+          </p:cNvSpPr>
+          <p:nvPr>
+            <p:extLst>
+              <p:ext uri="{386F3935-93C4-4BCD-93E2-E3B085C9AB24}">
+                <p16:designElem xmlns:p16="http://schemas.microsoft.com/office/powerpoint/2015/main" val="1"/>
+              </p:ext>
+            </p:extLst>
+          </p:nvPr>
+        </p:nvSpPr>
+        <p:spPr>
+          <a:xfrm>
+            <a:off x="3" y="2"/>
+            <a:ext cx="2134216" cy="2258161"/>
+          </a:xfrm>
+          <a:custGeom>
+            <a:avLst/>
+            <a:gdLst>
+              <a:gd name="connsiteX0" fmla="*/ 2292284 w 3871489"/>
+              <a:gd name="connsiteY0" fmla="*/ 0 h 4096327"/>
+              <a:gd name="connsiteX1" fmla="*/ 3500914 w 3871489"/>
+              <a:gd name="connsiteY1" fmla="*/ 0 h 4096327"/>
+              <a:gd name="connsiteX2" fmla="*/ 3542229 w 3871489"/>
+              <a:gd name="connsiteY2" fmla="*/ 68006 h 4096327"/>
+              <a:gd name="connsiteX3" fmla="*/ 3871489 w 3871489"/>
+              <a:gd name="connsiteY3" fmla="*/ 1368323 h 4096327"/>
+              <a:gd name="connsiteX4" fmla="*/ 1143485 w 3871489"/>
+              <a:gd name="connsiteY4" fmla="*/ 4096327 h 4096327"/>
+              <a:gd name="connsiteX5" fmla="*/ 81633 w 3871489"/>
+              <a:gd name="connsiteY5" fmla="*/ 3881944 h 4096327"/>
+              <a:gd name="connsiteX6" fmla="*/ 0 w 3871489"/>
+              <a:gd name="connsiteY6" fmla="*/ 3842618 h 4096327"/>
+              <a:gd name="connsiteX7" fmla="*/ 0 w 3871489"/>
+              <a:gd name="connsiteY7" fmla="*/ 2741475 h 4096327"/>
+              <a:gd name="connsiteX8" fmla="*/ 6615 w 3871489"/>
+              <a:gd name="connsiteY8" fmla="*/ 2747487 h 4096327"/>
+              <a:gd name="connsiteX9" fmla="*/ 1143485 w 3871489"/>
+              <a:gd name="connsiteY9" fmla="*/ 3155655 h 4096327"/>
+              <a:gd name="connsiteX10" fmla="*/ 2930817 w 3871489"/>
+              <a:gd name="connsiteY10" fmla="*/ 1368323 h 4096327"/>
+              <a:gd name="connsiteX11" fmla="*/ 2407287 w 3871489"/>
+              <a:gd name="connsiteY11" fmla="*/ 104524 h 4096327"/>
+            </a:gdLst>
+            <a:ahLst/>
+            <a:cxnLst>
+              <a:cxn ang="0">
+                <a:pos x="connsiteX0" y="connsiteY0"/>
+              </a:cxn>
+              <a:cxn ang="0">
+                <a:pos x="connsiteX1" y="connsiteY1"/>
+              </a:cxn>
+              <a:cxn ang="0">
+                <a:pos x="connsiteX2" y="connsiteY2"/>
+              </a:cxn>
+              <a:cxn ang="0">
+                <a:pos x="connsiteX3" y="connsiteY3"/>
+              </a:cxn>
+              <a:cxn ang="0">
+                <a:pos x="connsiteX4" y="connsiteY4"/>
+              </a:cxn>
+              <a:cxn ang="0">
+                <a:pos x="connsiteX5" y="connsiteY5"/>
+              </a:cxn>
+              <a:cxn ang="0">
+                <a:pos x="connsiteX6" y="connsiteY6"/>
+              </a:cxn>
+              <a:cxn ang="0">
+                <a:pos x="connsiteX7" y="connsiteY7"/>
+              </a:cxn>
+              <a:cxn ang="0">
+                <a:pos x="connsiteX8" y="connsiteY8"/>
+              </a:cxn>
+              <a:cxn ang="0">
+                <a:pos x="connsiteX9" y="connsiteY9"/>
+              </a:cxn>
+              <a:cxn ang="0">
+                <a:pos x="connsiteX10" y="connsiteY10"/>
+              </a:cxn>
+              <a:cxn ang="0">
+                <a:pos x="connsiteX11" y="connsiteY11"/>
+              </a:cxn>
+            </a:cxnLst>
+            <a:rect l="l" t="t" r="r" b="b"/>
+            <a:pathLst>
+              <a:path w="3871489" h="4096327">
+                <a:moveTo>
+                  <a:pt x="2292284" y="0"/>
+                </a:moveTo>
+                <a:lnTo>
+                  <a:pt x="3500914" y="0"/>
+                </a:lnTo>
+                <a:lnTo>
+                  <a:pt x="3542229" y="68006"/>
+                </a:lnTo>
+                <a:cubicBezTo>
+                  <a:pt x="3752213" y="454545"/>
+                  <a:pt x="3871489" y="897507"/>
+                  <a:pt x="3871489" y="1368323"/>
+                </a:cubicBezTo>
+                <a:cubicBezTo>
+                  <a:pt x="3871489" y="2874936"/>
+                  <a:pt x="2650098" y="4096327"/>
+                  <a:pt x="1143485" y="4096327"/>
+                </a:cubicBezTo>
+                <a:cubicBezTo>
+                  <a:pt x="766832" y="4096327"/>
+                  <a:pt x="408006" y="4019990"/>
+                  <a:pt x="81633" y="3881944"/>
+                </a:cubicBezTo>
+                <a:lnTo>
+                  <a:pt x="0" y="3842618"/>
+                </a:lnTo>
+                <a:lnTo>
+                  <a:pt x="0" y="2741475"/>
+                </a:lnTo>
+                <a:lnTo>
+                  <a:pt x="6615" y="2747487"/>
+                </a:lnTo>
+                <a:cubicBezTo>
+                  <a:pt x="315579" y="3002472"/>
+                  <a:pt x="711663" y="3155655"/>
+                  <a:pt x="1143485" y="3155655"/>
+                </a:cubicBezTo>
+                <a:cubicBezTo>
+                  <a:pt x="2130515" y="3155655"/>
+                  <a:pt x="2930817" y="2355353"/>
+                  <a:pt x="2930817" y="1368323"/>
+                </a:cubicBezTo>
+                <a:cubicBezTo>
+                  <a:pt x="2930817" y="874812"/>
+                  <a:pt x="2730741" y="427979"/>
+                  <a:pt x="2407287" y="104524"/>
+                </a:cubicBezTo>
+                <a:close/>
+              </a:path>
+            </a:pathLst>
+          </a:custGeom>
+          <a:solidFill>
+            <a:srgbClr val="FFFFFF"/>
+          </a:solidFill>
+          <a:ln w="28575">
+            <a:noFill/>
+          </a:ln>
+        </p:spPr>
+        <p:style>
+          <a:lnRef idx="2">
+            <a:schemeClr val="accent1">
+              <a:shade val="50000"/>
+            </a:schemeClr>
+          </a:lnRef>
+          <a:fillRef idx="1">
+            <a:schemeClr val="accent1"/>
+          </a:fillRef>
+          <a:effectRef idx="0">
+            <a:schemeClr val="accent1"/>
+          </a:effectRef>
+          <a:fontRef idx="minor">
+            <a:schemeClr val="lt1"/>
+          </a:fontRef>
+        </p:style>
+        <p:txBody>
+          <a:bodyPr rot="0" spcFirstLastPara="0" vertOverflow="overflow" horzOverflow="overflow" vert="horz" wrap="square" lIns="91440" tIns="45720" rIns="91440" bIns="45720" numCol="1" spcCol="0" rtlCol="0" fromWordArt="0" anchor="ctr" anchorCtr="0" forceAA="0" compatLnSpc="1">
+            <a:prstTxWarp prst="textNoShape">
+              <a:avLst/>
+            </a:prstTxWarp>
+            <a:noAutofit/>
+          </a:bodyPr>
+          <a:lstStyle/>
+          <a:p>
+            <a:pPr algn="ctr"/>
+            <a:endParaRPr lang="en-US">
+              <a:solidFill>
+                <a:schemeClr val="accent1"/>
+              </a:solidFill>
+            </a:endParaRPr>
+          </a:p>
+        </p:txBody>
+      </p:sp>
+      <p:sp>
+        <p:nvSpPr>
+          <p:cNvPr id="23" name="Freeform: Shape 22">
+            <a:extLst>
+              <a:ext uri="{FF2B5EF4-FFF2-40B4-BE49-F238E27FC236}">
+                <a16:creationId xmlns:a16="http://schemas.microsoft.com/office/drawing/2014/main" id="{9A19265B-5023-4F97-B3C5-6DC04937BDE4}"/>
+              </a:ext>
+              <a:ext uri="{C183D7F6-B498-43B3-948B-1728B52AA6E4}">
+                <adec:decorative xmlns:adec="http://schemas.microsoft.com/office/drawing/2017/decorative" val="1"/>
+              </a:ext>
+            </a:extLst>
+          </p:cNvPr>
+          <p:cNvSpPr>
+            <a:spLocks noGrp="1" noRot="1" noChangeAspect="1" noMove="1" noResize="1" noEditPoints="1" noAdjustHandles="1" noChangeArrowheads="1" noChangeShapeType="1" noTextEdit="1"/>
+          </p:cNvSpPr>
+          <p:nvPr>
+            <p:extLst>
+              <p:ext uri="{386F3935-93C4-4BCD-93E2-E3B085C9AB24}">
+                <p16:designElem xmlns:p16="http://schemas.microsoft.com/office/powerpoint/2015/main" val="1"/>
+              </p:ext>
+            </p:extLst>
+          </p:nvPr>
+        </p:nvSpPr>
+        <p:spPr>
+          <a:xfrm>
+            <a:off x="3" y="2"/>
+            <a:ext cx="2134216" cy="2258161"/>
+          </a:xfrm>
+          <a:custGeom>
+            <a:avLst/>
+            <a:gdLst>
+              <a:gd name="connsiteX0" fmla="*/ 2292284 w 3871489"/>
+              <a:gd name="connsiteY0" fmla="*/ 0 h 4096327"/>
+              <a:gd name="connsiteX1" fmla="*/ 3500914 w 3871489"/>
+              <a:gd name="connsiteY1" fmla="*/ 0 h 4096327"/>
+              <a:gd name="connsiteX2" fmla="*/ 3542229 w 3871489"/>
+              <a:gd name="connsiteY2" fmla="*/ 68006 h 4096327"/>
+              <a:gd name="connsiteX3" fmla="*/ 3871489 w 3871489"/>
+              <a:gd name="connsiteY3" fmla="*/ 1368323 h 4096327"/>
+              <a:gd name="connsiteX4" fmla="*/ 1143485 w 3871489"/>
+              <a:gd name="connsiteY4" fmla="*/ 4096327 h 4096327"/>
+              <a:gd name="connsiteX5" fmla="*/ 81633 w 3871489"/>
+              <a:gd name="connsiteY5" fmla="*/ 3881944 h 4096327"/>
+              <a:gd name="connsiteX6" fmla="*/ 0 w 3871489"/>
+              <a:gd name="connsiteY6" fmla="*/ 3842618 h 4096327"/>
+              <a:gd name="connsiteX7" fmla="*/ 0 w 3871489"/>
+              <a:gd name="connsiteY7" fmla="*/ 2741475 h 4096327"/>
+              <a:gd name="connsiteX8" fmla="*/ 6615 w 3871489"/>
+              <a:gd name="connsiteY8" fmla="*/ 2747487 h 4096327"/>
+              <a:gd name="connsiteX9" fmla="*/ 1143485 w 3871489"/>
+              <a:gd name="connsiteY9" fmla="*/ 3155655 h 4096327"/>
+              <a:gd name="connsiteX10" fmla="*/ 2930817 w 3871489"/>
+              <a:gd name="connsiteY10" fmla="*/ 1368323 h 4096327"/>
+              <a:gd name="connsiteX11" fmla="*/ 2407287 w 3871489"/>
+              <a:gd name="connsiteY11" fmla="*/ 104524 h 4096327"/>
+            </a:gdLst>
+            <a:ahLst/>
+            <a:cxnLst>
+              <a:cxn ang="0">
+                <a:pos x="connsiteX0" y="connsiteY0"/>
+              </a:cxn>
+              <a:cxn ang="0">
+                <a:pos x="connsiteX1" y="connsiteY1"/>
+              </a:cxn>
+              <a:cxn ang="0">
+                <a:pos x="connsiteX2" y="connsiteY2"/>
+              </a:cxn>
+              <a:cxn ang="0">
+                <a:pos x="connsiteX3" y="connsiteY3"/>
+              </a:cxn>
+              <a:cxn ang="0">
+                <a:pos x="connsiteX4" y="connsiteY4"/>
+              </a:cxn>
+              <a:cxn ang="0">
+                <a:pos x="connsiteX5" y="connsiteY5"/>
+              </a:cxn>
+              <a:cxn ang="0">
+                <a:pos x="connsiteX6" y="connsiteY6"/>
+              </a:cxn>
+              <a:cxn ang="0">
+                <a:pos x="connsiteX7" y="connsiteY7"/>
+              </a:cxn>
+              <a:cxn ang="0">
+                <a:pos x="connsiteX8" y="connsiteY8"/>
+              </a:cxn>
+              <a:cxn ang="0">
+                <a:pos x="connsiteX9" y="connsiteY9"/>
+              </a:cxn>
+              <a:cxn ang="0">
+                <a:pos x="connsiteX10" y="connsiteY10"/>
+              </a:cxn>
+              <a:cxn ang="0">
+                <a:pos x="connsiteX11" y="connsiteY11"/>
+              </a:cxn>
+            </a:cxnLst>
+            <a:rect l="l" t="t" r="r" b="b"/>
+            <a:pathLst>
+              <a:path w="3871489" h="4096327">
+                <a:moveTo>
+                  <a:pt x="2292284" y="0"/>
+                </a:moveTo>
+                <a:lnTo>
+                  <a:pt x="3500914" y="0"/>
+                </a:lnTo>
+                <a:lnTo>
+                  <a:pt x="3542229" y="68006"/>
+                </a:lnTo>
+                <a:cubicBezTo>
+                  <a:pt x="3752213" y="454545"/>
+                  <a:pt x="3871489" y="897507"/>
+                  <a:pt x="3871489" y="1368323"/>
+                </a:cubicBezTo>
+                <a:cubicBezTo>
+                  <a:pt x="3871489" y="2874936"/>
+                  <a:pt x="2650098" y="4096327"/>
+                  <a:pt x="1143485" y="4096327"/>
+                </a:cubicBezTo>
+                <a:cubicBezTo>
+                  <a:pt x="766832" y="4096327"/>
+                  <a:pt x="408006" y="4019990"/>
+                  <a:pt x="81633" y="3881944"/>
+                </a:cubicBezTo>
+                <a:lnTo>
+                  <a:pt x="0" y="3842618"/>
+                </a:lnTo>
+                <a:lnTo>
+                  <a:pt x="0" y="2741475"/>
+                </a:lnTo>
+                <a:lnTo>
+                  <a:pt x="6615" y="2747487"/>
+                </a:lnTo>
+                <a:cubicBezTo>
+                  <a:pt x="315579" y="3002472"/>
+                  <a:pt x="711663" y="3155655"/>
+                  <a:pt x="1143485" y="3155655"/>
+                </a:cubicBezTo>
+                <a:cubicBezTo>
+                  <a:pt x="2130515" y="3155655"/>
+                  <a:pt x="2930817" y="2355353"/>
+                  <a:pt x="2930817" y="1368323"/>
+                </a:cubicBezTo>
+                <a:cubicBezTo>
+                  <a:pt x="2930817" y="874812"/>
+                  <a:pt x="2730741" y="427979"/>
+                  <a:pt x="2407287" y="104524"/>
+                </a:cubicBezTo>
+                <a:close/>
+              </a:path>
+            </a:pathLst>
+          </a:custGeom>
+          <a:solidFill>
+            <a:schemeClr val="accent1">
+              <a:alpha val="20000"/>
+            </a:schemeClr>
+          </a:solidFill>
+          <a:ln w="28575">
+            <a:noFill/>
+          </a:ln>
+        </p:spPr>
+        <p:style>
+          <a:lnRef idx="2">
+            <a:schemeClr val="accent1">
+              <a:shade val="50000"/>
+            </a:schemeClr>
+          </a:lnRef>
+          <a:fillRef idx="1">
+            <a:schemeClr val="accent1"/>
+          </a:fillRef>
+          <a:effectRef idx="0">
+            <a:schemeClr val="accent1"/>
+          </a:effectRef>
+          <a:fontRef idx="minor">
+            <a:schemeClr val="lt1"/>
+          </a:fontRef>
+        </p:style>
+        <p:txBody>
+          <a:bodyPr rot="0" spcFirstLastPara="0" vertOverflow="overflow" horzOverflow="overflow" vert="horz" wrap="square" lIns="91440" tIns="45720" rIns="91440" bIns="45720" numCol="1" spcCol="0" rtlCol="0" fromWordArt="0" anchor="ctr" anchorCtr="0" forceAA="0" compatLnSpc="1">
+            <a:prstTxWarp prst="textNoShape">
+              <a:avLst/>
+            </a:prstTxWarp>
+            <a:noAutofit/>
+          </a:bodyPr>
+          <a:lstStyle/>
+          <a:p>
+            <a:pPr algn="ctr"/>
+            <a:endParaRPr lang="en-US">
+              <a:solidFill>
+                <a:schemeClr val="accent1"/>
+              </a:solidFill>
+            </a:endParaRPr>
+          </a:p>
+        </p:txBody>
+      </p:sp>
+      <p:sp>
+        <p:nvSpPr>
+          <p:cNvPr id="25" name="Rectangle 24">
+            <a:extLst>
+              <a:ext uri="{FF2B5EF4-FFF2-40B4-BE49-F238E27FC236}">
+                <a16:creationId xmlns:a16="http://schemas.microsoft.com/office/drawing/2014/main" id="{E167761E-9A06-42D7-A1E1-99C836918D41}"/>
+              </a:ext>
+              <a:ext uri="{C183D7F6-B498-43B3-948B-1728B52AA6E4}">
+                <adec:decorative xmlns:adec="http://schemas.microsoft.com/office/drawing/2017/decorative" val="1"/>
+              </a:ext>
+            </a:extLst>
+          </p:cNvPr>
+          <p:cNvSpPr>
+            <a:spLocks noGrp="1" noRot="1" noChangeAspect="1" noMove="1" noResize="1" noEditPoints="1" noAdjustHandles="1" noChangeArrowheads="1" noChangeShapeType="1" noTextEdit="1"/>
+          </p:cNvSpPr>
+          <p:nvPr>
+            <p:extLst>
+              <p:ext uri="{386F3935-93C4-4BCD-93E2-E3B085C9AB24}">
+                <p16:designElem xmlns:p16="http://schemas.microsoft.com/office/powerpoint/2015/main" val="1"/>
+              </p:ext>
+            </p:extLst>
+          </p:nvPr>
+        </p:nvSpPr>
+        <p:spPr>
+          <a:xfrm>
+            <a:off x="1481312" y="743744"/>
+            <a:ext cx="4860256" cy="4589316"/>
+          </a:xfrm>
+          <a:prstGeom prst="rect">
+            <a:avLst/>
+          </a:prstGeom>
+          <a:solidFill>
+            <a:srgbClr val="FFFFFF"/>
+          </a:solidFill>
+          <a:ln w="28575">
+            <a:noFill/>
+          </a:ln>
+        </p:spPr>
+        <p:style>
+          <a:lnRef idx="2">
+            <a:schemeClr val="accent1">
+              <a:shade val="50000"/>
+            </a:schemeClr>
+          </a:lnRef>
+          <a:fillRef idx="1">
+            <a:schemeClr val="accent1"/>
+          </a:fillRef>
+          <a:effectRef idx="0">
+            <a:schemeClr val="accent1"/>
+          </a:effectRef>
+          <a:fontRef idx="minor">
+            <a:schemeClr val="lt1"/>
+          </a:fontRef>
+        </p:style>
+        <p:txBody>
+          <a:bodyPr rot="0" spcFirstLastPara="0" vertOverflow="overflow" horzOverflow="overflow" vert="horz" wrap="square" lIns="91440" tIns="45720" rIns="91440" bIns="45720" numCol="1" spcCol="0" rtlCol="0" fromWordArt="0" anchor="ctr" anchorCtr="0" forceAA="0" compatLnSpc="1">
+            <a:prstTxWarp prst="textNoShape">
+              <a:avLst/>
+            </a:prstTxWarp>
+            <a:noAutofit/>
+          </a:bodyPr>
+          <a:lstStyle/>
+          <a:p>
+            <a:pPr algn="ctr"/>
+            <a:endParaRPr lang="en-US">
+              <a:solidFill>
+                <a:schemeClr val="accent1"/>
+              </a:solidFill>
+            </a:endParaRPr>
+          </a:p>
+        </p:txBody>
+      </p:sp>
+      <p:sp>
+        <p:nvSpPr>
+          <p:cNvPr id="27" name="Rectangle 26">
+            <a:extLst>
+              <a:ext uri="{FF2B5EF4-FFF2-40B4-BE49-F238E27FC236}">
+                <a16:creationId xmlns:a16="http://schemas.microsoft.com/office/drawing/2014/main" id="{6E1810D1-939F-4DDF-9906-72FABD13604A}"/>
+              </a:ext>
+              <a:ext uri="{C183D7F6-B498-43B3-948B-1728B52AA6E4}">
+                <adec:decorative xmlns:adec="http://schemas.microsoft.com/office/drawing/2017/decorative" val="1"/>
+              </a:ext>
+            </a:extLst>
+          </p:cNvPr>
+          <p:cNvSpPr>
+            <a:spLocks noGrp="1" noRot="1" noChangeAspect="1" noMove="1" noResize="1" noEditPoints="1" noAdjustHandles="1" noChangeArrowheads="1" noChangeShapeType="1" noTextEdit="1"/>
+          </p:cNvSpPr>
+          <p:nvPr>
+            <p:extLst>
+              <p:ext uri="{386F3935-93C4-4BCD-93E2-E3B085C9AB24}">
+                <p16:designElem xmlns:p16="http://schemas.microsoft.com/office/powerpoint/2015/main" val="1"/>
+              </p:ext>
+            </p:extLst>
+          </p:nvPr>
+        </p:nvSpPr>
+        <p:spPr>
+          <a:xfrm>
+            <a:off x="1481312" y="743744"/>
+            <a:ext cx="4860256" cy="4589316"/>
+          </a:xfrm>
+          <a:prstGeom prst="rect">
+            <a:avLst/>
+          </a:prstGeom>
+          <a:solidFill>
+            <a:schemeClr val="accent1">
+              <a:alpha val="20000"/>
+            </a:schemeClr>
+          </a:solidFill>
+          <a:ln w="28575">
+            <a:solidFill>
+              <a:schemeClr val="tx1"/>
+            </a:solidFill>
+          </a:ln>
+        </p:spPr>
+        <p:style>
+          <a:lnRef idx="2">
+            <a:schemeClr val="accent1">
+              <a:shade val="50000"/>
+            </a:schemeClr>
+          </a:lnRef>
+          <a:fillRef idx="1">
+            <a:schemeClr val="accent1"/>
+          </a:fillRef>
+          <a:effectRef idx="0">
+            <a:schemeClr val="accent1"/>
+          </a:effectRef>
+          <a:fontRef idx="minor">
+            <a:schemeClr val="lt1"/>
+          </a:fontRef>
+        </p:style>
+        <p:txBody>
+          <a:bodyPr rtlCol="0" anchor="ctr"/>
+          <a:lstStyle/>
+          <a:p>
+            <a:pPr algn="ctr"/>
+            <a:endParaRPr lang="en-US"/>
+          </a:p>
+        </p:txBody>
+      </p:sp>
+      <p:sp useBgFill="1">
+        <p:nvSpPr>
+          <p:cNvPr id="29" name="Rectangle 28">
+            <a:extLst>
+              <a:ext uri="{FF2B5EF4-FFF2-40B4-BE49-F238E27FC236}">
+                <a16:creationId xmlns:a16="http://schemas.microsoft.com/office/drawing/2014/main" id="{547FBA6C-82DB-4925-B184-33CC47C86D0F}"/>
+              </a:ext>
+              <a:ext uri="{C183D7F6-B498-43B3-948B-1728B52AA6E4}">
+                <adec:decorative xmlns:adec="http://schemas.microsoft.com/office/drawing/2017/decorative" val="1"/>
+              </a:ext>
+            </a:extLst>
+          </p:cNvPr>
+          <p:cNvSpPr>
+            <a:spLocks noGrp="1" noRot="1" noChangeAspect="1" noMove="1" noResize="1" noEditPoints="1" noAdjustHandles="1" noChangeArrowheads="1" noChangeShapeType="1" noTextEdit="1"/>
+          </p:cNvSpPr>
+          <p:nvPr>
+            <p:extLst>
+              <p:ext uri="{386F3935-93C4-4BCD-93E2-E3B085C9AB24}">
+                <p16:designElem xmlns:p16="http://schemas.microsoft.com/office/powerpoint/2015/main" val="1"/>
+              </p:ext>
+            </p:extLst>
+          </p:nvPr>
+        </p:nvSpPr>
+        <p:spPr>
+          <a:xfrm>
+            <a:off x="1379729" y="648365"/>
+            <a:ext cx="4860256" cy="4589316"/>
+          </a:xfrm>
+          <a:prstGeom prst="rect">
+            <a:avLst/>
+          </a:prstGeom>
+          <a:ln w="28575">
+            <a:solidFill>
+              <a:schemeClr val="tx1"/>
+            </a:solidFill>
+          </a:ln>
+        </p:spPr>
+        <p:style>
+          <a:lnRef idx="2">
+            <a:schemeClr val="accent1">
+              <a:shade val="50000"/>
+            </a:schemeClr>
+          </a:lnRef>
+          <a:fillRef idx="1">
+            <a:schemeClr val="accent1"/>
+          </a:fillRef>
+          <a:effectRef idx="0">
+            <a:schemeClr val="accent1"/>
+          </a:effectRef>
+          <a:fontRef idx="minor">
+            <a:schemeClr val="lt1"/>
+          </a:fontRef>
+        </p:style>
+        <p:txBody>
+          <a:bodyPr rtlCol="0" anchor="ctr"/>
+          <a:lstStyle/>
+          <a:p>
+            <a:pPr algn="ctr"/>
+            <a:endParaRPr lang="en-US"/>
+          </a:p>
+        </p:txBody>
+      </p:sp>
+      <p:sp>
+        <p:nvSpPr>
+          <p:cNvPr id="2" name="Title 1">
+            <a:extLst>
+              <a:ext uri="{FF2B5EF4-FFF2-40B4-BE49-F238E27FC236}">
+                <a16:creationId xmlns:a16="http://schemas.microsoft.com/office/drawing/2014/main" id="{EC02FF29-FD3C-334E-AB6A-E9255AFBF633}"/>
+              </a:ext>
+            </a:extLst>
+          </p:cNvPr>
+          <p:cNvSpPr>
+            <a:spLocks noGrp="1"/>
+          </p:cNvSpPr>
+          <p:nvPr>
+            <p:ph type="title"/>
+          </p:nvPr>
+        </p:nvSpPr>
+        <p:spPr>
+          <a:xfrm>
+            <a:off x="1521269" y="799275"/>
+            <a:ext cx="4579668" cy="3028072"/>
+          </a:xfrm>
+        </p:spPr>
+        <p:txBody>
+          <a:bodyPr vert="horz" lIns="91440" tIns="45720" rIns="91440" bIns="45720" rtlCol="0" anchor="b">
+            <a:normAutofit/>
+          </a:bodyPr>
+          <a:lstStyle/>
+          <a:p>
+            <a:pPr algn="ctr"/>
+            <a:r>
+              <a:rPr lang="en-US" sz="2000" b="1" cap="all" spc="1500">
+                <a:ea typeface="Source Sans Pro SemiBold" panose="020B0603030403020204" pitchFamily="34" charset="0"/>
+              </a:rPr>
+              <a:t>Introduction page</a:t>
+            </a:r>
+          </a:p>
+        </p:txBody>
+      </p:sp>
+      <p:grpSp>
+        <p:nvGrpSpPr>
+          <p:cNvPr id="31" name="Graphic 185">
+            <a:extLst>
+              <a:ext uri="{FF2B5EF4-FFF2-40B4-BE49-F238E27FC236}">
+                <a16:creationId xmlns:a16="http://schemas.microsoft.com/office/drawing/2014/main" id="{0ECF8052-C3DA-4816-AE5E-732CDCFFDDE0}"/>
+              </a:ext>
+              <a:ext uri="{C183D7F6-B498-43B3-948B-1728B52AA6E4}">
+                <adec:decorative xmlns:adec="http://schemas.microsoft.com/office/drawing/2017/decorative" val="1"/>
+              </a:ext>
+            </a:extLst>
+          </p:cNvPr>
+          <p:cNvGrpSpPr>
+            <a:grpSpLocks noGrp="1" noUngrp="1" noRot="1" noChangeAspect="1" noMove="1" noResize="1"/>
+          </p:cNvGrpSpPr>
+          <p:nvPr>
+            <p:extLst>
+              <p:ext uri="{386F3935-93C4-4BCD-93E2-E3B085C9AB24}">
+                <p16:designElem xmlns:p16="http://schemas.microsoft.com/office/powerpoint/2015/main" val="1"/>
+              </p:ext>
+            </p:extLst>
+          </p:nvPr>
+        </p:nvGrpSpPr>
+        <p:grpSpPr>
+          <a:xfrm>
+            <a:off x="10358345" y="1663988"/>
+            <a:ext cx="843745" cy="375828"/>
+            <a:chOff x="9841624" y="4115729"/>
+            <a:chExt cx="602169" cy="268223"/>
+          </a:xfrm>
+          <a:solidFill>
+            <a:schemeClr val="tx1"/>
+          </a:solidFill>
+        </p:grpSpPr>
+        <p:sp>
+          <p:nvSpPr>
+            <p:cNvPr id="32" name="Freeform: Shape 31">
+              <a:extLst>
+                <a:ext uri="{FF2B5EF4-FFF2-40B4-BE49-F238E27FC236}">
+                  <a16:creationId xmlns:a16="http://schemas.microsoft.com/office/drawing/2014/main" id="{F9E9B70F-47D9-47CF-8B0D-E5B282D6B8D3}"/>
+                </a:ext>
+                <a:ext uri="{C183D7F6-B498-43B3-948B-1728B52AA6E4}">
+                  <adec:decorative xmlns:adec="http://schemas.microsoft.com/office/drawing/2017/decorative" val="1"/>
+                </a:ext>
+              </a:extLst>
+            </p:cNvPr>
+            <p:cNvSpPr/>
+            <p:nvPr>
+              <p:extLst>
+                <p:ext uri="{386F3935-93C4-4BCD-93E2-E3B085C9AB24}">
+                  <p16:designElem xmlns:p16="http://schemas.microsoft.com/office/powerpoint/2015/main" val="1"/>
+                </p:ext>
+              </p:extLst>
+            </p:nvPr>
+          </p:nvSpPr>
+          <p:spPr>
+            <a:xfrm>
+              <a:off x="9841624" y="4115729"/>
+              <a:ext cx="202882" cy="268223"/>
+            </a:xfrm>
+            <a:custGeom>
+              <a:avLst/>
+              <a:gdLst>
+                <a:gd name="connsiteX0" fmla="*/ 20765 w 202882"/>
+                <a:gd name="connsiteY0" fmla="*/ 268224 h 268223"/>
+                <a:gd name="connsiteX1" fmla="*/ 0 w 202882"/>
+                <a:gd name="connsiteY1" fmla="*/ 268224 h 268223"/>
+                <a:gd name="connsiteX2" fmla="*/ 182118 w 202882"/>
+                <a:gd name="connsiteY2" fmla="*/ 0 h 268223"/>
+                <a:gd name="connsiteX3" fmla="*/ 202883 w 202882"/>
+                <a:gd name="connsiteY3" fmla="*/ 0 h 268223"/>
+              </a:gdLst>
+              <a:ahLst/>
+              <a:cxnLst>
+                <a:cxn ang="0">
+                  <a:pos x="connsiteX0" y="connsiteY0"/>
+                </a:cxn>
+                <a:cxn ang="0">
+                  <a:pos x="connsiteX1" y="connsiteY1"/>
+                </a:cxn>
+                <a:cxn ang="0">
+                  <a:pos x="connsiteX2" y="connsiteY2"/>
+                </a:cxn>
+                <a:cxn ang="0">
+                  <a:pos x="connsiteX3" y="connsiteY3"/>
+                </a:cxn>
+              </a:cxnLst>
+              <a:rect l="l" t="t" r="r" b="b"/>
+              <a:pathLst>
+                <a:path w="202882" h="268223">
+                  <a:moveTo>
+                    <a:pt x="20765" y="268224"/>
+                  </a:moveTo>
+                  <a:lnTo>
+                    <a:pt x="0" y="268224"/>
+                  </a:lnTo>
+                  <a:lnTo>
+                    <a:pt x="182118" y="0"/>
+                  </a:lnTo>
+                  <a:lnTo>
+                    <a:pt x="202883" y="0"/>
+                  </a:lnTo>
+                  <a:close/>
+                </a:path>
+              </a:pathLst>
+            </a:custGeom>
+            <a:grpFill/>
+            <a:ln w="28575">
+              <a:noFill/>
+            </a:ln>
+          </p:spPr>
+          <p:style>
+            <a:lnRef idx="2">
+              <a:schemeClr val="accent1">
+                <a:shade val="50000"/>
+              </a:schemeClr>
+            </a:lnRef>
+            <a:fillRef idx="1">
+              <a:schemeClr val="accent1"/>
+            </a:fillRef>
+            <a:effectRef idx="0">
+              <a:schemeClr val="accent1"/>
+            </a:effectRef>
+            <a:fontRef idx="minor">
+              <a:schemeClr val="lt1"/>
+            </a:fontRef>
+          </p:style>
+          <p:txBody>
+            <a:bodyPr rot="0" spcFirstLastPara="0" vertOverflow="overflow" horzOverflow="overflow" vert="horz" wrap="square" lIns="91440" tIns="45720" rIns="91440" bIns="45720" numCol="1" spcCol="0" rtlCol="0" fromWordArt="0" anchor="ctr" anchorCtr="0" forceAA="0" compatLnSpc="1">
+              <a:prstTxWarp prst="textNoShape">
+                <a:avLst/>
+              </a:prstTxWarp>
+              <a:noAutofit/>
+            </a:bodyPr>
+            <a:lstStyle/>
+            <a:p>
+              <a:pPr algn="ctr"/>
+              <a:endParaRPr lang="en-US">
+                <a:solidFill>
+                  <a:schemeClr val="accent1"/>
+                </a:solidFill>
+              </a:endParaRPr>
+            </a:p>
+          </p:txBody>
+        </p:sp>
+        <p:sp>
+          <p:nvSpPr>
+            <p:cNvPr id="33" name="Freeform: Shape 32">
+              <a:extLst>
+                <a:ext uri="{FF2B5EF4-FFF2-40B4-BE49-F238E27FC236}">
+                  <a16:creationId xmlns:a16="http://schemas.microsoft.com/office/drawing/2014/main" id="{F75EF19C-EB14-4387-8C4D-AF88C873C910}"/>
+                </a:ext>
+                <a:ext uri="{C183D7F6-B498-43B3-948B-1728B52AA6E4}">
+                  <adec:decorative xmlns:adec="http://schemas.microsoft.com/office/drawing/2017/decorative" val="1"/>
+                </a:ext>
+              </a:extLst>
+            </p:cNvPr>
+            <p:cNvSpPr/>
+            <p:nvPr>
+              <p:extLst>
+                <p:ext uri="{386F3935-93C4-4BCD-93E2-E3B085C9AB24}">
+                  <p16:designElem xmlns:p16="http://schemas.microsoft.com/office/powerpoint/2015/main" val="1"/>
+                </p:ext>
+              </p:extLst>
+            </p:nvPr>
+          </p:nvSpPr>
+          <p:spPr>
+            <a:xfrm>
+              <a:off x="9941445" y="4115729"/>
+              <a:ext cx="202882" cy="268223"/>
+            </a:xfrm>
+            <a:custGeom>
+              <a:avLst/>
+              <a:gdLst>
+                <a:gd name="connsiteX0" fmla="*/ 20765 w 202882"/>
+                <a:gd name="connsiteY0" fmla="*/ 268224 h 268223"/>
+                <a:gd name="connsiteX1" fmla="*/ 0 w 202882"/>
+                <a:gd name="connsiteY1" fmla="*/ 268224 h 268223"/>
+                <a:gd name="connsiteX2" fmla="*/ 182118 w 202882"/>
+                <a:gd name="connsiteY2" fmla="*/ 0 h 268223"/>
+                <a:gd name="connsiteX3" fmla="*/ 202883 w 202882"/>
+                <a:gd name="connsiteY3" fmla="*/ 0 h 268223"/>
+              </a:gdLst>
+              <a:ahLst/>
+              <a:cxnLst>
+                <a:cxn ang="0">
+                  <a:pos x="connsiteX0" y="connsiteY0"/>
+                </a:cxn>
+                <a:cxn ang="0">
+                  <a:pos x="connsiteX1" y="connsiteY1"/>
+                </a:cxn>
+                <a:cxn ang="0">
+                  <a:pos x="connsiteX2" y="connsiteY2"/>
+                </a:cxn>
+                <a:cxn ang="0">
+                  <a:pos x="connsiteX3" y="connsiteY3"/>
+                </a:cxn>
+              </a:cxnLst>
+              <a:rect l="l" t="t" r="r" b="b"/>
+              <a:pathLst>
+                <a:path w="202882" h="268223">
+                  <a:moveTo>
+                    <a:pt x="20765" y="268224"/>
+                  </a:moveTo>
+                  <a:lnTo>
+                    <a:pt x="0" y="268224"/>
+                  </a:lnTo>
+                  <a:lnTo>
+                    <a:pt x="182118" y="0"/>
+                  </a:lnTo>
+                  <a:lnTo>
+                    <a:pt x="202883" y="0"/>
+                  </a:lnTo>
+                  <a:close/>
+                </a:path>
+              </a:pathLst>
+            </a:custGeom>
+            <a:grpFill/>
+            <a:ln w="28575">
+              <a:noFill/>
+            </a:ln>
+          </p:spPr>
+          <p:style>
+            <a:lnRef idx="2">
+              <a:schemeClr val="accent1">
+                <a:shade val="50000"/>
+              </a:schemeClr>
+            </a:lnRef>
+            <a:fillRef idx="1">
+              <a:schemeClr val="accent1"/>
+            </a:fillRef>
+            <a:effectRef idx="0">
+              <a:schemeClr val="accent1"/>
+            </a:effectRef>
+            <a:fontRef idx="minor">
+              <a:schemeClr val="lt1"/>
+            </a:fontRef>
+          </p:style>
+          <p:txBody>
+            <a:bodyPr rot="0" spcFirstLastPara="0" vertOverflow="overflow" horzOverflow="overflow" vert="horz" wrap="square" lIns="91440" tIns="45720" rIns="91440" bIns="45720" numCol="1" spcCol="0" rtlCol="0" fromWordArt="0" anchor="ctr" anchorCtr="0" forceAA="0" compatLnSpc="1">
+              <a:prstTxWarp prst="textNoShape">
+                <a:avLst/>
+              </a:prstTxWarp>
+              <a:noAutofit/>
+            </a:bodyPr>
+            <a:lstStyle/>
+            <a:p>
+              <a:pPr algn="ctr"/>
+              <a:endParaRPr lang="en-US" dirty="0">
+                <a:solidFill>
+                  <a:schemeClr val="accent1"/>
+                </a:solidFill>
+              </a:endParaRPr>
+            </a:p>
+          </p:txBody>
+        </p:sp>
+        <p:sp>
+          <p:nvSpPr>
+            <p:cNvPr id="34" name="Freeform: Shape 33">
+              <a:extLst>
+                <a:ext uri="{FF2B5EF4-FFF2-40B4-BE49-F238E27FC236}">
+                  <a16:creationId xmlns:a16="http://schemas.microsoft.com/office/drawing/2014/main" id="{A66EBC76-FA4E-4AF6-BFE7-FB8FABF3D4AB}"/>
+                </a:ext>
+                <a:ext uri="{C183D7F6-B498-43B3-948B-1728B52AA6E4}">
+                  <adec:decorative xmlns:adec="http://schemas.microsoft.com/office/drawing/2017/decorative" val="1"/>
+                </a:ext>
+              </a:extLst>
+            </p:cNvPr>
+            <p:cNvSpPr/>
+            <p:nvPr>
+              <p:extLst>
+                <p:ext uri="{386F3935-93C4-4BCD-93E2-E3B085C9AB24}">
+                  <p16:designElem xmlns:p16="http://schemas.microsoft.com/office/powerpoint/2015/main" val="1"/>
+                </p:ext>
+              </p:extLst>
+            </p:nvPr>
+          </p:nvSpPr>
+          <p:spPr>
+            <a:xfrm>
+              <a:off x="10041267" y="4115729"/>
+              <a:ext cx="202882" cy="268223"/>
+            </a:xfrm>
+            <a:custGeom>
+              <a:avLst/>
+              <a:gdLst>
+                <a:gd name="connsiteX0" fmla="*/ 20669 w 202882"/>
+                <a:gd name="connsiteY0" fmla="*/ 268224 h 268223"/>
+                <a:gd name="connsiteX1" fmla="*/ 0 w 202882"/>
+                <a:gd name="connsiteY1" fmla="*/ 268224 h 268223"/>
+                <a:gd name="connsiteX2" fmla="*/ 182118 w 202882"/>
+                <a:gd name="connsiteY2" fmla="*/ 0 h 268223"/>
+                <a:gd name="connsiteX3" fmla="*/ 202883 w 202882"/>
+                <a:gd name="connsiteY3" fmla="*/ 0 h 268223"/>
+              </a:gdLst>
+              <a:ahLst/>
+              <a:cxnLst>
+                <a:cxn ang="0">
+                  <a:pos x="connsiteX0" y="connsiteY0"/>
+                </a:cxn>
+                <a:cxn ang="0">
+                  <a:pos x="connsiteX1" y="connsiteY1"/>
+                </a:cxn>
+                <a:cxn ang="0">
+                  <a:pos x="connsiteX2" y="connsiteY2"/>
+                </a:cxn>
+                <a:cxn ang="0">
+                  <a:pos x="connsiteX3" y="connsiteY3"/>
+                </a:cxn>
+              </a:cxnLst>
+              <a:rect l="l" t="t" r="r" b="b"/>
+              <a:pathLst>
+                <a:path w="202882" h="268223">
+                  <a:moveTo>
+                    <a:pt x="20669" y="268224"/>
+                  </a:moveTo>
+                  <a:lnTo>
+                    <a:pt x="0" y="268224"/>
+                  </a:lnTo>
+                  <a:lnTo>
+                    <a:pt x="182118" y="0"/>
+                  </a:lnTo>
+                  <a:lnTo>
+                    <a:pt x="202883" y="0"/>
+                  </a:lnTo>
+                  <a:close/>
+                </a:path>
+              </a:pathLst>
+            </a:custGeom>
+            <a:grpFill/>
+            <a:ln w="28575">
+              <a:noFill/>
+            </a:ln>
+          </p:spPr>
+          <p:style>
+            <a:lnRef idx="2">
+              <a:schemeClr val="accent1">
+                <a:shade val="50000"/>
+              </a:schemeClr>
+            </a:lnRef>
+            <a:fillRef idx="1">
+              <a:schemeClr val="accent1"/>
+            </a:fillRef>
+            <a:effectRef idx="0">
+              <a:schemeClr val="accent1"/>
+            </a:effectRef>
+            <a:fontRef idx="minor">
+              <a:schemeClr val="lt1"/>
+            </a:fontRef>
+          </p:style>
+          <p:txBody>
+            <a:bodyPr rot="0" spcFirstLastPara="0" vertOverflow="overflow" horzOverflow="overflow" vert="horz" wrap="square" lIns="91440" tIns="45720" rIns="91440" bIns="45720" numCol="1" spcCol="0" rtlCol="0" fromWordArt="0" anchor="ctr" anchorCtr="0" forceAA="0" compatLnSpc="1">
+              <a:prstTxWarp prst="textNoShape">
+                <a:avLst/>
+              </a:prstTxWarp>
+              <a:noAutofit/>
+            </a:bodyPr>
+            <a:lstStyle/>
+            <a:p>
+              <a:pPr algn="ctr"/>
+              <a:endParaRPr lang="en-US">
+                <a:solidFill>
+                  <a:schemeClr val="accent1"/>
+                </a:solidFill>
+              </a:endParaRPr>
+            </a:p>
+          </p:txBody>
+        </p:sp>
+        <p:sp>
+          <p:nvSpPr>
+            <p:cNvPr id="35" name="Freeform: Shape 34">
+              <a:extLst>
+                <a:ext uri="{FF2B5EF4-FFF2-40B4-BE49-F238E27FC236}">
+                  <a16:creationId xmlns:a16="http://schemas.microsoft.com/office/drawing/2014/main" id="{230A0EA4-19B6-4636-835C-B994609562A1}"/>
+                </a:ext>
+                <a:ext uri="{C183D7F6-B498-43B3-948B-1728B52AA6E4}">
+                  <adec:decorative xmlns:adec="http://schemas.microsoft.com/office/drawing/2017/decorative" val="1"/>
+                </a:ext>
+              </a:extLst>
+            </p:cNvPr>
+            <p:cNvSpPr/>
+            <p:nvPr>
+              <p:extLst>
+                <p:ext uri="{386F3935-93C4-4BCD-93E2-E3B085C9AB24}">
+                  <p16:designElem xmlns:p16="http://schemas.microsoft.com/office/powerpoint/2015/main" val="1"/>
+                </p:ext>
+              </p:extLst>
+            </p:nvPr>
+          </p:nvSpPr>
+          <p:spPr>
+            <a:xfrm>
+              <a:off x="10141090" y="4115729"/>
+              <a:ext cx="202882" cy="268223"/>
+            </a:xfrm>
+            <a:custGeom>
+              <a:avLst/>
+              <a:gdLst>
+                <a:gd name="connsiteX0" fmla="*/ 20669 w 202882"/>
+                <a:gd name="connsiteY0" fmla="*/ 268224 h 268223"/>
+                <a:gd name="connsiteX1" fmla="*/ 0 w 202882"/>
+                <a:gd name="connsiteY1" fmla="*/ 268224 h 268223"/>
+                <a:gd name="connsiteX2" fmla="*/ 182118 w 202882"/>
+                <a:gd name="connsiteY2" fmla="*/ 0 h 268223"/>
+                <a:gd name="connsiteX3" fmla="*/ 202883 w 202882"/>
+                <a:gd name="connsiteY3" fmla="*/ 0 h 268223"/>
+              </a:gdLst>
+              <a:ahLst/>
+              <a:cxnLst>
+                <a:cxn ang="0">
+                  <a:pos x="connsiteX0" y="connsiteY0"/>
+                </a:cxn>
+                <a:cxn ang="0">
+                  <a:pos x="connsiteX1" y="connsiteY1"/>
+                </a:cxn>
+                <a:cxn ang="0">
+                  <a:pos x="connsiteX2" y="connsiteY2"/>
+                </a:cxn>
+                <a:cxn ang="0">
+                  <a:pos x="connsiteX3" y="connsiteY3"/>
+                </a:cxn>
+              </a:cxnLst>
+              <a:rect l="l" t="t" r="r" b="b"/>
+              <a:pathLst>
+                <a:path w="202882" h="268223">
+                  <a:moveTo>
+                    <a:pt x="20669" y="268224"/>
+                  </a:moveTo>
+                  <a:lnTo>
+                    <a:pt x="0" y="268224"/>
+                  </a:lnTo>
+                  <a:lnTo>
+                    <a:pt x="182118" y="0"/>
+                  </a:lnTo>
+                  <a:lnTo>
+                    <a:pt x="202883" y="0"/>
+                  </a:lnTo>
+                  <a:close/>
+                </a:path>
+              </a:pathLst>
+            </a:custGeom>
+            <a:grpFill/>
+            <a:ln w="28575">
+              <a:noFill/>
+            </a:ln>
+          </p:spPr>
+          <p:style>
+            <a:lnRef idx="2">
+              <a:schemeClr val="accent1">
+                <a:shade val="50000"/>
+              </a:schemeClr>
+            </a:lnRef>
+            <a:fillRef idx="1">
+              <a:schemeClr val="accent1"/>
+            </a:fillRef>
+            <a:effectRef idx="0">
+              <a:schemeClr val="accent1"/>
+            </a:effectRef>
+            <a:fontRef idx="minor">
+              <a:schemeClr val="lt1"/>
+            </a:fontRef>
+          </p:style>
+          <p:txBody>
+            <a:bodyPr rot="0" spcFirstLastPara="0" vertOverflow="overflow" horzOverflow="overflow" vert="horz" wrap="square" lIns="91440" tIns="45720" rIns="91440" bIns="45720" numCol="1" spcCol="0" rtlCol="0" fromWordArt="0" anchor="ctr" anchorCtr="0" forceAA="0" compatLnSpc="1">
+              <a:prstTxWarp prst="textNoShape">
+                <a:avLst/>
+              </a:prstTxWarp>
+              <a:noAutofit/>
+            </a:bodyPr>
+            <a:lstStyle/>
+            <a:p>
+              <a:pPr algn="ctr"/>
+              <a:endParaRPr lang="en-US">
+                <a:solidFill>
+                  <a:schemeClr val="accent1"/>
+                </a:solidFill>
+              </a:endParaRPr>
+            </a:p>
+          </p:txBody>
+        </p:sp>
+        <p:sp>
+          <p:nvSpPr>
+            <p:cNvPr id="36" name="Freeform: Shape 35">
+              <a:extLst>
+                <a:ext uri="{FF2B5EF4-FFF2-40B4-BE49-F238E27FC236}">
+                  <a16:creationId xmlns:a16="http://schemas.microsoft.com/office/drawing/2014/main" id="{309F5BE7-809E-440D-9E1C-3AFCB358C197}"/>
+                </a:ext>
+                <a:ext uri="{C183D7F6-B498-43B3-948B-1728B52AA6E4}">
+                  <adec:decorative xmlns:adec="http://schemas.microsoft.com/office/drawing/2017/decorative" val="1"/>
+                </a:ext>
+              </a:extLst>
+            </p:cNvPr>
+            <p:cNvSpPr/>
+            <p:nvPr>
+              <p:extLst>
+                <p:ext uri="{386F3935-93C4-4BCD-93E2-E3B085C9AB24}">
+                  <p16:designElem xmlns:p16="http://schemas.microsoft.com/office/powerpoint/2015/main" val="1"/>
+                </p:ext>
+              </p:extLst>
+            </p:nvPr>
+          </p:nvSpPr>
+          <p:spPr>
+            <a:xfrm>
+              <a:off x="10240911" y="4115729"/>
+              <a:ext cx="202882" cy="268223"/>
+            </a:xfrm>
+            <a:custGeom>
+              <a:avLst/>
+              <a:gdLst>
+                <a:gd name="connsiteX0" fmla="*/ 20669 w 202882"/>
+                <a:gd name="connsiteY0" fmla="*/ 268224 h 268223"/>
+                <a:gd name="connsiteX1" fmla="*/ 0 w 202882"/>
+                <a:gd name="connsiteY1" fmla="*/ 268224 h 268223"/>
+                <a:gd name="connsiteX2" fmla="*/ 182118 w 202882"/>
+                <a:gd name="connsiteY2" fmla="*/ 0 h 268223"/>
+                <a:gd name="connsiteX3" fmla="*/ 202883 w 202882"/>
+                <a:gd name="connsiteY3" fmla="*/ 0 h 268223"/>
+              </a:gdLst>
+              <a:ahLst/>
+              <a:cxnLst>
+                <a:cxn ang="0">
+                  <a:pos x="connsiteX0" y="connsiteY0"/>
+                </a:cxn>
+                <a:cxn ang="0">
+                  <a:pos x="connsiteX1" y="connsiteY1"/>
+                </a:cxn>
+                <a:cxn ang="0">
+                  <a:pos x="connsiteX2" y="connsiteY2"/>
+                </a:cxn>
+                <a:cxn ang="0">
+                  <a:pos x="connsiteX3" y="connsiteY3"/>
+                </a:cxn>
+              </a:cxnLst>
+              <a:rect l="l" t="t" r="r" b="b"/>
+              <a:pathLst>
+                <a:path w="202882" h="268223">
+                  <a:moveTo>
+                    <a:pt x="20669" y="268224"/>
+                  </a:moveTo>
+                  <a:lnTo>
+                    <a:pt x="0" y="268224"/>
+                  </a:lnTo>
+                  <a:lnTo>
+                    <a:pt x="182118" y="0"/>
+                  </a:lnTo>
+                  <a:lnTo>
+                    <a:pt x="202883" y="0"/>
+                  </a:lnTo>
+                  <a:close/>
+                </a:path>
+              </a:pathLst>
+            </a:custGeom>
+            <a:grpFill/>
+            <a:ln w="28575">
+              <a:noFill/>
+            </a:ln>
+          </p:spPr>
+          <p:style>
+            <a:lnRef idx="2">
+              <a:schemeClr val="accent1">
+                <a:shade val="50000"/>
+              </a:schemeClr>
+            </a:lnRef>
+            <a:fillRef idx="1">
+              <a:schemeClr val="accent1"/>
+            </a:fillRef>
+            <a:effectRef idx="0">
+              <a:schemeClr val="accent1"/>
+            </a:effectRef>
+            <a:fontRef idx="minor">
+              <a:schemeClr val="lt1"/>
+            </a:fontRef>
+          </p:style>
+          <p:txBody>
+            <a:bodyPr rot="0" spcFirstLastPara="0" vertOverflow="overflow" horzOverflow="overflow" vert="horz" wrap="square" lIns="91440" tIns="45720" rIns="91440" bIns="45720" numCol="1" spcCol="0" rtlCol="0" fromWordArt="0" anchor="ctr" anchorCtr="0" forceAA="0" compatLnSpc="1">
+              <a:prstTxWarp prst="textNoShape">
+                <a:avLst/>
+              </a:prstTxWarp>
+              <a:noAutofit/>
+            </a:bodyPr>
+            <a:lstStyle/>
+            <a:p>
+              <a:pPr algn="ctr"/>
+              <a:endParaRPr lang="en-US" dirty="0">
+                <a:solidFill>
+                  <a:schemeClr val="accent1"/>
+                </a:solidFill>
+              </a:endParaRPr>
+            </a:p>
+          </p:txBody>
+        </p:sp>
+      </p:grpSp>
+      <p:sp>
+        <p:nvSpPr>
+          <p:cNvPr id="38" name="Oval 37">
+            <a:extLst>
+              <a:ext uri="{FF2B5EF4-FFF2-40B4-BE49-F238E27FC236}">
+                <a16:creationId xmlns:a16="http://schemas.microsoft.com/office/drawing/2014/main" id="{98713B11-DA30-489D-95C2-E053A20672A2}"/>
+              </a:ext>
+              <a:ext uri="{C183D7F6-B498-43B3-948B-1728B52AA6E4}">
+                <adec:decorative xmlns:adec="http://schemas.microsoft.com/office/drawing/2017/decorative" val="1"/>
+              </a:ext>
+            </a:extLst>
+          </p:cNvPr>
+          <p:cNvSpPr>
+            <a:spLocks noGrp="1" noRot="1" noChangeAspect="1" noMove="1" noResize="1" noEditPoints="1" noAdjustHandles="1" noChangeArrowheads="1" noChangeShapeType="1" noTextEdit="1"/>
+          </p:cNvSpPr>
+          <p:nvPr>
+            <p:extLst>
+              <p:ext uri="{386F3935-93C4-4BCD-93E2-E3B085C9AB24}">
+                <p16:designElem xmlns:p16="http://schemas.microsoft.com/office/powerpoint/2015/main" val="1"/>
+              </p:ext>
+            </p:extLst>
+          </p:nvPr>
+        </p:nvSpPr>
+        <p:spPr>
+          <a:xfrm>
+            <a:off x="1176261" y="4074364"/>
+            <a:ext cx="365125" cy="365125"/>
+          </a:xfrm>
+          <a:prstGeom prst="ellipse">
+            <a:avLst/>
+          </a:prstGeom>
+          <a:solidFill>
+            <a:srgbClr val="FFFFFF"/>
+          </a:solidFill>
+          <a:ln w="28575">
+            <a:noFill/>
+          </a:ln>
+        </p:spPr>
+        <p:style>
+          <a:lnRef idx="2">
+            <a:schemeClr val="accent1">
+              <a:shade val="50000"/>
+            </a:schemeClr>
+          </a:lnRef>
+          <a:fillRef idx="1">
+            <a:schemeClr val="accent1"/>
+          </a:fillRef>
+          <a:effectRef idx="0">
+            <a:schemeClr val="accent1"/>
+          </a:effectRef>
+          <a:fontRef idx="minor">
+            <a:schemeClr val="lt1"/>
+          </a:fontRef>
+        </p:style>
+        <p:txBody>
+          <a:bodyPr rot="0" spcFirstLastPara="0" vertOverflow="overflow" horzOverflow="overflow" vert="horz" wrap="square" lIns="91440" tIns="45720" rIns="91440" bIns="45720" numCol="1" spcCol="0" rtlCol="0" fromWordArt="0" anchor="ctr" anchorCtr="0" forceAA="0" compatLnSpc="1">
+            <a:prstTxWarp prst="textNoShape">
+              <a:avLst/>
+            </a:prstTxWarp>
+            <a:noAutofit/>
+          </a:bodyPr>
+          <a:lstStyle/>
+          <a:p>
+            <a:pPr algn="ctr"/>
+            <a:endParaRPr lang="en-US">
+              <a:solidFill>
+                <a:schemeClr val="accent1"/>
+              </a:solidFill>
+            </a:endParaRPr>
+          </a:p>
+        </p:txBody>
+      </p:sp>
+      <p:sp>
+        <p:nvSpPr>
+          <p:cNvPr id="40" name="Oval 39">
+            <a:extLst>
+              <a:ext uri="{FF2B5EF4-FFF2-40B4-BE49-F238E27FC236}">
+                <a16:creationId xmlns:a16="http://schemas.microsoft.com/office/drawing/2014/main" id="{533FDFCA-FA81-4883-8308-C418ED25B165}"/>
+              </a:ext>
+              <a:ext uri="{C183D7F6-B498-43B3-948B-1728B52AA6E4}">
+                <adec:decorative xmlns:adec="http://schemas.microsoft.com/office/drawing/2017/decorative" val="1"/>
+              </a:ext>
+            </a:extLst>
+          </p:cNvPr>
+          <p:cNvSpPr>
+            <a:spLocks noGrp="1" noRot="1" noChangeAspect="1" noMove="1" noResize="1" noEditPoints="1" noAdjustHandles="1" noChangeArrowheads="1" noChangeShapeType="1" noTextEdit="1"/>
+          </p:cNvSpPr>
+          <p:nvPr>
+            <p:extLst>
+              <p:ext uri="{386F3935-93C4-4BCD-93E2-E3B085C9AB24}">
+                <p16:designElem xmlns:p16="http://schemas.microsoft.com/office/powerpoint/2015/main" val="1"/>
+              </p:ext>
+            </p:extLst>
+          </p:nvPr>
+        </p:nvSpPr>
+        <p:spPr>
+          <a:xfrm>
+            <a:off x="1176261" y="4074364"/>
+            <a:ext cx="365125" cy="365125"/>
+          </a:xfrm>
+          <a:prstGeom prst="ellipse">
+            <a:avLst/>
+          </a:prstGeom>
+          <a:solidFill>
+            <a:schemeClr val="accent3">
+              <a:lumMod val="20000"/>
+              <a:lumOff val="80000"/>
+            </a:schemeClr>
+          </a:solidFill>
+          <a:ln w="28575">
+            <a:solidFill>
+              <a:schemeClr val="tx1"/>
+            </a:solidFill>
+          </a:ln>
+        </p:spPr>
+        <p:style>
+          <a:lnRef idx="2">
+            <a:schemeClr val="accent1">
+              <a:shade val="50000"/>
+            </a:schemeClr>
+          </a:lnRef>
+          <a:fillRef idx="1">
+            <a:schemeClr val="accent1"/>
+          </a:fillRef>
+          <a:effectRef idx="0">
+            <a:schemeClr val="accent1"/>
+          </a:effectRef>
+          <a:fontRef idx="minor">
+            <a:schemeClr val="lt1"/>
+          </a:fontRef>
+        </p:style>
+        <p:txBody>
+          <a:bodyPr rot="0" spcFirstLastPara="0" vertOverflow="overflow" horzOverflow="overflow" vert="horz" wrap="square" lIns="91440" tIns="45720" rIns="91440" bIns="45720" numCol="1" spcCol="0" rtlCol="0" fromWordArt="0" anchor="ctr" anchorCtr="0" forceAA="0" compatLnSpc="1">
+            <a:prstTxWarp prst="textNoShape">
+              <a:avLst/>
+            </a:prstTxWarp>
+            <a:noAutofit/>
+          </a:bodyPr>
+          <a:lstStyle/>
+          <a:p>
+            <a:pPr algn="ctr"/>
+            <a:endParaRPr lang="en-US"/>
+          </a:p>
+        </p:txBody>
+      </p:sp>
+      <p:sp>
+        <p:nvSpPr>
+          <p:cNvPr id="42" name="Freeform: Shape 41">
+            <a:extLst>
+              <a:ext uri="{FF2B5EF4-FFF2-40B4-BE49-F238E27FC236}">
+                <a16:creationId xmlns:a16="http://schemas.microsoft.com/office/drawing/2014/main" id="{3B563765-A6D6-464C-BDA7-A0A2F40AF412}"/>
+              </a:ext>
+              <a:ext uri="{C183D7F6-B498-43B3-948B-1728B52AA6E4}">
+                <adec:decorative xmlns:adec="http://schemas.microsoft.com/office/drawing/2017/decorative" val="1"/>
+              </a:ext>
+            </a:extLst>
+          </p:cNvPr>
+          <p:cNvSpPr>
+            <a:spLocks noGrp="1" noRot="1" noChangeAspect="1" noMove="1" noResize="1" noEditPoints="1" noAdjustHandles="1" noChangeArrowheads="1" noChangeShapeType="1" noTextEdit="1"/>
+          </p:cNvSpPr>
+          <p:nvPr>
+            <p:extLst>
+              <p:ext uri="{386F3935-93C4-4BCD-93E2-E3B085C9AB24}">
+                <p16:designElem xmlns:p16="http://schemas.microsoft.com/office/powerpoint/2015/main" val="1"/>
+              </p:ext>
+            </p:extLst>
+          </p:nvPr>
+        </p:nvSpPr>
+        <p:spPr>
+          <a:xfrm>
+            <a:off x="10599841" y="5333060"/>
+            <a:ext cx="1589388" cy="1524940"/>
+          </a:xfrm>
+          <a:custGeom>
+            <a:avLst/>
+            <a:gdLst>
+              <a:gd name="connsiteX0" fmla="*/ 2473947 w 3432581"/>
+              <a:gd name="connsiteY0" fmla="*/ 0 h 3293393"/>
+              <a:gd name="connsiteX1" fmla="*/ 3209623 w 3432581"/>
+              <a:gd name="connsiteY1" fmla="*/ 111224 h 3293393"/>
+              <a:gd name="connsiteX2" fmla="*/ 3432581 w 3432581"/>
+              <a:gd name="connsiteY2" fmla="*/ 192828 h 3293393"/>
+              <a:gd name="connsiteX3" fmla="*/ 3432581 w 3432581"/>
+              <a:gd name="connsiteY3" fmla="*/ 3293393 h 3293393"/>
+              <a:gd name="connsiteX4" fmla="*/ 141884 w 3432581"/>
+              <a:gd name="connsiteY4" fmla="*/ 3293393 h 3293393"/>
+              <a:gd name="connsiteX5" fmla="*/ 111224 w 3432581"/>
+              <a:gd name="connsiteY5" fmla="*/ 3209623 h 3293393"/>
+              <a:gd name="connsiteX6" fmla="*/ 0 w 3432581"/>
+              <a:gd name="connsiteY6" fmla="*/ 2473947 h 3293393"/>
+              <a:gd name="connsiteX7" fmla="*/ 2473947 w 3432581"/>
+              <a:gd name="connsiteY7" fmla="*/ 0 h 3293393"/>
+            </a:gdLst>
+            <a:ahLst/>
+            <a:cxnLst>
+              <a:cxn ang="0">
+                <a:pos x="connsiteX0" y="connsiteY0"/>
+              </a:cxn>
+              <a:cxn ang="0">
+                <a:pos x="connsiteX1" y="connsiteY1"/>
+              </a:cxn>
+              <a:cxn ang="0">
+                <a:pos x="connsiteX2" y="connsiteY2"/>
+              </a:cxn>
+              <a:cxn ang="0">
+                <a:pos x="connsiteX3" y="connsiteY3"/>
+              </a:cxn>
+              <a:cxn ang="0">
+                <a:pos x="connsiteX4" y="connsiteY4"/>
+              </a:cxn>
+              <a:cxn ang="0">
+                <a:pos x="connsiteX5" y="connsiteY5"/>
+              </a:cxn>
+              <a:cxn ang="0">
+                <a:pos x="connsiteX6" y="connsiteY6"/>
+              </a:cxn>
+              <a:cxn ang="0">
+                <a:pos x="connsiteX7" y="connsiteY7"/>
+              </a:cxn>
+            </a:cxnLst>
+            <a:rect l="l" t="t" r="r" b="b"/>
+            <a:pathLst>
+              <a:path w="3432581" h="3293393">
+                <a:moveTo>
+                  <a:pt x="2473947" y="0"/>
+                </a:moveTo>
+                <a:cubicBezTo>
+                  <a:pt x="2730133" y="0"/>
+                  <a:pt x="2977223" y="38940"/>
+                  <a:pt x="3209623" y="111224"/>
+                </a:cubicBezTo>
+                <a:lnTo>
+                  <a:pt x="3432581" y="192828"/>
+                </a:lnTo>
+                <a:lnTo>
+                  <a:pt x="3432581" y="3293393"/>
+                </a:lnTo>
+                <a:lnTo>
+                  <a:pt x="141884" y="3293393"/>
+                </a:lnTo>
+                <a:lnTo>
+                  <a:pt x="111224" y="3209623"/>
+                </a:lnTo>
+                <a:cubicBezTo>
+                  <a:pt x="38940" y="2977224"/>
+                  <a:pt x="0" y="2730133"/>
+                  <a:pt x="0" y="2473947"/>
+                </a:cubicBezTo>
+                <a:cubicBezTo>
+                  <a:pt x="0" y="1107624"/>
+                  <a:pt x="1107624" y="0"/>
+                  <a:pt x="2473947" y="0"/>
+                </a:cubicBezTo>
+                <a:close/>
+              </a:path>
+            </a:pathLst>
+          </a:custGeom>
+          <a:solidFill>
+            <a:srgbClr val="FFFFFF"/>
+          </a:solidFill>
+          <a:ln w="28575">
+            <a:noFill/>
+          </a:ln>
+        </p:spPr>
+        <p:style>
+          <a:lnRef idx="2">
+            <a:schemeClr val="accent1">
+              <a:shade val="50000"/>
+            </a:schemeClr>
+          </a:lnRef>
+          <a:fillRef idx="1">
+            <a:schemeClr val="accent1"/>
+          </a:fillRef>
+          <a:effectRef idx="0">
+            <a:schemeClr val="accent1"/>
+          </a:effectRef>
+          <a:fontRef idx="minor">
+            <a:schemeClr val="lt1"/>
+          </a:fontRef>
+        </p:style>
+        <p:txBody>
+          <a:bodyPr rot="0" spcFirstLastPara="0" vertOverflow="overflow" horzOverflow="overflow" vert="horz" wrap="square" lIns="91440" tIns="45720" rIns="91440" bIns="45720" numCol="1" spcCol="0" rtlCol="0" fromWordArt="0" anchor="ctr" anchorCtr="0" forceAA="0" compatLnSpc="1">
+            <a:prstTxWarp prst="textNoShape">
+              <a:avLst/>
+            </a:prstTxWarp>
+            <a:noAutofit/>
+          </a:bodyPr>
+          <a:lstStyle/>
+          <a:p>
+            <a:pPr algn="ctr"/>
+            <a:endParaRPr lang="en-US" dirty="0">
+              <a:solidFill>
+                <a:schemeClr val="accent1"/>
+              </a:solidFill>
+            </a:endParaRPr>
+          </a:p>
+        </p:txBody>
+      </p:sp>
+      <p:sp>
+        <p:nvSpPr>
+          <p:cNvPr id="44" name="Freeform: Shape 43">
+            <a:extLst>
+              <a:ext uri="{FF2B5EF4-FFF2-40B4-BE49-F238E27FC236}">
+                <a16:creationId xmlns:a16="http://schemas.microsoft.com/office/drawing/2014/main" id="{487CDD03-1100-46B3-B04A-D66410E5BF1A}"/>
+              </a:ext>
+              <a:ext uri="{C183D7F6-B498-43B3-948B-1728B52AA6E4}">
+                <adec:decorative xmlns:adec="http://schemas.microsoft.com/office/drawing/2017/decorative" val="1"/>
+              </a:ext>
+            </a:extLst>
+          </p:cNvPr>
+          <p:cNvSpPr>
+            <a:spLocks noGrp="1" noRot="1" noChangeAspect="1" noMove="1" noResize="1" noEditPoints="1" noAdjustHandles="1" noChangeArrowheads="1" noChangeShapeType="1" noTextEdit="1"/>
+          </p:cNvSpPr>
+          <p:nvPr>
+            <p:extLst>
+              <p:ext uri="{386F3935-93C4-4BCD-93E2-E3B085C9AB24}">
+                <p16:designElem xmlns:p16="http://schemas.microsoft.com/office/powerpoint/2015/main" val="1"/>
+              </p:ext>
+            </p:extLst>
+          </p:nvPr>
+        </p:nvSpPr>
+        <p:spPr>
+          <a:xfrm>
+            <a:off x="10602612" y="5333060"/>
+            <a:ext cx="1589388" cy="1524940"/>
+          </a:xfrm>
+          <a:custGeom>
+            <a:avLst/>
+            <a:gdLst>
+              <a:gd name="connsiteX0" fmla="*/ 2473947 w 3432581"/>
+              <a:gd name="connsiteY0" fmla="*/ 0 h 3293393"/>
+              <a:gd name="connsiteX1" fmla="*/ 3209623 w 3432581"/>
+              <a:gd name="connsiteY1" fmla="*/ 111224 h 3293393"/>
+              <a:gd name="connsiteX2" fmla="*/ 3432581 w 3432581"/>
+              <a:gd name="connsiteY2" fmla="*/ 192828 h 3293393"/>
+              <a:gd name="connsiteX3" fmla="*/ 3432581 w 3432581"/>
+              <a:gd name="connsiteY3" fmla="*/ 3293393 h 3293393"/>
+              <a:gd name="connsiteX4" fmla="*/ 141884 w 3432581"/>
+              <a:gd name="connsiteY4" fmla="*/ 3293393 h 3293393"/>
+              <a:gd name="connsiteX5" fmla="*/ 111224 w 3432581"/>
+              <a:gd name="connsiteY5" fmla="*/ 3209623 h 3293393"/>
+              <a:gd name="connsiteX6" fmla="*/ 0 w 3432581"/>
+              <a:gd name="connsiteY6" fmla="*/ 2473947 h 3293393"/>
+              <a:gd name="connsiteX7" fmla="*/ 2473947 w 3432581"/>
+              <a:gd name="connsiteY7" fmla="*/ 0 h 3293393"/>
+            </a:gdLst>
+            <a:ahLst/>
+            <a:cxnLst>
+              <a:cxn ang="0">
+                <a:pos x="connsiteX0" y="connsiteY0"/>
+              </a:cxn>
+              <a:cxn ang="0">
+                <a:pos x="connsiteX1" y="connsiteY1"/>
+              </a:cxn>
+              <a:cxn ang="0">
+                <a:pos x="connsiteX2" y="connsiteY2"/>
+              </a:cxn>
+              <a:cxn ang="0">
+                <a:pos x="connsiteX3" y="connsiteY3"/>
+              </a:cxn>
+              <a:cxn ang="0">
+                <a:pos x="connsiteX4" y="connsiteY4"/>
+              </a:cxn>
+              <a:cxn ang="0">
+                <a:pos x="connsiteX5" y="connsiteY5"/>
+              </a:cxn>
+              <a:cxn ang="0">
+                <a:pos x="connsiteX6" y="connsiteY6"/>
+              </a:cxn>
+              <a:cxn ang="0">
+                <a:pos x="connsiteX7" y="connsiteY7"/>
+              </a:cxn>
+            </a:cxnLst>
+            <a:rect l="l" t="t" r="r" b="b"/>
+            <a:pathLst>
+              <a:path w="3432581" h="3293393">
+                <a:moveTo>
+                  <a:pt x="2473947" y="0"/>
+                </a:moveTo>
+                <a:cubicBezTo>
+                  <a:pt x="2730133" y="0"/>
+                  <a:pt x="2977223" y="38940"/>
+                  <a:pt x="3209623" y="111224"/>
+                </a:cubicBezTo>
+                <a:lnTo>
+                  <a:pt x="3432581" y="192828"/>
+                </a:lnTo>
+                <a:lnTo>
+                  <a:pt x="3432581" y="3293393"/>
+                </a:lnTo>
+                <a:lnTo>
+                  <a:pt x="141884" y="3293393"/>
+                </a:lnTo>
+                <a:lnTo>
+                  <a:pt x="111224" y="3209623"/>
+                </a:lnTo>
+                <a:cubicBezTo>
+                  <a:pt x="38940" y="2977224"/>
+                  <a:pt x="0" y="2730133"/>
+                  <a:pt x="0" y="2473947"/>
+                </a:cubicBezTo>
+                <a:cubicBezTo>
+                  <a:pt x="0" y="1107624"/>
+                  <a:pt x="1107624" y="0"/>
+                  <a:pt x="2473947" y="0"/>
+                </a:cubicBezTo>
+                <a:close/>
+              </a:path>
+            </a:pathLst>
+          </a:custGeom>
+          <a:solidFill>
+            <a:schemeClr val="accent3">
+              <a:alpha val="20000"/>
+            </a:schemeClr>
+          </a:solidFill>
+          <a:ln w="28575">
+            <a:noFill/>
+          </a:ln>
+        </p:spPr>
+        <p:style>
+          <a:lnRef idx="2">
+            <a:schemeClr val="accent1">
+              <a:shade val="50000"/>
+            </a:schemeClr>
+          </a:lnRef>
+          <a:fillRef idx="1">
+            <a:schemeClr val="accent1"/>
+          </a:fillRef>
+          <a:effectRef idx="0">
+            <a:schemeClr val="accent1"/>
+          </a:effectRef>
+          <a:fontRef idx="minor">
+            <a:schemeClr val="lt1"/>
+          </a:fontRef>
+        </p:style>
+        <p:txBody>
+          <a:bodyPr rot="0" spcFirstLastPara="0" vertOverflow="overflow" horzOverflow="overflow" vert="horz" wrap="square" lIns="91440" tIns="45720" rIns="91440" bIns="45720" numCol="1" spcCol="0" rtlCol="0" fromWordArt="0" anchor="ctr" anchorCtr="0" forceAA="0" compatLnSpc="1">
+            <a:prstTxWarp prst="textNoShape">
+              <a:avLst/>
+            </a:prstTxWarp>
+            <a:noAutofit/>
+          </a:bodyPr>
+          <a:lstStyle/>
+          <a:p>
+            <a:pPr algn="ctr"/>
+            <a:endParaRPr lang="en-US" dirty="0"/>
+          </a:p>
+        </p:txBody>
+      </p:sp>
+      <p:pic>
+        <p:nvPicPr>
+          <p:cNvPr id="5" name="Content Placeholder 4" descr="A picture containing diagram&#10;&#10;Description automatically generated">
+            <a:extLst>
+              <a:ext uri="{FF2B5EF4-FFF2-40B4-BE49-F238E27FC236}">
+                <a16:creationId xmlns:a16="http://schemas.microsoft.com/office/drawing/2014/main" id="{28B0ACD0-A202-9F4A-8FFE-EFAF25F1DACD}"/>
+              </a:ext>
+            </a:extLst>
+          </p:cNvPr>
+          <p:cNvPicPr>
+            <a:picLocks noGrp="1" noChangeAspect="1"/>
+          </p:cNvPicPr>
+          <p:nvPr>
+            <p:ph idx="1"/>
+          </p:nvPr>
+        </p:nvPicPr>
+        <p:blipFill>
+          <a:blip r:embed="rId2"/>
+          <a:stretch>
+            <a:fillRect/>
+          </a:stretch>
+        </p:blipFill>
+        <p:spPr>
+          <a:xfrm>
+            <a:off x="8120406" y="1957246"/>
+            <a:ext cx="3155960" cy="4207948"/>
+          </a:xfrm>
+          <a:prstGeom prst="rect">
+            <a:avLst/>
+          </a:prstGeom>
+          <a:ln w="28575">
+            <a:noFill/>
+          </a:ln>
+        </p:spPr>
+      </p:pic>
+    </p:spTree>
+    <p:extLst>
+      <p:ext uri="{BB962C8B-B14F-4D97-AF65-F5344CB8AC3E}">
+        <p14:creationId xmlns:p14="http://schemas.microsoft.com/office/powerpoint/2010/main" val="2536651439"/>
+      </p:ext>
+    </p:extLst>
+  </p:cSld>
+  <p:clrMapOvr>
+    <a:masterClrMapping/>
+  </p:clrMapOvr>
+</p:sld>
+</file>
+
+<file path=ppt/slides/slide8.xml><?xml version="1.0" encoding="utf-8"?>
+<p:sld xmlns:a="http://schemas.openxmlformats.org/drawingml/2006/main" xmlns:r="http://schemas.openxmlformats.org/officeDocument/2006/relationships" xmlns:p="http://schemas.openxmlformats.org/presentationml/2006/main">
+  <p:cSld>
+    <p:bg>
+      <p:bgPr>
+        <a:solidFill>
+          <a:schemeClr val="bg1"/>
+        </a:solidFill>
+        <a:effectLst/>
+      </p:bgPr>
+    </p:bg>
+    <p:spTree>
+      <p:nvGrpSpPr>
+        <p:cNvPr id="1" name=""/>
+        <p:cNvGrpSpPr/>
+        <p:nvPr/>
+      </p:nvGrpSpPr>
+      <p:grpSpPr>
+        <a:xfrm>
+          <a:off x="0" y="0"/>
+          <a:ext cx="0" cy="0"/>
+          <a:chOff x="0" y="0"/>
+          <a:chExt cx="0" cy="0"/>
+        </a:xfrm>
+      </p:grpSpPr>
+      <p:grpSp>
+        <p:nvGrpSpPr>
+          <p:cNvPr id="43" name="Graphic 185">
+            <a:extLst>
+              <a:ext uri="{FF2B5EF4-FFF2-40B4-BE49-F238E27FC236}">
+                <a16:creationId xmlns:a16="http://schemas.microsoft.com/office/drawing/2014/main" id="{8A351602-3772-4279-B0D3-A523F6F6EAB3}"/>
+              </a:ext>
+              <a:ext uri="{C183D7F6-B498-43B3-948B-1728B52AA6E4}">
+                <adec:decorative xmlns:adec="http://schemas.microsoft.com/office/drawing/2017/decorative" val="1"/>
+              </a:ext>
+            </a:extLst>
+          </p:cNvPr>
+          <p:cNvGrpSpPr>
+            <a:grpSpLocks noGrp="1" noUngrp="1" noRot="1" noChangeAspect="1" noMove="1" noResize="1"/>
+          </p:cNvGrpSpPr>
+          <p:nvPr>
+            <p:extLst>
+              <p:ext uri="{386F3935-93C4-4BCD-93E2-E3B085C9AB24}">
+                <p16:designElem xmlns:p16="http://schemas.microsoft.com/office/powerpoint/2015/main" val="1"/>
+              </p:ext>
+            </p:extLst>
+          </p:nvPr>
+        </p:nvGrpSpPr>
+        <p:grpSpPr>
+          <a:xfrm>
+            <a:off x="10999576" y="5987064"/>
+            <a:ext cx="1054466" cy="469689"/>
+            <a:chOff x="9841624" y="4115729"/>
+            <a:chExt cx="602169" cy="268223"/>
+          </a:xfrm>
+          <a:solidFill>
+            <a:schemeClr val="tx1"/>
+          </a:solidFill>
+        </p:grpSpPr>
+        <p:sp>
+          <p:nvSpPr>
+            <p:cNvPr id="45" name="Freeform: Shape 10">
+              <a:extLst>
+                <a:ext uri="{FF2B5EF4-FFF2-40B4-BE49-F238E27FC236}">
+                  <a16:creationId xmlns:a16="http://schemas.microsoft.com/office/drawing/2014/main" id="{A5AAAA75-5FFB-4C07-AD4A-3146773E6CDD}"/>
+                </a:ext>
+                <a:ext uri="{C183D7F6-B498-43B3-948B-1728B52AA6E4}">
+                  <adec:decorative xmlns:adec="http://schemas.microsoft.com/office/drawing/2017/decorative" val="1"/>
+                </a:ext>
+              </a:extLst>
+            </p:cNvPr>
+            <p:cNvSpPr/>
+            <p:nvPr>
+              <p:extLst>
+                <p:ext uri="{386F3935-93C4-4BCD-93E2-E3B085C9AB24}">
+                  <p16:designElem xmlns:p16="http://schemas.microsoft.com/office/powerpoint/2015/main" val="1"/>
+                </p:ext>
+              </p:extLst>
+            </p:nvPr>
+          </p:nvSpPr>
+          <p:spPr>
+            <a:xfrm>
+              <a:off x="9841624" y="4115729"/>
+              <a:ext cx="202882" cy="268223"/>
+            </a:xfrm>
+            <a:custGeom>
+              <a:avLst/>
+              <a:gdLst>
+                <a:gd name="connsiteX0" fmla="*/ 20765 w 202882"/>
+                <a:gd name="connsiteY0" fmla="*/ 268224 h 268223"/>
+                <a:gd name="connsiteX1" fmla="*/ 0 w 202882"/>
+                <a:gd name="connsiteY1" fmla="*/ 268224 h 268223"/>
+                <a:gd name="connsiteX2" fmla="*/ 182118 w 202882"/>
+                <a:gd name="connsiteY2" fmla="*/ 0 h 268223"/>
+                <a:gd name="connsiteX3" fmla="*/ 202883 w 202882"/>
+                <a:gd name="connsiteY3" fmla="*/ 0 h 268223"/>
+              </a:gdLst>
+              <a:ahLst/>
+              <a:cxnLst>
+                <a:cxn ang="0">
+                  <a:pos x="connsiteX0" y="connsiteY0"/>
+                </a:cxn>
+                <a:cxn ang="0">
+                  <a:pos x="connsiteX1" y="connsiteY1"/>
+                </a:cxn>
+                <a:cxn ang="0">
+                  <a:pos x="connsiteX2" y="connsiteY2"/>
+                </a:cxn>
+                <a:cxn ang="0">
+                  <a:pos x="connsiteX3" y="connsiteY3"/>
+                </a:cxn>
+              </a:cxnLst>
+              <a:rect l="l" t="t" r="r" b="b"/>
+              <a:pathLst>
+                <a:path w="202882" h="268223">
+                  <a:moveTo>
+                    <a:pt x="20765" y="268224"/>
+                  </a:moveTo>
+                  <a:lnTo>
+                    <a:pt x="0" y="268224"/>
+                  </a:lnTo>
+                  <a:lnTo>
+                    <a:pt x="182118" y="0"/>
+                  </a:lnTo>
+                  <a:lnTo>
+                    <a:pt x="202883" y="0"/>
+                  </a:lnTo>
+                  <a:close/>
+                </a:path>
+              </a:pathLst>
+            </a:custGeom>
+            <a:grpFill/>
+            <a:ln w="9525" cap="flat">
+              <a:noFill/>
+              <a:prstDash val="solid"/>
+              <a:miter/>
+            </a:ln>
+          </p:spPr>
+          <p:txBody>
+            <a:bodyPr rtlCol="0" anchor="ctr"/>
+            <a:lstStyle/>
+            <a:p>
+              <a:endParaRPr lang="en-US"/>
+            </a:p>
+          </p:txBody>
+        </p:sp>
+        <p:sp>
+          <p:nvSpPr>
+            <p:cNvPr id="46" name="Freeform: Shape 11">
+              <a:extLst>
+                <a:ext uri="{FF2B5EF4-FFF2-40B4-BE49-F238E27FC236}">
+                  <a16:creationId xmlns:a16="http://schemas.microsoft.com/office/drawing/2014/main" id="{1479895E-3847-44BB-8404-28F14219FB70}"/>
+                </a:ext>
+                <a:ext uri="{C183D7F6-B498-43B3-948B-1728B52AA6E4}">
+                  <adec:decorative xmlns:adec="http://schemas.microsoft.com/office/drawing/2017/decorative" val="1"/>
+                </a:ext>
+              </a:extLst>
+            </p:cNvPr>
+            <p:cNvSpPr/>
+            <p:nvPr>
+              <p:extLst>
+                <p:ext uri="{386F3935-93C4-4BCD-93E2-E3B085C9AB24}">
+                  <p16:designElem xmlns:p16="http://schemas.microsoft.com/office/powerpoint/2015/main" val="1"/>
+                </p:ext>
+              </p:extLst>
+            </p:nvPr>
+          </p:nvSpPr>
+          <p:spPr>
+            <a:xfrm>
+              <a:off x="9941445" y="4115729"/>
+              <a:ext cx="202882" cy="268223"/>
+            </a:xfrm>
+            <a:custGeom>
+              <a:avLst/>
+              <a:gdLst>
+                <a:gd name="connsiteX0" fmla="*/ 20765 w 202882"/>
+                <a:gd name="connsiteY0" fmla="*/ 268224 h 268223"/>
+                <a:gd name="connsiteX1" fmla="*/ 0 w 202882"/>
+                <a:gd name="connsiteY1" fmla="*/ 268224 h 268223"/>
+                <a:gd name="connsiteX2" fmla="*/ 182118 w 202882"/>
+                <a:gd name="connsiteY2" fmla="*/ 0 h 268223"/>
+                <a:gd name="connsiteX3" fmla="*/ 202883 w 202882"/>
+                <a:gd name="connsiteY3" fmla="*/ 0 h 268223"/>
+              </a:gdLst>
+              <a:ahLst/>
+              <a:cxnLst>
+                <a:cxn ang="0">
+                  <a:pos x="connsiteX0" y="connsiteY0"/>
+                </a:cxn>
+                <a:cxn ang="0">
+                  <a:pos x="connsiteX1" y="connsiteY1"/>
+                </a:cxn>
+                <a:cxn ang="0">
+                  <a:pos x="connsiteX2" y="connsiteY2"/>
+                </a:cxn>
+                <a:cxn ang="0">
+                  <a:pos x="connsiteX3" y="connsiteY3"/>
+                </a:cxn>
+              </a:cxnLst>
+              <a:rect l="l" t="t" r="r" b="b"/>
+              <a:pathLst>
+                <a:path w="202882" h="268223">
+                  <a:moveTo>
+                    <a:pt x="20765" y="268224"/>
+                  </a:moveTo>
+                  <a:lnTo>
+                    <a:pt x="0" y="268224"/>
+                  </a:lnTo>
+                  <a:lnTo>
+                    <a:pt x="182118" y="0"/>
+                  </a:lnTo>
+                  <a:lnTo>
+                    <a:pt x="202883" y="0"/>
+                  </a:lnTo>
+                  <a:close/>
+                </a:path>
+              </a:pathLst>
+            </a:custGeom>
+            <a:grpFill/>
+            <a:ln w="9525" cap="flat">
+              <a:noFill/>
+              <a:prstDash val="solid"/>
+              <a:miter/>
+            </a:ln>
+          </p:spPr>
+          <p:txBody>
+            <a:bodyPr rtlCol="0" anchor="ctr"/>
+            <a:lstStyle/>
+            <a:p>
+              <a:endParaRPr lang="en-US"/>
+            </a:p>
+          </p:txBody>
+        </p:sp>
+        <p:sp>
+          <p:nvSpPr>
+            <p:cNvPr id="47" name="Freeform: Shape 12">
+              <a:extLst>
+                <a:ext uri="{FF2B5EF4-FFF2-40B4-BE49-F238E27FC236}">
+                  <a16:creationId xmlns:a16="http://schemas.microsoft.com/office/drawing/2014/main" id="{50E02F68-8149-4236-8D9F-6B550F78B932}"/>
+                </a:ext>
+                <a:ext uri="{C183D7F6-B498-43B3-948B-1728B52AA6E4}">
+                  <adec:decorative xmlns:adec="http://schemas.microsoft.com/office/drawing/2017/decorative" val="1"/>
+                </a:ext>
+              </a:extLst>
+            </p:cNvPr>
+            <p:cNvSpPr/>
+            <p:nvPr>
+              <p:extLst>
+                <p:ext uri="{386F3935-93C4-4BCD-93E2-E3B085C9AB24}">
+                  <p16:designElem xmlns:p16="http://schemas.microsoft.com/office/powerpoint/2015/main" val="1"/>
+                </p:ext>
+              </p:extLst>
+            </p:nvPr>
+          </p:nvSpPr>
+          <p:spPr>
+            <a:xfrm>
+              <a:off x="10041267" y="4115729"/>
+              <a:ext cx="202882" cy="268223"/>
+            </a:xfrm>
+            <a:custGeom>
+              <a:avLst/>
+              <a:gdLst>
+                <a:gd name="connsiteX0" fmla="*/ 20669 w 202882"/>
+                <a:gd name="connsiteY0" fmla="*/ 268224 h 268223"/>
+                <a:gd name="connsiteX1" fmla="*/ 0 w 202882"/>
+                <a:gd name="connsiteY1" fmla="*/ 268224 h 268223"/>
+                <a:gd name="connsiteX2" fmla="*/ 182118 w 202882"/>
+                <a:gd name="connsiteY2" fmla="*/ 0 h 268223"/>
+                <a:gd name="connsiteX3" fmla="*/ 202883 w 202882"/>
+                <a:gd name="connsiteY3" fmla="*/ 0 h 268223"/>
+              </a:gdLst>
+              <a:ahLst/>
+              <a:cxnLst>
+                <a:cxn ang="0">
+                  <a:pos x="connsiteX0" y="connsiteY0"/>
+                </a:cxn>
+                <a:cxn ang="0">
+                  <a:pos x="connsiteX1" y="connsiteY1"/>
+                </a:cxn>
+                <a:cxn ang="0">
+                  <a:pos x="connsiteX2" y="connsiteY2"/>
+                </a:cxn>
+                <a:cxn ang="0">
+                  <a:pos x="connsiteX3" y="connsiteY3"/>
+                </a:cxn>
+              </a:cxnLst>
+              <a:rect l="l" t="t" r="r" b="b"/>
+              <a:pathLst>
+                <a:path w="202882" h="268223">
+                  <a:moveTo>
+                    <a:pt x="20669" y="268224"/>
+                  </a:moveTo>
+                  <a:lnTo>
+                    <a:pt x="0" y="268224"/>
+                  </a:lnTo>
+                  <a:lnTo>
+                    <a:pt x="182118" y="0"/>
+                  </a:lnTo>
+                  <a:lnTo>
+                    <a:pt x="202883" y="0"/>
+                  </a:lnTo>
+                  <a:close/>
+                </a:path>
+              </a:pathLst>
+            </a:custGeom>
+            <a:grpFill/>
+            <a:ln w="9525" cap="flat">
+              <a:noFill/>
+              <a:prstDash val="solid"/>
+              <a:miter/>
+            </a:ln>
+          </p:spPr>
+          <p:txBody>
+            <a:bodyPr rtlCol="0" anchor="ctr"/>
+            <a:lstStyle/>
+            <a:p>
+              <a:endParaRPr lang="en-US"/>
+            </a:p>
+          </p:txBody>
+        </p:sp>
+        <p:sp>
+          <p:nvSpPr>
+            <p:cNvPr id="48" name="Freeform: Shape 13">
+              <a:extLst>
+                <a:ext uri="{FF2B5EF4-FFF2-40B4-BE49-F238E27FC236}">
+                  <a16:creationId xmlns:a16="http://schemas.microsoft.com/office/drawing/2014/main" id="{956FCAAB-F073-4561-A484-42C7DD10DC26}"/>
+                </a:ext>
+                <a:ext uri="{C183D7F6-B498-43B3-948B-1728B52AA6E4}">
+                  <adec:decorative xmlns:adec="http://schemas.microsoft.com/office/drawing/2017/decorative" val="1"/>
+                </a:ext>
+              </a:extLst>
+            </p:cNvPr>
+            <p:cNvSpPr/>
+            <p:nvPr>
+              <p:extLst>
+                <p:ext uri="{386F3935-93C4-4BCD-93E2-E3B085C9AB24}">
+                  <p16:designElem xmlns:p16="http://schemas.microsoft.com/office/powerpoint/2015/main" val="1"/>
+                </p:ext>
+              </p:extLst>
+            </p:nvPr>
+          </p:nvSpPr>
+          <p:spPr>
+            <a:xfrm>
+              <a:off x="10141090" y="4115729"/>
+              <a:ext cx="202882" cy="268223"/>
+            </a:xfrm>
+            <a:custGeom>
+              <a:avLst/>
+              <a:gdLst>
+                <a:gd name="connsiteX0" fmla="*/ 20669 w 202882"/>
+                <a:gd name="connsiteY0" fmla="*/ 268224 h 268223"/>
+                <a:gd name="connsiteX1" fmla="*/ 0 w 202882"/>
+                <a:gd name="connsiteY1" fmla="*/ 268224 h 268223"/>
+                <a:gd name="connsiteX2" fmla="*/ 182118 w 202882"/>
+                <a:gd name="connsiteY2" fmla="*/ 0 h 268223"/>
+                <a:gd name="connsiteX3" fmla="*/ 202883 w 202882"/>
+                <a:gd name="connsiteY3" fmla="*/ 0 h 268223"/>
+              </a:gdLst>
+              <a:ahLst/>
+              <a:cxnLst>
+                <a:cxn ang="0">
+                  <a:pos x="connsiteX0" y="connsiteY0"/>
+                </a:cxn>
+                <a:cxn ang="0">
+                  <a:pos x="connsiteX1" y="connsiteY1"/>
+                </a:cxn>
+                <a:cxn ang="0">
+                  <a:pos x="connsiteX2" y="connsiteY2"/>
+                </a:cxn>
+                <a:cxn ang="0">
+                  <a:pos x="connsiteX3" y="connsiteY3"/>
+                </a:cxn>
+              </a:cxnLst>
+              <a:rect l="l" t="t" r="r" b="b"/>
+              <a:pathLst>
+                <a:path w="202882" h="268223">
+                  <a:moveTo>
+                    <a:pt x="20669" y="268224"/>
+                  </a:moveTo>
+                  <a:lnTo>
+                    <a:pt x="0" y="268224"/>
+                  </a:lnTo>
+                  <a:lnTo>
+                    <a:pt x="182118" y="0"/>
+                  </a:lnTo>
+                  <a:lnTo>
+                    <a:pt x="202883" y="0"/>
+                  </a:lnTo>
+                  <a:close/>
+                </a:path>
+              </a:pathLst>
+            </a:custGeom>
+            <a:grpFill/>
+            <a:ln w="9525" cap="flat">
+              <a:noFill/>
+              <a:prstDash val="solid"/>
+              <a:miter/>
+            </a:ln>
+          </p:spPr>
+          <p:txBody>
+            <a:bodyPr rtlCol="0" anchor="ctr"/>
+            <a:lstStyle/>
+            <a:p>
+              <a:endParaRPr lang="en-US"/>
+            </a:p>
+          </p:txBody>
+        </p:sp>
+        <p:sp>
+          <p:nvSpPr>
+            <p:cNvPr id="49" name="Freeform: Shape 14">
+              <a:extLst>
+                <a:ext uri="{FF2B5EF4-FFF2-40B4-BE49-F238E27FC236}">
+                  <a16:creationId xmlns:a16="http://schemas.microsoft.com/office/drawing/2014/main" id="{6CF8DB94-87A3-43E9-9BBB-301CFF0FB05B}"/>
+                </a:ext>
+                <a:ext uri="{C183D7F6-B498-43B3-948B-1728B52AA6E4}">
+                  <adec:decorative xmlns:adec="http://schemas.microsoft.com/office/drawing/2017/decorative" val="1"/>
+                </a:ext>
+              </a:extLst>
+            </p:cNvPr>
+            <p:cNvSpPr/>
+            <p:nvPr>
+              <p:extLst>
+                <p:ext uri="{386F3935-93C4-4BCD-93E2-E3B085C9AB24}">
+                  <p16:designElem xmlns:p16="http://schemas.microsoft.com/office/powerpoint/2015/main" val="1"/>
+                </p:ext>
+              </p:extLst>
+            </p:nvPr>
+          </p:nvSpPr>
+          <p:spPr>
+            <a:xfrm>
+              <a:off x="10240911" y="4115729"/>
+              <a:ext cx="202882" cy="268223"/>
+            </a:xfrm>
+            <a:custGeom>
+              <a:avLst/>
+              <a:gdLst>
+                <a:gd name="connsiteX0" fmla="*/ 20669 w 202882"/>
+                <a:gd name="connsiteY0" fmla="*/ 268224 h 268223"/>
+                <a:gd name="connsiteX1" fmla="*/ 0 w 202882"/>
+                <a:gd name="connsiteY1" fmla="*/ 268224 h 268223"/>
+                <a:gd name="connsiteX2" fmla="*/ 182118 w 202882"/>
+                <a:gd name="connsiteY2" fmla="*/ 0 h 268223"/>
+                <a:gd name="connsiteX3" fmla="*/ 202883 w 202882"/>
+                <a:gd name="connsiteY3" fmla="*/ 0 h 268223"/>
+              </a:gdLst>
+              <a:ahLst/>
+              <a:cxnLst>
+                <a:cxn ang="0">
+                  <a:pos x="connsiteX0" y="connsiteY0"/>
+                </a:cxn>
+                <a:cxn ang="0">
+                  <a:pos x="connsiteX1" y="connsiteY1"/>
+                </a:cxn>
+                <a:cxn ang="0">
+                  <a:pos x="connsiteX2" y="connsiteY2"/>
+                </a:cxn>
+                <a:cxn ang="0">
+                  <a:pos x="connsiteX3" y="connsiteY3"/>
+                </a:cxn>
+              </a:cxnLst>
+              <a:rect l="l" t="t" r="r" b="b"/>
+              <a:pathLst>
+                <a:path w="202882" h="268223">
+                  <a:moveTo>
+                    <a:pt x="20669" y="268224"/>
+                  </a:moveTo>
+                  <a:lnTo>
+                    <a:pt x="0" y="268224"/>
+                  </a:lnTo>
+                  <a:lnTo>
+                    <a:pt x="182118" y="0"/>
+                  </a:lnTo>
+                  <a:lnTo>
+                    <a:pt x="202883" y="0"/>
+                  </a:lnTo>
+                  <a:close/>
+                </a:path>
+              </a:pathLst>
+            </a:custGeom>
+            <a:grpFill/>
+            <a:ln w="9525" cap="flat">
+              <a:noFill/>
+              <a:prstDash val="solid"/>
+              <a:miter/>
+            </a:ln>
+          </p:spPr>
+          <p:txBody>
+            <a:bodyPr rtlCol="0" anchor="ctr"/>
+            <a:lstStyle/>
+            <a:p>
+              <a:endParaRPr lang="en-US"/>
+            </a:p>
+          </p:txBody>
+        </p:sp>
+      </p:grpSp>
+      <p:sp>
+        <p:nvSpPr>
+          <p:cNvPr id="50" name="Oval 16">
+            <a:extLst>
+              <a:ext uri="{FF2B5EF4-FFF2-40B4-BE49-F238E27FC236}">
+                <a16:creationId xmlns:a16="http://schemas.microsoft.com/office/drawing/2014/main" id="{7D6BF779-0B8C-4CC2-9268-9506AD0C5331}"/>
+              </a:ext>
+              <a:ext uri="{C183D7F6-B498-43B3-948B-1728B52AA6E4}">
+                <adec:decorative xmlns:adec="http://schemas.microsoft.com/office/drawing/2017/decorative" val="1"/>
+              </a:ext>
+            </a:extLst>
+          </p:cNvPr>
+          <p:cNvSpPr>
+            <a:spLocks noGrp="1" noRot="1" noChangeAspect="1" noMove="1" noResize="1" noEditPoints="1" noAdjustHandles="1" noChangeArrowheads="1" noChangeShapeType="1" noTextEdit="1"/>
+          </p:cNvSpPr>
+          <p:nvPr>
+            <p:extLst>
+              <p:ext uri="{386F3935-93C4-4BCD-93E2-E3B085C9AB24}">
+                <p16:designElem xmlns:p16="http://schemas.microsoft.com/office/powerpoint/2015/main" val="1"/>
+              </p:ext>
+            </p:extLst>
+          </p:nvPr>
+        </p:nvSpPr>
+        <p:spPr>
+          <a:xfrm>
+            <a:off x="320736" y="652894"/>
+            <a:ext cx="319941" cy="319941"/>
+          </a:xfrm>
+          <a:prstGeom prst="ellipse">
+            <a:avLst/>
+          </a:prstGeom>
+          <a:solidFill>
+            <a:schemeClr val="accent3">
+              <a:lumMod val="20000"/>
+              <a:lumOff val="80000"/>
+            </a:schemeClr>
+          </a:solidFill>
+          <a:ln w="28575">
+            <a:solidFill>
+              <a:schemeClr val="tx1"/>
+            </a:solidFill>
+          </a:ln>
+        </p:spPr>
+        <p:style>
+          <a:lnRef idx="2">
+            <a:schemeClr val="accent1">
+              <a:shade val="50000"/>
+            </a:schemeClr>
+          </a:lnRef>
+          <a:fillRef idx="1">
+            <a:schemeClr val="accent1"/>
+          </a:fillRef>
+          <a:effectRef idx="0">
+            <a:schemeClr val="accent1"/>
+          </a:effectRef>
+          <a:fontRef idx="minor">
+            <a:schemeClr val="lt1"/>
+          </a:fontRef>
+        </p:style>
+        <p:txBody>
+          <a:bodyPr rot="0" spcFirstLastPara="0" vertOverflow="overflow" horzOverflow="overflow" vert="horz" wrap="square" lIns="91440" tIns="45720" rIns="91440" bIns="45720" numCol="1" spcCol="0" rtlCol="0" fromWordArt="0" anchor="ctr" anchorCtr="0" forceAA="0" compatLnSpc="1">
+            <a:prstTxWarp prst="textNoShape">
+              <a:avLst/>
+            </a:prstTxWarp>
+            <a:noAutofit/>
+          </a:bodyPr>
+          <a:lstStyle/>
+          <a:p>
+            <a:pPr algn="ctr"/>
+            <a:endParaRPr lang="en-US"/>
+          </a:p>
+        </p:txBody>
+      </p:sp>
+      <p:sp useBgFill="1">
+        <p:nvSpPr>
+          <p:cNvPr id="51" name="Rectangle 18">
+            <a:extLst>
+              <a:ext uri="{FF2B5EF4-FFF2-40B4-BE49-F238E27FC236}">
+                <a16:creationId xmlns:a16="http://schemas.microsoft.com/office/drawing/2014/main" id="{3A397E3E-B90C-4D82-BAAA-36F7AC6A4565}"/>
+              </a:ext>
+              <a:ext uri="{C183D7F6-B498-43B3-948B-1728B52AA6E4}">
+                <adec:decorative xmlns:adec="http://schemas.microsoft.com/office/drawing/2017/decorative" val="1"/>
+              </a:ext>
+            </a:extLst>
+          </p:cNvPr>
+          <p:cNvSpPr>
+            <a:spLocks noGrp="1" noRot="1" noChangeAspect="1" noMove="1" noResize="1" noEditPoints="1" noAdjustHandles="1" noChangeArrowheads="1" noChangeShapeType="1" noTextEdit="1"/>
+          </p:cNvSpPr>
+          <p:nvPr>
+            <p:extLst>
+              <p:ext uri="{386F3935-93C4-4BCD-93E2-E3B085C9AB24}">
+                <p16:designElem xmlns:p16="http://schemas.microsoft.com/office/powerpoint/2015/main" val="1"/>
+              </p:ext>
+            </p:extLst>
+          </p:nvPr>
+        </p:nvSpPr>
+        <p:spPr>
+          <a:xfrm>
+            <a:off x="0" y="0"/>
+            <a:ext cx="12192000" cy="6858000"/>
+          </a:xfrm>
+          <a:prstGeom prst="rect">
+            <a:avLst/>
+          </a:prstGeom>
+          <a:ln>
+            <a:noFill/>
+          </a:ln>
+        </p:spPr>
+        <p:style>
+          <a:lnRef idx="2">
+            <a:schemeClr val="accent1">
+              <a:shade val="50000"/>
+            </a:schemeClr>
+          </a:lnRef>
+          <a:fillRef idx="1">
+            <a:schemeClr val="accent1"/>
+          </a:fillRef>
+          <a:effectRef idx="0">
+            <a:schemeClr val="accent1"/>
+          </a:effectRef>
+          <a:fontRef idx="minor">
+            <a:schemeClr val="lt1"/>
+          </a:fontRef>
+        </p:style>
+        <p:txBody>
+          <a:bodyPr rtlCol="0" anchor="ctr"/>
+          <a:lstStyle/>
+          <a:p>
+            <a:pPr algn="ctr"/>
+            <a:endParaRPr lang="en-US" dirty="0"/>
+          </a:p>
+        </p:txBody>
+      </p:sp>
+      <p:sp>
+        <p:nvSpPr>
+          <p:cNvPr id="52" name="Freeform: Shape 20">
+            <a:extLst>
+              <a:ext uri="{FF2B5EF4-FFF2-40B4-BE49-F238E27FC236}">
+                <a16:creationId xmlns:a16="http://schemas.microsoft.com/office/drawing/2014/main" id="{1EE8AD20-D46A-4CDA-ACE9-CDEE6F001164}"/>
+              </a:ext>
+              <a:ext uri="{C183D7F6-B498-43B3-948B-1728B52AA6E4}">
+                <adec:decorative xmlns:adec="http://schemas.microsoft.com/office/drawing/2017/decorative" val="1"/>
+              </a:ext>
+            </a:extLst>
+          </p:cNvPr>
+          <p:cNvSpPr>
+            <a:spLocks noGrp="1" noRot="1" noChangeAspect="1" noMove="1" noResize="1" noEditPoints="1" noAdjustHandles="1" noChangeArrowheads="1" noChangeShapeType="1" noTextEdit="1"/>
+          </p:cNvSpPr>
+          <p:nvPr>
+            <p:extLst>
+              <p:ext uri="{386F3935-93C4-4BCD-93E2-E3B085C9AB24}">
+                <p16:designElem xmlns:p16="http://schemas.microsoft.com/office/powerpoint/2015/main" val="1"/>
+              </p:ext>
+            </p:extLst>
+          </p:nvPr>
+        </p:nvSpPr>
+        <p:spPr>
+          <a:xfrm>
+            <a:off x="3" y="2"/>
+            <a:ext cx="2134216" cy="2258161"/>
+          </a:xfrm>
+          <a:custGeom>
+            <a:avLst/>
+            <a:gdLst>
+              <a:gd name="connsiteX0" fmla="*/ 2292284 w 3871489"/>
+              <a:gd name="connsiteY0" fmla="*/ 0 h 4096327"/>
+              <a:gd name="connsiteX1" fmla="*/ 3500914 w 3871489"/>
+              <a:gd name="connsiteY1" fmla="*/ 0 h 4096327"/>
+              <a:gd name="connsiteX2" fmla="*/ 3542229 w 3871489"/>
+              <a:gd name="connsiteY2" fmla="*/ 68006 h 4096327"/>
+              <a:gd name="connsiteX3" fmla="*/ 3871489 w 3871489"/>
+              <a:gd name="connsiteY3" fmla="*/ 1368323 h 4096327"/>
+              <a:gd name="connsiteX4" fmla="*/ 1143485 w 3871489"/>
+              <a:gd name="connsiteY4" fmla="*/ 4096327 h 4096327"/>
+              <a:gd name="connsiteX5" fmla="*/ 81633 w 3871489"/>
+              <a:gd name="connsiteY5" fmla="*/ 3881944 h 4096327"/>
+              <a:gd name="connsiteX6" fmla="*/ 0 w 3871489"/>
+              <a:gd name="connsiteY6" fmla="*/ 3842618 h 4096327"/>
+              <a:gd name="connsiteX7" fmla="*/ 0 w 3871489"/>
+              <a:gd name="connsiteY7" fmla="*/ 2741475 h 4096327"/>
+              <a:gd name="connsiteX8" fmla="*/ 6615 w 3871489"/>
+              <a:gd name="connsiteY8" fmla="*/ 2747487 h 4096327"/>
+              <a:gd name="connsiteX9" fmla="*/ 1143485 w 3871489"/>
+              <a:gd name="connsiteY9" fmla="*/ 3155655 h 4096327"/>
+              <a:gd name="connsiteX10" fmla="*/ 2930817 w 3871489"/>
+              <a:gd name="connsiteY10" fmla="*/ 1368323 h 4096327"/>
+              <a:gd name="connsiteX11" fmla="*/ 2407287 w 3871489"/>
+              <a:gd name="connsiteY11" fmla="*/ 104524 h 4096327"/>
+            </a:gdLst>
+            <a:ahLst/>
+            <a:cxnLst>
+              <a:cxn ang="0">
+                <a:pos x="connsiteX0" y="connsiteY0"/>
+              </a:cxn>
+              <a:cxn ang="0">
+                <a:pos x="connsiteX1" y="connsiteY1"/>
+              </a:cxn>
+              <a:cxn ang="0">
+                <a:pos x="connsiteX2" y="connsiteY2"/>
+              </a:cxn>
+              <a:cxn ang="0">
+                <a:pos x="connsiteX3" y="connsiteY3"/>
+              </a:cxn>
+              <a:cxn ang="0">
+                <a:pos x="connsiteX4" y="connsiteY4"/>
+              </a:cxn>
+              <a:cxn ang="0">
+                <a:pos x="connsiteX5" y="connsiteY5"/>
+              </a:cxn>
+              <a:cxn ang="0">
+                <a:pos x="connsiteX6" y="connsiteY6"/>
+              </a:cxn>
+              <a:cxn ang="0">
+                <a:pos x="connsiteX7" y="connsiteY7"/>
+              </a:cxn>
+              <a:cxn ang="0">
+                <a:pos x="connsiteX8" y="connsiteY8"/>
+              </a:cxn>
+              <a:cxn ang="0">
+                <a:pos x="connsiteX9" y="connsiteY9"/>
+              </a:cxn>
+              <a:cxn ang="0">
+                <a:pos x="connsiteX10" y="connsiteY10"/>
+              </a:cxn>
+              <a:cxn ang="0">
+                <a:pos x="connsiteX11" y="connsiteY11"/>
+              </a:cxn>
+            </a:cxnLst>
+            <a:rect l="l" t="t" r="r" b="b"/>
+            <a:pathLst>
+              <a:path w="3871489" h="4096327">
+                <a:moveTo>
+                  <a:pt x="2292284" y="0"/>
+                </a:moveTo>
+                <a:lnTo>
+                  <a:pt x="3500914" y="0"/>
+                </a:lnTo>
+                <a:lnTo>
+                  <a:pt x="3542229" y="68006"/>
+                </a:lnTo>
+                <a:cubicBezTo>
+                  <a:pt x="3752213" y="454545"/>
+                  <a:pt x="3871489" y="897507"/>
+                  <a:pt x="3871489" y="1368323"/>
+                </a:cubicBezTo>
+                <a:cubicBezTo>
+                  <a:pt x="3871489" y="2874936"/>
+                  <a:pt x="2650098" y="4096327"/>
+                  <a:pt x="1143485" y="4096327"/>
+                </a:cubicBezTo>
+                <a:cubicBezTo>
+                  <a:pt x="766832" y="4096327"/>
+                  <a:pt x="408006" y="4019990"/>
+                  <a:pt x="81633" y="3881944"/>
+                </a:cubicBezTo>
+                <a:lnTo>
+                  <a:pt x="0" y="3842618"/>
+                </a:lnTo>
+                <a:lnTo>
+                  <a:pt x="0" y="2741475"/>
+                </a:lnTo>
+                <a:lnTo>
+                  <a:pt x="6615" y="2747487"/>
+                </a:lnTo>
+                <a:cubicBezTo>
+                  <a:pt x="315579" y="3002472"/>
+                  <a:pt x="711663" y="3155655"/>
+                  <a:pt x="1143485" y="3155655"/>
+                </a:cubicBezTo>
+                <a:cubicBezTo>
+                  <a:pt x="2130515" y="3155655"/>
+                  <a:pt x="2930817" y="2355353"/>
+                  <a:pt x="2930817" y="1368323"/>
+                </a:cubicBezTo>
+                <a:cubicBezTo>
+                  <a:pt x="2930817" y="874812"/>
+                  <a:pt x="2730741" y="427979"/>
+                  <a:pt x="2407287" y="104524"/>
+                </a:cubicBezTo>
+                <a:close/>
+              </a:path>
+            </a:pathLst>
+          </a:custGeom>
+          <a:solidFill>
+            <a:srgbClr val="FFFFFF"/>
+          </a:solidFill>
+          <a:ln w="28575">
+            <a:noFill/>
+          </a:ln>
+        </p:spPr>
+        <p:style>
+          <a:lnRef idx="2">
+            <a:schemeClr val="accent1">
+              <a:shade val="50000"/>
+            </a:schemeClr>
+          </a:lnRef>
+          <a:fillRef idx="1">
+            <a:schemeClr val="accent1"/>
+          </a:fillRef>
+          <a:effectRef idx="0">
+            <a:schemeClr val="accent1"/>
+          </a:effectRef>
+          <a:fontRef idx="minor">
+            <a:schemeClr val="lt1"/>
+          </a:fontRef>
+        </p:style>
+        <p:txBody>
+          <a:bodyPr rot="0" spcFirstLastPara="0" vertOverflow="overflow" horzOverflow="overflow" vert="horz" wrap="square" lIns="91440" tIns="45720" rIns="91440" bIns="45720" numCol="1" spcCol="0" rtlCol="0" fromWordArt="0" anchor="ctr" anchorCtr="0" forceAA="0" compatLnSpc="1">
+            <a:prstTxWarp prst="textNoShape">
+              <a:avLst/>
+            </a:prstTxWarp>
+            <a:noAutofit/>
+          </a:bodyPr>
+          <a:lstStyle/>
+          <a:p>
+            <a:pPr algn="ctr"/>
+            <a:endParaRPr lang="en-US">
+              <a:solidFill>
+                <a:schemeClr val="accent1"/>
+              </a:solidFill>
+            </a:endParaRPr>
+          </a:p>
+        </p:txBody>
+      </p:sp>
+      <p:sp>
+        <p:nvSpPr>
+          <p:cNvPr id="53" name="Freeform: Shape 22">
+            <a:extLst>
+              <a:ext uri="{FF2B5EF4-FFF2-40B4-BE49-F238E27FC236}">
+                <a16:creationId xmlns:a16="http://schemas.microsoft.com/office/drawing/2014/main" id="{9A19265B-5023-4F97-B3C5-6DC04937BDE4}"/>
+              </a:ext>
+              <a:ext uri="{C183D7F6-B498-43B3-948B-1728B52AA6E4}">
+                <adec:decorative xmlns:adec="http://schemas.microsoft.com/office/drawing/2017/decorative" val="1"/>
+              </a:ext>
+            </a:extLst>
+          </p:cNvPr>
+          <p:cNvSpPr>
+            <a:spLocks noGrp="1" noRot="1" noChangeAspect="1" noMove="1" noResize="1" noEditPoints="1" noAdjustHandles="1" noChangeArrowheads="1" noChangeShapeType="1" noTextEdit="1"/>
+          </p:cNvSpPr>
+          <p:nvPr>
+            <p:extLst>
+              <p:ext uri="{386F3935-93C4-4BCD-93E2-E3B085C9AB24}">
+                <p16:designElem xmlns:p16="http://schemas.microsoft.com/office/powerpoint/2015/main" val="1"/>
+              </p:ext>
+            </p:extLst>
+          </p:nvPr>
+        </p:nvSpPr>
+        <p:spPr>
+          <a:xfrm>
+            <a:off x="3" y="2"/>
+            <a:ext cx="2134216" cy="2258161"/>
+          </a:xfrm>
+          <a:custGeom>
+            <a:avLst/>
+            <a:gdLst>
+              <a:gd name="connsiteX0" fmla="*/ 2292284 w 3871489"/>
+              <a:gd name="connsiteY0" fmla="*/ 0 h 4096327"/>
+              <a:gd name="connsiteX1" fmla="*/ 3500914 w 3871489"/>
+              <a:gd name="connsiteY1" fmla="*/ 0 h 4096327"/>
+              <a:gd name="connsiteX2" fmla="*/ 3542229 w 3871489"/>
+              <a:gd name="connsiteY2" fmla="*/ 68006 h 4096327"/>
+              <a:gd name="connsiteX3" fmla="*/ 3871489 w 3871489"/>
+              <a:gd name="connsiteY3" fmla="*/ 1368323 h 4096327"/>
+              <a:gd name="connsiteX4" fmla="*/ 1143485 w 3871489"/>
+              <a:gd name="connsiteY4" fmla="*/ 4096327 h 4096327"/>
+              <a:gd name="connsiteX5" fmla="*/ 81633 w 3871489"/>
+              <a:gd name="connsiteY5" fmla="*/ 3881944 h 4096327"/>
+              <a:gd name="connsiteX6" fmla="*/ 0 w 3871489"/>
+              <a:gd name="connsiteY6" fmla="*/ 3842618 h 4096327"/>
+              <a:gd name="connsiteX7" fmla="*/ 0 w 3871489"/>
+              <a:gd name="connsiteY7" fmla="*/ 2741475 h 4096327"/>
+              <a:gd name="connsiteX8" fmla="*/ 6615 w 3871489"/>
+              <a:gd name="connsiteY8" fmla="*/ 2747487 h 4096327"/>
+              <a:gd name="connsiteX9" fmla="*/ 1143485 w 3871489"/>
+              <a:gd name="connsiteY9" fmla="*/ 3155655 h 4096327"/>
+              <a:gd name="connsiteX10" fmla="*/ 2930817 w 3871489"/>
+              <a:gd name="connsiteY10" fmla="*/ 1368323 h 4096327"/>
+              <a:gd name="connsiteX11" fmla="*/ 2407287 w 3871489"/>
+              <a:gd name="connsiteY11" fmla="*/ 104524 h 4096327"/>
+            </a:gdLst>
+            <a:ahLst/>
+            <a:cxnLst>
+              <a:cxn ang="0">
+                <a:pos x="connsiteX0" y="connsiteY0"/>
+              </a:cxn>
+              <a:cxn ang="0">
+                <a:pos x="connsiteX1" y="connsiteY1"/>
+              </a:cxn>
+              <a:cxn ang="0">
+                <a:pos x="connsiteX2" y="connsiteY2"/>
+              </a:cxn>
+              <a:cxn ang="0">
+                <a:pos x="connsiteX3" y="connsiteY3"/>
+              </a:cxn>
+              <a:cxn ang="0">
+                <a:pos x="connsiteX4" y="connsiteY4"/>
+              </a:cxn>
+              <a:cxn ang="0">
+                <a:pos x="connsiteX5" y="connsiteY5"/>
+              </a:cxn>
+              <a:cxn ang="0">
+                <a:pos x="connsiteX6" y="connsiteY6"/>
+              </a:cxn>
+              <a:cxn ang="0">
+                <a:pos x="connsiteX7" y="connsiteY7"/>
+              </a:cxn>
+              <a:cxn ang="0">
+                <a:pos x="connsiteX8" y="connsiteY8"/>
+              </a:cxn>
+              <a:cxn ang="0">
+                <a:pos x="connsiteX9" y="connsiteY9"/>
+              </a:cxn>
+              <a:cxn ang="0">
+                <a:pos x="connsiteX10" y="connsiteY10"/>
+              </a:cxn>
+              <a:cxn ang="0">
+                <a:pos x="connsiteX11" y="connsiteY11"/>
+              </a:cxn>
+            </a:cxnLst>
+            <a:rect l="l" t="t" r="r" b="b"/>
+            <a:pathLst>
+              <a:path w="3871489" h="4096327">
+                <a:moveTo>
+                  <a:pt x="2292284" y="0"/>
+                </a:moveTo>
+                <a:lnTo>
+                  <a:pt x="3500914" y="0"/>
+                </a:lnTo>
+                <a:lnTo>
+                  <a:pt x="3542229" y="68006"/>
+                </a:lnTo>
+                <a:cubicBezTo>
+                  <a:pt x="3752213" y="454545"/>
+                  <a:pt x="3871489" y="897507"/>
+                  <a:pt x="3871489" y="1368323"/>
+                </a:cubicBezTo>
+                <a:cubicBezTo>
+                  <a:pt x="3871489" y="2874936"/>
+                  <a:pt x="2650098" y="4096327"/>
+                  <a:pt x="1143485" y="4096327"/>
+                </a:cubicBezTo>
+                <a:cubicBezTo>
+                  <a:pt x="766832" y="4096327"/>
+                  <a:pt x="408006" y="4019990"/>
+                  <a:pt x="81633" y="3881944"/>
+                </a:cubicBezTo>
+                <a:lnTo>
+                  <a:pt x="0" y="3842618"/>
+                </a:lnTo>
+                <a:lnTo>
+                  <a:pt x="0" y="2741475"/>
+                </a:lnTo>
+                <a:lnTo>
+                  <a:pt x="6615" y="2747487"/>
+                </a:lnTo>
+                <a:cubicBezTo>
+                  <a:pt x="315579" y="3002472"/>
+                  <a:pt x="711663" y="3155655"/>
+                  <a:pt x="1143485" y="3155655"/>
+                </a:cubicBezTo>
+                <a:cubicBezTo>
+                  <a:pt x="2130515" y="3155655"/>
+                  <a:pt x="2930817" y="2355353"/>
+                  <a:pt x="2930817" y="1368323"/>
+                </a:cubicBezTo>
+                <a:cubicBezTo>
+                  <a:pt x="2930817" y="874812"/>
+                  <a:pt x="2730741" y="427979"/>
+                  <a:pt x="2407287" y="104524"/>
+                </a:cubicBezTo>
+                <a:close/>
+              </a:path>
+            </a:pathLst>
+          </a:custGeom>
+          <a:solidFill>
+            <a:schemeClr val="accent1">
+              <a:alpha val="20000"/>
+            </a:schemeClr>
+          </a:solidFill>
+          <a:ln w="28575">
+            <a:noFill/>
+          </a:ln>
+        </p:spPr>
+        <p:style>
+          <a:lnRef idx="2">
+            <a:schemeClr val="accent1">
+              <a:shade val="50000"/>
+            </a:schemeClr>
+          </a:lnRef>
+          <a:fillRef idx="1">
+            <a:schemeClr val="accent1"/>
+          </a:fillRef>
+          <a:effectRef idx="0">
+            <a:schemeClr val="accent1"/>
+          </a:effectRef>
+          <a:fontRef idx="minor">
+            <a:schemeClr val="lt1"/>
+          </a:fontRef>
+        </p:style>
+        <p:txBody>
+          <a:bodyPr rot="0" spcFirstLastPara="0" vertOverflow="overflow" horzOverflow="overflow" vert="horz" wrap="square" lIns="91440" tIns="45720" rIns="91440" bIns="45720" numCol="1" spcCol="0" rtlCol="0" fromWordArt="0" anchor="ctr" anchorCtr="0" forceAA="0" compatLnSpc="1">
+            <a:prstTxWarp prst="textNoShape">
+              <a:avLst/>
+            </a:prstTxWarp>
+            <a:noAutofit/>
+          </a:bodyPr>
+          <a:lstStyle/>
+          <a:p>
+            <a:pPr algn="ctr"/>
+            <a:endParaRPr lang="en-US">
+              <a:solidFill>
+                <a:schemeClr val="accent1"/>
+              </a:solidFill>
+            </a:endParaRPr>
+          </a:p>
+        </p:txBody>
+      </p:sp>
+      <p:sp>
+        <p:nvSpPr>
+          <p:cNvPr id="54" name="Rectangle 24">
+            <a:extLst>
+              <a:ext uri="{FF2B5EF4-FFF2-40B4-BE49-F238E27FC236}">
+                <a16:creationId xmlns:a16="http://schemas.microsoft.com/office/drawing/2014/main" id="{E167761E-9A06-42D7-A1E1-99C836918D41}"/>
+              </a:ext>
+              <a:ext uri="{C183D7F6-B498-43B3-948B-1728B52AA6E4}">
+                <adec:decorative xmlns:adec="http://schemas.microsoft.com/office/drawing/2017/decorative" val="1"/>
+              </a:ext>
+            </a:extLst>
+          </p:cNvPr>
+          <p:cNvSpPr>
+            <a:spLocks noGrp="1" noRot="1" noChangeAspect="1" noMove="1" noResize="1" noEditPoints="1" noAdjustHandles="1" noChangeArrowheads="1" noChangeShapeType="1" noTextEdit="1"/>
+          </p:cNvSpPr>
+          <p:nvPr>
+            <p:extLst>
+              <p:ext uri="{386F3935-93C4-4BCD-93E2-E3B085C9AB24}">
+                <p16:designElem xmlns:p16="http://schemas.microsoft.com/office/powerpoint/2015/main" val="1"/>
+              </p:ext>
+            </p:extLst>
+          </p:nvPr>
+        </p:nvSpPr>
+        <p:spPr>
+          <a:xfrm>
+            <a:off x="1481312" y="743744"/>
+            <a:ext cx="4860256" cy="4589316"/>
+          </a:xfrm>
+          <a:prstGeom prst="rect">
+            <a:avLst/>
+          </a:prstGeom>
+          <a:solidFill>
+            <a:srgbClr val="FFFFFF"/>
+          </a:solidFill>
+          <a:ln w="28575">
+            <a:noFill/>
+          </a:ln>
+        </p:spPr>
+        <p:style>
+          <a:lnRef idx="2">
+            <a:schemeClr val="accent1">
+              <a:shade val="50000"/>
+            </a:schemeClr>
+          </a:lnRef>
+          <a:fillRef idx="1">
+            <a:schemeClr val="accent1"/>
+          </a:fillRef>
+          <a:effectRef idx="0">
+            <a:schemeClr val="accent1"/>
+          </a:effectRef>
+          <a:fontRef idx="minor">
+            <a:schemeClr val="lt1"/>
+          </a:fontRef>
+        </p:style>
+        <p:txBody>
+          <a:bodyPr rot="0" spcFirstLastPara="0" vertOverflow="overflow" horzOverflow="overflow" vert="horz" wrap="square" lIns="91440" tIns="45720" rIns="91440" bIns="45720" numCol="1" spcCol="0" rtlCol="0" fromWordArt="0" anchor="ctr" anchorCtr="0" forceAA="0" compatLnSpc="1">
+            <a:prstTxWarp prst="textNoShape">
+              <a:avLst/>
+            </a:prstTxWarp>
+            <a:noAutofit/>
+          </a:bodyPr>
+          <a:lstStyle/>
+          <a:p>
+            <a:pPr algn="ctr"/>
+            <a:endParaRPr lang="en-US">
+              <a:solidFill>
+                <a:schemeClr val="accent1"/>
+              </a:solidFill>
+            </a:endParaRPr>
+          </a:p>
+        </p:txBody>
+      </p:sp>
+      <p:sp>
+        <p:nvSpPr>
+          <p:cNvPr id="55" name="Rectangle 26">
+            <a:extLst>
+              <a:ext uri="{FF2B5EF4-FFF2-40B4-BE49-F238E27FC236}">
+                <a16:creationId xmlns:a16="http://schemas.microsoft.com/office/drawing/2014/main" id="{6E1810D1-939F-4DDF-9906-72FABD13604A}"/>
+              </a:ext>
+              <a:ext uri="{C183D7F6-B498-43B3-948B-1728B52AA6E4}">
+                <adec:decorative xmlns:adec="http://schemas.microsoft.com/office/drawing/2017/decorative" val="1"/>
+              </a:ext>
+            </a:extLst>
+          </p:cNvPr>
+          <p:cNvSpPr>
+            <a:spLocks noGrp="1" noRot="1" noChangeAspect="1" noMove="1" noResize="1" noEditPoints="1" noAdjustHandles="1" noChangeArrowheads="1" noChangeShapeType="1" noTextEdit="1"/>
+          </p:cNvSpPr>
+          <p:nvPr>
+            <p:extLst>
+              <p:ext uri="{386F3935-93C4-4BCD-93E2-E3B085C9AB24}">
+                <p16:designElem xmlns:p16="http://schemas.microsoft.com/office/powerpoint/2015/main" val="1"/>
+              </p:ext>
+            </p:extLst>
+          </p:nvPr>
+        </p:nvSpPr>
+        <p:spPr>
+          <a:xfrm>
+            <a:off x="1481312" y="743744"/>
+            <a:ext cx="4860256" cy="4589316"/>
+          </a:xfrm>
+          <a:prstGeom prst="rect">
+            <a:avLst/>
+          </a:prstGeom>
+          <a:solidFill>
+            <a:schemeClr val="accent1">
+              <a:alpha val="20000"/>
+            </a:schemeClr>
+          </a:solidFill>
+          <a:ln w="28575">
+            <a:solidFill>
+              <a:schemeClr val="tx1"/>
+            </a:solidFill>
+          </a:ln>
+        </p:spPr>
+        <p:style>
+          <a:lnRef idx="2">
+            <a:schemeClr val="accent1">
+              <a:shade val="50000"/>
+            </a:schemeClr>
+          </a:lnRef>
+          <a:fillRef idx="1">
+            <a:schemeClr val="accent1"/>
+          </a:fillRef>
+          <a:effectRef idx="0">
+            <a:schemeClr val="accent1"/>
+          </a:effectRef>
+          <a:fontRef idx="minor">
+            <a:schemeClr val="lt1"/>
+          </a:fontRef>
+        </p:style>
+        <p:txBody>
+          <a:bodyPr rtlCol="0" anchor="ctr"/>
+          <a:lstStyle/>
+          <a:p>
+            <a:pPr algn="ctr"/>
+            <a:endParaRPr lang="en-US"/>
+          </a:p>
+        </p:txBody>
+      </p:sp>
+      <p:sp useBgFill="1">
+        <p:nvSpPr>
+          <p:cNvPr id="56" name="Rectangle 28">
+            <a:extLst>
+              <a:ext uri="{FF2B5EF4-FFF2-40B4-BE49-F238E27FC236}">
+                <a16:creationId xmlns:a16="http://schemas.microsoft.com/office/drawing/2014/main" id="{547FBA6C-82DB-4925-B184-33CC47C86D0F}"/>
+              </a:ext>
+              <a:ext uri="{C183D7F6-B498-43B3-948B-1728B52AA6E4}">
+                <adec:decorative xmlns:adec="http://schemas.microsoft.com/office/drawing/2017/decorative" val="1"/>
+              </a:ext>
+            </a:extLst>
+          </p:cNvPr>
+          <p:cNvSpPr>
+            <a:spLocks noGrp="1" noRot="1" noChangeAspect="1" noMove="1" noResize="1" noEditPoints="1" noAdjustHandles="1" noChangeArrowheads="1" noChangeShapeType="1" noTextEdit="1"/>
+          </p:cNvSpPr>
+          <p:nvPr>
+            <p:extLst>
+              <p:ext uri="{386F3935-93C4-4BCD-93E2-E3B085C9AB24}">
+                <p16:designElem xmlns:p16="http://schemas.microsoft.com/office/powerpoint/2015/main" val="1"/>
+              </p:ext>
+            </p:extLst>
+          </p:nvPr>
+        </p:nvSpPr>
+        <p:spPr>
+          <a:xfrm>
+            <a:off x="1379729" y="648365"/>
+            <a:ext cx="4860256" cy="4589316"/>
+          </a:xfrm>
+          <a:prstGeom prst="rect">
+            <a:avLst/>
+          </a:prstGeom>
+          <a:ln w="28575">
+            <a:solidFill>
+              <a:schemeClr val="tx1"/>
+            </a:solidFill>
+          </a:ln>
+        </p:spPr>
+        <p:style>
+          <a:lnRef idx="2">
+            <a:schemeClr val="accent1">
+              <a:shade val="50000"/>
+            </a:schemeClr>
+          </a:lnRef>
+          <a:fillRef idx="1">
+            <a:schemeClr val="accent1"/>
+          </a:fillRef>
+          <a:effectRef idx="0">
+            <a:schemeClr val="accent1"/>
+          </a:effectRef>
+          <a:fontRef idx="minor">
+            <a:schemeClr val="lt1"/>
+          </a:fontRef>
+        </p:style>
+        <p:txBody>
+          <a:bodyPr rtlCol="0" anchor="ctr"/>
+          <a:lstStyle/>
+          <a:p>
+            <a:pPr algn="ctr"/>
+            <a:endParaRPr lang="en-US"/>
+          </a:p>
+        </p:txBody>
+      </p:sp>
+      <p:sp>
+        <p:nvSpPr>
+          <p:cNvPr id="2" name="Title 1">
+            <a:extLst>
+              <a:ext uri="{FF2B5EF4-FFF2-40B4-BE49-F238E27FC236}">
+                <a16:creationId xmlns:a16="http://schemas.microsoft.com/office/drawing/2014/main" id="{28CCC17D-B195-3441-B738-96C857920966}"/>
+              </a:ext>
+            </a:extLst>
+          </p:cNvPr>
+          <p:cNvSpPr>
+            <a:spLocks noGrp="1"/>
+          </p:cNvSpPr>
+          <p:nvPr>
+            <p:ph type="title"/>
+          </p:nvPr>
+        </p:nvSpPr>
+        <p:spPr>
+          <a:xfrm>
+            <a:off x="1521269" y="799275"/>
+            <a:ext cx="4579668" cy="3028072"/>
+          </a:xfrm>
+        </p:spPr>
+        <p:txBody>
+          <a:bodyPr vert="horz" lIns="91440" tIns="45720" rIns="91440" bIns="45720" rtlCol="0" anchor="b">
+            <a:normAutofit/>
+          </a:bodyPr>
+          <a:lstStyle/>
+          <a:p>
+            <a:pPr algn="ctr"/>
+            <a:r>
+              <a:rPr lang="en-US" sz="6000" b="1" cap="all" spc="1500">
+                <a:ea typeface="Source Sans Pro SemiBold" panose="020B0603030403020204" pitchFamily="34" charset="0"/>
+              </a:rPr>
+              <a:t>Bad design page</a:t>
+            </a:r>
+          </a:p>
+        </p:txBody>
+      </p:sp>
+      <p:grpSp>
+        <p:nvGrpSpPr>
+          <p:cNvPr id="57" name="Graphic 185">
+            <a:extLst>
+              <a:ext uri="{FF2B5EF4-FFF2-40B4-BE49-F238E27FC236}">
+                <a16:creationId xmlns:a16="http://schemas.microsoft.com/office/drawing/2014/main" id="{0ECF8052-C3DA-4816-AE5E-732CDCFFDDE0}"/>
+              </a:ext>
+              <a:ext uri="{C183D7F6-B498-43B3-948B-1728B52AA6E4}">
+                <adec:decorative xmlns:adec="http://schemas.microsoft.com/office/drawing/2017/decorative" val="1"/>
+              </a:ext>
+            </a:extLst>
+          </p:cNvPr>
+          <p:cNvGrpSpPr>
+            <a:grpSpLocks noGrp="1" noUngrp="1" noRot="1" noChangeAspect="1" noMove="1" noResize="1"/>
+          </p:cNvGrpSpPr>
+          <p:nvPr>
+            <p:extLst>
+              <p:ext uri="{386F3935-93C4-4BCD-93E2-E3B085C9AB24}">
+                <p16:designElem xmlns:p16="http://schemas.microsoft.com/office/powerpoint/2015/main" val="1"/>
+              </p:ext>
+            </p:extLst>
+          </p:nvPr>
+        </p:nvGrpSpPr>
+        <p:grpSpPr>
+          <a:xfrm>
+            <a:off x="10358345" y="1663988"/>
+            <a:ext cx="843745" cy="375828"/>
+            <a:chOff x="9841624" y="4115729"/>
+            <a:chExt cx="602169" cy="268223"/>
+          </a:xfrm>
+          <a:solidFill>
+            <a:schemeClr val="tx1"/>
+          </a:solidFill>
+        </p:grpSpPr>
+        <p:sp>
+          <p:nvSpPr>
+            <p:cNvPr id="58" name="Freeform: Shape 31">
+              <a:extLst>
+                <a:ext uri="{FF2B5EF4-FFF2-40B4-BE49-F238E27FC236}">
+                  <a16:creationId xmlns:a16="http://schemas.microsoft.com/office/drawing/2014/main" id="{F9E9B70F-47D9-47CF-8B0D-E5B282D6B8D3}"/>
+                </a:ext>
+                <a:ext uri="{C183D7F6-B498-43B3-948B-1728B52AA6E4}">
+                  <adec:decorative xmlns:adec="http://schemas.microsoft.com/office/drawing/2017/decorative" val="1"/>
+                </a:ext>
+              </a:extLst>
+            </p:cNvPr>
+            <p:cNvSpPr/>
+            <p:nvPr>
+              <p:extLst>
+                <p:ext uri="{386F3935-93C4-4BCD-93E2-E3B085C9AB24}">
+                  <p16:designElem xmlns:p16="http://schemas.microsoft.com/office/powerpoint/2015/main" val="1"/>
+                </p:ext>
+              </p:extLst>
+            </p:nvPr>
+          </p:nvSpPr>
+          <p:spPr>
+            <a:xfrm>
+              <a:off x="9841624" y="4115729"/>
+              <a:ext cx="202882" cy="268223"/>
+            </a:xfrm>
+            <a:custGeom>
+              <a:avLst/>
+              <a:gdLst>
+                <a:gd name="connsiteX0" fmla="*/ 20765 w 202882"/>
+                <a:gd name="connsiteY0" fmla="*/ 268224 h 268223"/>
+                <a:gd name="connsiteX1" fmla="*/ 0 w 202882"/>
+                <a:gd name="connsiteY1" fmla="*/ 268224 h 268223"/>
+                <a:gd name="connsiteX2" fmla="*/ 182118 w 202882"/>
+                <a:gd name="connsiteY2" fmla="*/ 0 h 268223"/>
+                <a:gd name="connsiteX3" fmla="*/ 202883 w 202882"/>
+                <a:gd name="connsiteY3" fmla="*/ 0 h 268223"/>
+              </a:gdLst>
+              <a:ahLst/>
+              <a:cxnLst>
+                <a:cxn ang="0">
+                  <a:pos x="connsiteX0" y="connsiteY0"/>
+                </a:cxn>
+                <a:cxn ang="0">
+                  <a:pos x="connsiteX1" y="connsiteY1"/>
+                </a:cxn>
+                <a:cxn ang="0">
+                  <a:pos x="connsiteX2" y="connsiteY2"/>
+                </a:cxn>
+                <a:cxn ang="0">
+                  <a:pos x="connsiteX3" y="connsiteY3"/>
+                </a:cxn>
+              </a:cxnLst>
+              <a:rect l="l" t="t" r="r" b="b"/>
+              <a:pathLst>
+                <a:path w="202882" h="268223">
+                  <a:moveTo>
+                    <a:pt x="20765" y="268224"/>
+                  </a:moveTo>
+                  <a:lnTo>
+                    <a:pt x="0" y="268224"/>
+                  </a:lnTo>
+                  <a:lnTo>
+                    <a:pt x="182118" y="0"/>
+                  </a:lnTo>
+                  <a:lnTo>
+                    <a:pt x="202883" y="0"/>
+                  </a:lnTo>
+                  <a:close/>
+                </a:path>
+              </a:pathLst>
+            </a:custGeom>
+            <a:grpFill/>
+            <a:ln w="28575">
+              <a:noFill/>
+            </a:ln>
+          </p:spPr>
+          <p:style>
+            <a:lnRef idx="2">
+              <a:schemeClr val="accent1">
+                <a:shade val="50000"/>
+              </a:schemeClr>
+            </a:lnRef>
+            <a:fillRef idx="1">
+              <a:schemeClr val="accent1"/>
+            </a:fillRef>
+            <a:effectRef idx="0">
+              <a:schemeClr val="accent1"/>
+            </a:effectRef>
+            <a:fontRef idx="minor">
+              <a:schemeClr val="lt1"/>
+            </a:fontRef>
+          </p:style>
+          <p:txBody>
+            <a:bodyPr rot="0" spcFirstLastPara="0" vertOverflow="overflow" horzOverflow="overflow" vert="horz" wrap="square" lIns="91440" tIns="45720" rIns="91440" bIns="45720" numCol="1" spcCol="0" rtlCol="0" fromWordArt="0" anchor="ctr" anchorCtr="0" forceAA="0" compatLnSpc="1">
+              <a:prstTxWarp prst="textNoShape">
+                <a:avLst/>
+              </a:prstTxWarp>
+              <a:noAutofit/>
+            </a:bodyPr>
+            <a:lstStyle/>
+            <a:p>
+              <a:pPr algn="ctr"/>
+              <a:endParaRPr lang="en-US">
+                <a:solidFill>
+                  <a:schemeClr val="accent1"/>
+                </a:solidFill>
+              </a:endParaRPr>
+            </a:p>
+          </p:txBody>
+        </p:sp>
+        <p:sp>
+          <p:nvSpPr>
+            <p:cNvPr id="33" name="Freeform: Shape 32">
+              <a:extLst>
+                <a:ext uri="{FF2B5EF4-FFF2-40B4-BE49-F238E27FC236}">
+                  <a16:creationId xmlns:a16="http://schemas.microsoft.com/office/drawing/2014/main" id="{F75EF19C-EB14-4387-8C4D-AF88C873C910}"/>
+                </a:ext>
+                <a:ext uri="{C183D7F6-B498-43B3-948B-1728B52AA6E4}">
+                  <adec:decorative xmlns:adec="http://schemas.microsoft.com/office/drawing/2017/decorative" val="1"/>
+                </a:ext>
+              </a:extLst>
+            </p:cNvPr>
+            <p:cNvSpPr/>
+            <p:nvPr>
+              <p:extLst>
+                <p:ext uri="{386F3935-93C4-4BCD-93E2-E3B085C9AB24}">
+                  <p16:designElem xmlns:p16="http://schemas.microsoft.com/office/powerpoint/2015/main" val="1"/>
+                </p:ext>
+              </p:extLst>
+            </p:nvPr>
+          </p:nvSpPr>
+          <p:spPr>
+            <a:xfrm>
+              <a:off x="9941445" y="4115729"/>
+              <a:ext cx="202882" cy="268223"/>
+            </a:xfrm>
+            <a:custGeom>
+              <a:avLst/>
+              <a:gdLst>
+                <a:gd name="connsiteX0" fmla="*/ 20765 w 202882"/>
+                <a:gd name="connsiteY0" fmla="*/ 268224 h 268223"/>
+                <a:gd name="connsiteX1" fmla="*/ 0 w 202882"/>
+                <a:gd name="connsiteY1" fmla="*/ 268224 h 268223"/>
+                <a:gd name="connsiteX2" fmla="*/ 182118 w 202882"/>
+                <a:gd name="connsiteY2" fmla="*/ 0 h 268223"/>
+                <a:gd name="connsiteX3" fmla="*/ 202883 w 202882"/>
+                <a:gd name="connsiteY3" fmla="*/ 0 h 268223"/>
+              </a:gdLst>
+              <a:ahLst/>
+              <a:cxnLst>
+                <a:cxn ang="0">
+                  <a:pos x="connsiteX0" y="connsiteY0"/>
+                </a:cxn>
+                <a:cxn ang="0">
+                  <a:pos x="connsiteX1" y="connsiteY1"/>
+                </a:cxn>
+                <a:cxn ang="0">
+                  <a:pos x="connsiteX2" y="connsiteY2"/>
+                </a:cxn>
+                <a:cxn ang="0">
+                  <a:pos x="connsiteX3" y="connsiteY3"/>
+                </a:cxn>
+              </a:cxnLst>
+              <a:rect l="l" t="t" r="r" b="b"/>
+              <a:pathLst>
+                <a:path w="202882" h="268223">
+                  <a:moveTo>
+                    <a:pt x="20765" y="268224"/>
+                  </a:moveTo>
+                  <a:lnTo>
+                    <a:pt x="0" y="268224"/>
+                  </a:lnTo>
+                  <a:lnTo>
+                    <a:pt x="182118" y="0"/>
+                  </a:lnTo>
+                  <a:lnTo>
+                    <a:pt x="202883" y="0"/>
+                  </a:lnTo>
+                  <a:close/>
+                </a:path>
+              </a:pathLst>
+            </a:custGeom>
+            <a:grpFill/>
+            <a:ln w="28575">
+              <a:noFill/>
+            </a:ln>
+          </p:spPr>
+          <p:style>
+            <a:lnRef idx="2">
+              <a:schemeClr val="accent1">
+                <a:shade val="50000"/>
+              </a:schemeClr>
+            </a:lnRef>
+            <a:fillRef idx="1">
+              <a:schemeClr val="accent1"/>
+            </a:fillRef>
+            <a:effectRef idx="0">
+              <a:schemeClr val="accent1"/>
+            </a:effectRef>
+            <a:fontRef idx="minor">
+              <a:schemeClr val="lt1"/>
+            </a:fontRef>
+          </p:style>
+          <p:txBody>
+            <a:bodyPr rot="0" spcFirstLastPara="0" vertOverflow="overflow" horzOverflow="overflow" vert="horz" wrap="square" lIns="91440" tIns="45720" rIns="91440" bIns="45720" numCol="1" spcCol="0" rtlCol="0" fromWordArt="0" anchor="ctr" anchorCtr="0" forceAA="0" compatLnSpc="1">
+              <a:prstTxWarp prst="textNoShape">
+                <a:avLst/>
+              </a:prstTxWarp>
+              <a:noAutofit/>
+            </a:bodyPr>
+            <a:lstStyle/>
+            <a:p>
+              <a:pPr algn="ctr"/>
+              <a:endParaRPr lang="en-US" dirty="0">
+                <a:solidFill>
+                  <a:schemeClr val="accent1"/>
+                </a:solidFill>
+              </a:endParaRPr>
+            </a:p>
+          </p:txBody>
+        </p:sp>
+        <p:sp>
+          <p:nvSpPr>
+            <p:cNvPr id="59" name="Freeform: Shape 33">
+              <a:extLst>
+                <a:ext uri="{FF2B5EF4-FFF2-40B4-BE49-F238E27FC236}">
+                  <a16:creationId xmlns:a16="http://schemas.microsoft.com/office/drawing/2014/main" id="{A66EBC76-FA4E-4AF6-BFE7-FB8FABF3D4AB}"/>
+                </a:ext>
+                <a:ext uri="{C183D7F6-B498-43B3-948B-1728B52AA6E4}">
+                  <adec:decorative xmlns:adec="http://schemas.microsoft.com/office/drawing/2017/decorative" val="1"/>
+                </a:ext>
+              </a:extLst>
+            </p:cNvPr>
+            <p:cNvSpPr/>
+            <p:nvPr>
+              <p:extLst>
+                <p:ext uri="{386F3935-93C4-4BCD-93E2-E3B085C9AB24}">
+                  <p16:designElem xmlns:p16="http://schemas.microsoft.com/office/powerpoint/2015/main" val="1"/>
+                </p:ext>
+              </p:extLst>
+            </p:nvPr>
+          </p:nvSpPr>
+          <p:spPr>
+            <a:xfrm>
+              <a:off x="10041267" y="4115729"/>
+              <a:ext cx="202882" cy="268223"/>
+            </a:xfrm>
+            <a:custGeom>
+              <a:avLst/>
+              <a:gdLst>
+                <a:gd name="connsiteX0" fmla="*/ 20669 w 202882"/>
+                <a:gd name="connsiteY0" fmla="*/ 268224 h 268223"/>
+                <a:gd name="connsiteX1" fmla="*/ 0 w 202882"/>
+                <a:gd name="connsiteY1" fmla="*/ 268224 h 268223"/>
+                <a:gd name="connsiteX2" fmla="*/ 182118 w 202882"/>
+                <a:gd name="connsiteY2" fmla="*/ 0 h 268223"/>
+                <a:gd name="connsiteX3" fmla="*/ 202883 w 202882"/>
+                <a:gd name="connsiteY3" fmla="*/ 0 h 268223"/>
+              </a:gdLst>
+              <a:ahLst/>
+              <a:cxnLst>
+                <a:cxn ang="0">
+                  <a:pos x="connsiteX0" y="connsiteY0"/>
+                </a:cxn>
+                <a:cxn ang="0">
+                  <a:pos x="connsiteX1" y="connsiteY1"/>
+                </a:cxn>
+                <a:cxn ang="0">
+                  <a:pos x="connsiteX2" y="connsiteY2"/>
+                </a:cxn>
+                <a:cxn ang="0">
+                  <a:pos x="connsiteX3" y="connsiteY3"/>
+                </a:cxn>
+              </a:cxnLst>
+              <a:rect l="l" t="t" r="r" b="b"/>
+              <a:pathLst>
+                <a:path w="202882" h="268223">
+                  <a:moveTo>
+                    <a:pt x="20669" y="268224"/>
+                  </a:moveTo>
+                  <a:lnTo>
+                    <a:pt x="0" y="268224"/>
+                  </a:lnTo>
+                  <a:lnTo>
+                    <a:pt x="182118" y="0"/>
+                  </a:lnTo>
+                  <a:lnTo>
+                    <a:pt x="202883" y="0"/>
+                  </a:lnTo>
+                  <a:close/>
+                </a:path>
+              </a:pathLst>
+            </a:custGeom>
+            <a:grpFill/>
+            <a:ln w="28575">
+              <a:noFill/>
+            </a:ln>
+          </p:spPr>
+          <p:style>
+            <a:lnRef idx="2">
+              <a:schemeClr val="accent1">
+                <a:shade val="50000"/>
+              </a:schemeClr>
+            </a:lnRef>
+            <a:fillRef idx="1">
+              <a:schemeClr val="accent1"/>
+            </a:fillRef>
+            <a:effectRef idx="0">
+              <a:schemeClr val="accent1"/>
+            </a:effectRef>
+            <a:fontRef idx="minor">
+              <a:schemeClr val="lt1"/>
+            </a:fontRef>
+          </p:style>
+          <p:txBody>
+            <a:bodyPr rot="0" spcFirstLastPara="0" vertOverflow="overflow" horzOverflow="overflow" vert="horz" wrap="square" lIns="91440" tIns="45720" rIns="91440" bIns="45720" numCol="1" spcCol="0" rtlCol="0" fromWordArt="0" anchor="ctr" anchorCtr="0" forceAA="0" compatLnSpc="1">
+              <a:prstTxWarp prst="textNoShape">
+                <a:avLst/>
+              </a:prstTxWarp>
+              <a:noAutofit/>
+            </a:bodyPr>
+            <a:lstStyle/>
+            <a:p>
+              <a:pPr algn="ctr"/>
+              <a:endParaRPr lang="en-US">
+                <a:solidFill>
+                  <a:schemeClr val="accent1"/>
+                </a:solidFill>
+              </a:endParaRPr>
+            </a:p>
+          </p:txBody>
+        </p:sp>
+        <p:sp>
+          <p:nvSpPr>
+            <p:cNvPr id="35" name="Freeform: Shape 34">
+              <a:extLst>
+                <a:ext uri="{FF2B5EF4-FFF2-40B4-BE49-F238E27FC236}">
+                  <a16:creationId xmlns:a16="http://schemas.microsoft.com/office/drawing/2014/main" id="{230A0EA4-19B6-4636-835C-B994609562A1}"/>
+                </a:ext>
+                <a:ext uri="{C183D7F6-B498-43B3-948B-1728B52AA6E4}">
+                  <adec:decorative xmlns:adec="http://schemas.microsoft.com/office/drawing/2017/decorative" val="1"/>
+                </a:ext>
+              </a:extLst>
+            </p:cNvPr>
+            <p:cNvSpPr/>
+            <p:nvPr>
+              <p:extLst>
+                <p:ext uri="{386F3935-93C4-4BCD-93E2-E3B085C9AB24}">
+                  <p16:designElem xmlns:p16="http://schemas.microsoft.com/office/powerpoint/2015/main" val="1"/>
+                </p:ext>
+              </p:extLst>
+            </p:nvPr>
+          </p:nvSpPr>
+          <p:spPr>
+            <a:xfrm>
+              <a:off x="10141090" y="4115729"/>
+              <a:ext cx="202882" cy="268223"/>
+            </a:xfrm>
+            <a:custGeom>
+              <a:avLst/>
+              <a:gdLst>
+                <a:gd name="connsiteX0" fmla="*/ 20669 w 202882"/>
+                <a:gd name="connsiteY0" fmla="*/ 268224 h 268223"/>
+                <a:gd name="connsiteX1" fmla="*/ 0 w 202882"/>
+                <a:gd name="connsiteY1" fmla="*/ 268224 h 268223"/>
+                <a:gd name="connsiteX2" fmla="*/ 182118 w 202882"/>
+                <a:gd name="connsiteY2" fmla="*/ 0 h 268223"/>
+                <a:gd name="connsiteX3" fmla="*/ 202883 w 202882"/>
+                <a:gd name="connsiteY3" fmla="*/ 0 h 268223"/>
+              </a:gdLst>
+              <a:ahLst/>
+              <a:cxnLst>
+                <a:cxn ang="0">
+                  <a:pos x="connsiteX0" y="connsiteY0"/>
+                </a:cxn>
+                <a:cxn ang="0">
+                  <a:pos x="connsiteX1" y="connsiteY1"/>
+                </a:cxn>
+                <a:cxn ang="0">
+                  <a:pos x="connsiteX2" y="connsiteY2"/>
+                </a:cxn>
+                <a:cxn ang="0">
+                  <a:pos x="connsiteX3" y="connsiteY3"/>
+                </a:cxn>
+              </a:cxnLst>
+              <a:rect l="l" t="t" r="r" b="b"/>
+              <a:pathLst>
+                <a:path w="202882" h="268223">
+                  <a:moveTo>
+                    <a:pt x="20669" y="268224"/>
+                  </a:moveTo>
+                  <a:lnTo>
+                    <a:pt x="0" y="268224"/>
+                  </a:lnTo>
+                  <a:lnTo>
+                    <a:pt x="182118" y="0"/>
+                  </a:lnTo>
+                  <a:lnTo>
+                    <a:pt x="202883" y="0"/>
+                  </a:lnTo>
+                  <a:close/>
+                </a:path>
+              </a:pathLst>
+            </a:custGeom>
+            <a:grpFill/>
+            <a:ln w="28575">
+              <a:noFill/>
+            </a:ln>
+          </p:spPr>
+          <p:style>
+            <a:lnRef idx="2">
+              <a:schemeClr val="accent1">
+                <a:shade val="50000"/>
+              </a:schemeClr>
+            </a:lnRef>
+            <a:fillRef idx="1">
+              <a:schemeClr val="accent1"/>
+            </a:fillRef>
+            <a:effectRef idx="0">
+              <a:schemeClr val="accent1"/>
+            </a:effectRef>
+            <a:fontRef idx="minor">
+              <a:schemeClr val="lt1"/>
+            </a:fontRef>
+          </p:style>
+          <p:txBody>
+            <a:bodyPr rot="0" spcFirstLastPara="0" vertOverflow="overflow" horzOverflow="overflow" vert="horz" wrap="square" lIns="91440" tIns="45720" rIns="91440" bIns="45720" numCol="1" spcCol="0" rtlCol="0" fromWordArt="0" anchor="ctr" anchorCtr="0" forceAA="0" compatLnSpc="1">
+              <a:prstTxWarp prst="textNoShape">
+                <a:avLst/>
+              </a:prstTxWarp>
+              <a:noAutofit/>
+            </a:bodyPr>
+            <a:lstStyle/>
+            <a:p>
+              <a:pPr algn="ctr"/>
+              <a:endParaRPr lang="en-US">
+                <a:solidFill>
+                  <a:schemeClr val="accent1"/>
+                </a:solidFill>
+              </a:endParaRPr>
+            </a:p>
+          </p:txBody>
+        </p:sp>
+        <p:sp>
+          <p:nvSpPr>
+            <p:cNvPr id="60" name="Freeform: Shape 35">
+              <a:extLst>
+                <a:ext uri="{FF2B5EF4-FFF2-40B4-BE49-F238E27FC236}">
+                  <a16:creationId xmlns:a16="http://schemas.microsoft.com/office/drawing/2014/main" id="{309F5BE7-809E-440D-9E1C-3AFCB358C197}"/>
+                </a:ext>
+                <a:ext uri="{C183D7F6-B498-43B3-948B-1728B52AA6E4}">
+                  <adec:decorative xmlns:adec="http://schemas.microsoft.com/office/drawing/2017/decorative" val="1"/>
+                </a:ext>
+              </a:extLst>
+            </p:cNvPr>
+            <p:cNvSpPr/>
+            <p:nvPr>
+              <p:extLst>
+                <p:ext uri="{386F3935-93C4-4BCD-93E2-E3B085C9AB24}">
+                  <p16:designElem xmlns:p16="http://schemas.microsoft.com/office/powerpoint/2015/main" val="1"/>
+                </p:ext>
+              </p:extLst>
+            </p:nvPr>
+          </p:nvSpPr>
+          <p:spPr>
+            <a:xfrm>
+              <a:off x="10240911" y="4115729"/>
+              <a:ext cx="202882" cy="268223"/>
+            </a:xfrm>
+            <a:custGeom>
+              <a:avLst/>
+              <a:gdLst>
+                <a:gd name="connsiteX0" fmla="*/ 20669 w 202882"/>
+                <a:gd name="connsiteY0" fmla="*/ 268224 h 268223"/>
+                <a:gd name="connsiteX1" fmla="*/ 0 w 202882"/>
+                <a:gd name="connsiteY1" fmla="*/ 268224 h 268223"/>
+                <a:gd name="connsiteX2" fmla="*/ 182118 w 202882"/>
+                <a:gd name="connsiteY2" fmla="*/ 0 h 268223"/>
+                <a:gd name="connsiteX3" fmla="*/ 202883 w 202882"/>
+                <a:gd name="connsiteY3" fmla="*/ 0 h 268223"/>
+              </a:gdLst>
+              <a:ahLst/>
+              <a:cxnLst>
+                <a:cxn ang="0">
+                  <a:pos x="connsiteX0" y="connsiteY0"/>
+                </a:cxn>
+                <a:cxn ang="0">
+                  <a:pos x="connsiteX1" y="connsiteY1"/>
+                </a:cxn>
+                <a:cxn ang="0">
+                  <a:pos x="connsiteX2" y="connsiteY2"/>
+                </a:cxn>
+                <a:cxn ang="0">
+                  <a:pos x="connsiteX3" y="connsiteY3"/>
+                </a:cxn>
+              </a:cxnLst>
+              <a:rect l="l" t="t" r="r" b="b"/>
+              <a:pathLst>
+                <a:path w="202882" h="268223">
+                  <a:moveTo>
+                    <a:pt x="20669" y="268224"/>
+                  </a:moveTo>
+                  <a:lnTo>
+                    <a:pt x="0" y="268224"/>
+                  </a:lnTo>
+                  <a:lnTo>
+                    <a:pt x="182118" y="0"/>
+                  </a:lnTo>
+                  <a:lnTo>
+                    <a:pt x="202883" y="0"/>
+                  </a:lnTo>
+                  <a:close/>
+                </a:path>
+              </a:pathLst>
+            </a:custGeom>
+            <a:grpFill/>
+            <a:ln w="28575">
+              <a:noFill/>
+            </a:ln>
+          </p:spPr>
+          <p:style>
+            <a:lnRef idx="2">
+              <a:schemeClr val="accent1">
+                <a:shade val="50000"/>
+              </a:schemeClr>
+            </a:lnRef>
+            <a:fillRef idx="1">
+              <a:schemeClr val="accent1"/>
+            </a:fillRef>
+            <a:effectRef idx="0">
+              <a:schemeClr val="accent1"/>
+            </a:effectRef>
+            <a:fontRef idx="minor">
+              <a:schemeClr val="lt1"/>
+            </a:fontRef>
+          </p:style>
+          <p:txBody>
+            <a:bodyPr rot="0" spcFirstLastPara="0" vertOverflow="overflow" horzOverflow="overflow" vert="horz" wrap="square" lIns="91440" tIns="45720" rIns="91440" bIns="45720" numCol="1" spcCol="0" rtlCol="0" fromWordArt="0" anchor="ctr" anchorCtr="0" forceAA="0" compatLnSpc="1">
+              <a:prstTxWarp prst="textNoShape">
+                <a:avLst/>
+              </a:prstTxWarp>
+              <a:noAutofit/>
+            </a:bodyPr>
+            <a:lstStyle/>
+            <a:p>
+              <a:pPr algn="ctr"/>
+              <a:endParaRPr lang="en-US" dirty="0">
+                <a:solidFill>
+                  <a:schemeClr val="accent1"/>
+                </a:solidFill>
+              </a:endParaRPr>
+            </a:p>
+          </p:txBody>
+        </p:sp>
+      </p:grpSp>
+      <p:sp>
+        <p:nvSpPr>
+          <p:cNvPr id="61" name="Oval 37">
+            <a:extLst>
+              <a:ext uri="{FF2B5EF4-FFF2-40B4-BE49-F238E27FC236}">
+                <a16:creationId xmlns:a16="http://schemas.microsoft.com/office/drawing/2014/main" id="{98713B11-DA30-489D-95C2-E053A20672A2}"/>
+              </a:ext>
+              <a:ext uri="{C183D7F6-B498-43B3-948B-1728B52AA6E4}">
+                <adec:decorative xmlns:adec="http://schemas.microsoft.com/office/drawing/2017/decorative" val="1"/>
+              </a:ext>
+            </a:extLst>
+          </p:cNvPr>
+          <p:cNvSpPr>
+            <a:spLocks noGrp="1" noRot="1" noChangeAspect="1" noMove="1" noResize="1" noEditPoints="1" noAdjustHandles="1" noChangeArrowheads="1" noChangeShapeType="1" noTextEdit="1"/>
+          </p:cNvSpPr>
+          <p:nvPr>
+            <p:extLst>
+              <p:ext uri="{386F3935-93C4-4BCD-93E2-E3B085C9AB24}">
+                <p16:designElem xmlns:p16="http://schemas.microsoft.com/office/powerpoint/2015/main" val="1"/>
+              </p:ext>
+            </p:extLst>
+          </p:nvPr>
+        </p:nvSpPr>
+        <p:spPr>
+          <a:xfrm>
+            <a:off x="1176261" y="4074364"/>
+            <a:ext cx="365125" cy="365125"/>
+          </a:xfrm>
+          <a:prstGeom prst="ellipse">
+            <a:avLst/>
+          </a:prstGeom>
+          <a:solidFill>
+            <a:srgbClr val="FFFFFF"/>
+          </a:solidFill>
+          <a:ln w="28575">
+            <a:noFill/>
+          </a:ln>
+        </p:spPr>
+        <p:style>
+          <a:lnRef idx="2">
+            <a:schemeClr val="accent1">
+              <a:shade val="50000"/>
+            </a:schemeClr>
+          </a:lnRef>
+          <a:fillRef idx="1">
+            <a:schemeClr val="accent1"/>
+          </a:fillRef>
+          <a:effectRef idx="0">
+            <a:schemeClr val="accent1"/>
+          </a:effectRef>
+          <a:fontRef idx="minor">
+            <a:schemeClr val="lt1"/>
+          </a:fontRef>
+        </p:style>
+        <p:txBody>
+          <a:bodyPr rot="0" spcFirstLastPara="0" vertOverflow="overflow" horzOverflow="overflow" vert="horz" wrap="square" lIns="91440" tIns="45720" rIns="91440" bIns="45720" numCol="1" spcCol="0" rtlCol="0" fromWordArt="0" anchor="ctr" anchorCtr="0" forceAA="0" compatLnSpc="1">
+            <a:prstTxWarp prst="textNoShape">
+              <a:avLst/>
+            </a:prstTxWarp>
+            <a:noAutofit/>
+          </a:bodyPr>
+          <a:lstStyle/>
+          <a:p>
+            <a:pPr algn="ctr"/>
+            <a:endParaRPr lang="en-US">
+              <a:solidFill>
+                <a:schemeClr val="accent1"/>
+              </a:solidFill>
+            </a:endParaRPr>
+          </a:p>
+        </p:txBody>
+      </p:sp>
+      <p:sp>
+        <p:nvSpPr>
+          <p:cNvPr id="62" name="Oval 39">
+            <a:extLst>
+              <a:ext uri="{FF2B5EF4-FFF2-40B4-BE49-F238E27FC236}">
+                <a16:creationId xmlns:a16="http://schemas.microsoft.com/office/drawing/2014/main" id="{533FDFCA-FA81-4883-8308-C418ED25B165}"/>
+              </a:ext>
+              <a:ext uri="{C183D7F6-B498-43B3-948B-1728B52AA6E4}">
+                <adec:decorative xmlns:adec="http://schemas.microsoft.com/office/drawing/2017/decorative" val="1"/>
+              </a:ext>
+            </a:extLst>
+          </p:cNvPr>
+          <p:cNvSpPr>
+            <a:spLocks noGrp="1" noRot="1" noChangeAspect="1" noMove="1" noResize="1" noEditPoints="1" noAdjustHandles="1" noChangeArrowheads="1" noChangeShapeType="1" noTextEdit="1"/>
+          </p:cNvSpPr>
+          <p:nvPr>
+            <p:extLst>
+              <p:ext uri="{386F3935-93C4-4BCD-93E2-E3B085C9AB24}">
+                <p16:designElem xmlns:p16="http://schemas.microsoft.com/office/powerpoint/2015/main" val="1"/>
+              </p:ext>
+            </p:extLst>
+          </p:nvPr>
+        </p:nvSpPr>
+        <p:spPr>
+          <a:xfrm>
+            <a:off x="1176261" y="4074364"/>
+            <a:ext cx="365125" cy="365125"/>
+          </a:xfrm>
+          <a:prstGeom prst="ellipse">
+            <a:avLst/>
+          </a:prstGeom>
+          <a:solidFill>
+            <a:schemeClr val="accent3">
+              <a:lumMod val="20000"/>
+              <a:lumOff val="80000"/>
+            </a:schemeClr>
+          </a:solidFill>
+          <a:ln w="28575">
+            <a:solidFill>
+              <a:schemeClr val="tx1"/>
+            </a:solidFill>
+          </a:ln>
+        </p:spPr>
+        <p:style>
+          <a:lnRef idx="2">
+            <a:schemeClr val="accent1">
+              <a:shade val="50000"/>
+            </a:schemeClr>
+          </a:lnRef>
+          <a:fillRef idx="1">
+            <a:schemeClr val="accent1"/>
+          </a:fillRef>
+          <a:effectRef idx="0">
+            <a:schemeClr val="accent1"/>
+          </a:effectRef>
+          <a:fontRef idx="minor">
+            <a:schemeClr val="lt1"/>
+          </a:fontRef>
+        </p:style>
+        <p:txBody>
+          <a:bodyPr rot="0" spcFirstLastPara="0" vertOverflow="overflow" horzOverflow="overflow" vert="horz" wrap="square" lIns="91440" tIns="45720" rIns="91440" bIns="45720" numCol="1" spcCol="0" rtlCol="0" fromWordArt="0" anchor="ctr" anchorCtr="0" forceAA="0" compatLnSpc="1">
+            <a:prstTxWarp prst="textNoShape">
+              <a:avLst/>
+            </a:prstTxWarp>
+            <a:noAutofit/>
+          </a:bodyPr>
+          <a:lstStyle/>
+          <a:p>
+            <a:pPr algn="ctr"/>
+            <a:endParaRPr lang="en-US"/>
+          </a:p>
+        </p:txBody>
+      </p:sp>
+      <p:sp>
+        <p:nvSpPr>
+          <p:cNvPr id="42" name="Freeform: Shape 41">
+            <a:extLst>
+              <a:ext uri="{FF2B5EF4-FFF2-40B4-BE49-F238E27FC236}">
+                <a16:creationId xmlns:a16="http://schemas.microsoft.com/office/drawing/2014/main" id="{3B563765-A6D6-464C-BDA7-A0A2F40AF412}"/>
+              </a:ext>
+              <a:ext uri="{C183D7F6-B498-43B3-948B-1728B52AA6E4}">
+                <adec:decorative xmlns:adec="http://schemas.microsoft.com/office/drawing/2017/decorative" val="1"/>
+              </a:ext>
+            </a:extLst>
+          </p:cNvPr>
+          <p:cNvSpPr>
+            <a:spLocks noGrp="1" noRot="1" noChangeAspect="1" noMove="1" noResize="1" noEditPoints="1" noAdjustHandles="1" noChangeArrowheads="1" noChangeShapeType="1" noTextEdit="1"/>
+          </p:cNvSpPr>
+          <p:nvPr>
+            <p:extLst>
+              <p:ext uri="{386F3935-93C4-4BCD-93E2-E3B085C9AB24}">
+                <p16:designElem xmlns:p16="http://schemas.microsoft.com/office/powerpoint/2015/main" val="1"/>
+              </p:ext>
+            </p:extLst>
+          </p:nvPr>
+        </p:nvSpPr>
+        <p:spPr>
+          <a:xfrm>
+            <a:off x="10599841" y="5333060"/>
+            <a:ext cx="1589388" cy="1524940"/>
+          </a:xfrm>
+          <a:custGeom>
+            <a:avLst/>
+            <a:gdLst>
+              <a:gd name="connsiteX0" fmla="*/ 2473947 w 3432581"/>
+              <a:gd name="connsiteY0" fmla="*/ 0 h 3293393"/>
+              <a:gd name="connsiteX1" fmla="*/ 3209623 w 3432581"/>
+              <a:gd name="connsiteY1" fmla="*/ 111224 h 3293393"/>
+              <a:gd name="connsiteX2" fmla="*/ 3432581 w 3432581"/>
+              <a:gd name="connsiteY2" fmla="*/ 192828 h 3293393"/>
+              <a:gd name="connsiteX3" fmla="*/ 3432581 w 3432581"/>
+              <a:gd name="connsiteY3" fmla="*/ 3293393 h 3293393"/>
+              <a:gd name="connsiteX4" fmla="*/ 141884 w 3432581"/>
+              <a:gd name="connsiteY4" fmla="*/ 3293393 h 3293393"/>
+              <a:gd name="connsiteX5" fmla="*/ 111224 w 3432581"/>
+              <a:gd name="connsiteY5" fmla="*/ 3209623 h 3293393"/>
+              <a:gd name="connsiteX6" fmla="*/ 0 w 3432581"/>
+              <a:gd name="connsiteY6" fmla="*/ 2473947 h 3293393"/>
+              <a:gd name="connsiteX7" fmla="*/ 2473947 w 3432581"/>
+              <a:gd name="connsiteY7" fmla="*/ 0 h 3293393"/>
+            </a:gdLst>
+            <a:ahLst/>
+            <a:cxnLst>
+              <a:cxn ang="0">
+                <a:pos x="connsiteX0" y="connsiteY0"/>
+              </a:cxn>
+              <a:cxn ang="0">
+                <a:pos x="connsiteX1" y="connsiteY1"/>
+              </a:cxn>
+              <a:cxn ang="0">
+                <a:pos x="connsiteX2" y="connsiteY2"/>
+              </a:cxn>
+              <a:cxn ang="0">
+                <a:pos x="connsiteX3" y="connsiteY3"/>
+              </a:cxn>
+              <a:cxn ang="0">
+                <a:pos x="connsiteX4" y="connsiteY4"/>
+              </a:cxn>
+              <a:cxn ang="0">
+                <a:pos x="connsiteX5" y="connsiteY5"/>
+              </a:cxn>
+              <a:cxn ang="0">
+                <a:pos x="connsiteX6" y="connsiteY6"/>
+              </a:cxn>
+              <a:cxn ang="0">
+                <a:pos x="connsiteX7" y="connsiteY7"/>
+              </a:cxn>
+            </a:cxnLst>
+            <a:rect l="l" t="t" r="r" b="b"/>
+            <a:pathLst>
+              <a:path w="3432581" h="3293393">
+                <a:moveTo>
+                  <a:pt x="2473947" y="0"/>
+                </a:moveTo>
+                <a:cubicBezTo>
+                  <a:pt x="2730133" y="0"/>
+                  <a:pt x="2977223" y="38940"/>
+                  <a:pt x="3209623" y="111224"/>
+                </a:cubicBezTo>
+                <a:lnTo>
+                  <a:pt x="3432581" y="192828"/>
+                </a:lnTo>
+                <a:lnTo>
+                  <a:pt x="3432581" y="3293393"/>
+                </a:lnTo>
+                <a:lnTo>
+                  <a:pt x="141884" y="3293393"/>
+                </a:lnTo>
+                <a:lnTo>
+                  <a:pt x="111224" y="3209623"/>
+                </a:lnTo>
+                <a:cubicBezTo>
+                  <a:pt x="38940" y="2977224"/>
+                  <a:pt x="0" y="2730133"/>
+                  <a:pt x="0" y="2473947"/>
+                </a:cubicBezTo>
+                <a:cubicBezTo>
+                  <a:pt x="0" y="1107624"/>
+                  <a:pt x="1107624" y="0"/>
+                  <a:pt x="2473947" y="0"/>
+                </a:cubicBezTo>
+                <a:close/>
+              </a:path>
+            </a:pathLst>
+          </a:custGeom>
+          <a:solidFill>
+            <a:srgbClr val="FFFFFF"/>
+          </a:solidFill>
+          <a:ln w="28575">
+            <a:noFill/>
+          </a:ln>
+        </p:spPr>
+        <p:style>
+          <a:lnRef idx="2">
+            <a:schemeClr val="accent1">
+              <a:shade val="50000"/>
+            </a:schemeClr>
+          </a:lnRef>
+          <a:fillRef idx="1">
+            <a:schemeClr val="accent1"/>
+          </a:fillRef>
+          <a:effectRef idx="0">
+            <a:schemeClr val="accent1"/>
+          </a:effectRef>
+          <a:fontRef idx="minor">
+            <a:schemeClr val="lt1"/>
+          </a:fontRef>
+        </p:style>
+        <p:txBody>
+          <a:bodyPr rot="0" spcFirstLastPara="0" vertOverflow="overflow" horzOverflow="overflow" vert="horz" wrap="square" lIns="91440" tIns="45720" rIns="91440" bIns="45720" numCol="1" spcCol="0" rtlCol="0" fromWordArt="0" anchor="ctr" anchorCtr="0" forceAA="0" compatLnSpc="1">
+            <a:prstTxWarp prst="textNoShape">
+              <a:avLst/>
+            </a:prstTxWarp>
+            <a:noAutofit/>
+          </a:bodyPr>
+          <a:lstStyle/>
+          <a:p>
+            <a:pPr algn="ctr"/>
+            <a:endParaRPr lang="en-US" dirty="0">
+              <a:solidFill>
+                <a:schemeClr val="accent1"/>
+              </a:solidFill>
+            </a:endParaRPr>
+          </a:p>
+        </p:txBody>
+      </p:sp>
+      <p:sp>
+        <p:nvSpPr>
+          <p:cNvPr id="44" name="Freeform: Shape 43">
+            <a:extLst>
+              <a:ext uri="{FF2B5EF4-FFF2-40B4-BE49-F238E27FC236}">
+                <a16:creationId xmlns:a16="http://schemas.microsoft.com/office/drawing/2014/main" id="{487CDD03-1100-46B3-B04A-D66410E5BF1A}"/>
+              </a:ext>
+              <a:ext uri="{C183D7F6-B498-43B3-948B-1728B52AA6E4}">
+                <adec:decorative xmlns:adec="http://schemas.microsoft.com/office/drawing/2017/decorative" val="1"/>
+              </a:ext>
+            </a:extLst>
+          </p:cNvPr>
+          <p:cNvSpPr>
+            <a:spLocks noGrp="1" noRot="1" noChangeAspect="1" noMove="1" noResize="1" noEditPoints="1" noAdjustHandles="1" noChangeArrowheads="1" noChangeShapeType="1" noTextEdit="1"/>
+          </p:cNvSpPr>
+          <p:nvPr>
+            <p:extLst>
+              <p:ext uri="{386F3935-93C4-4BCD-93E2-E3B085C9AB24}">
+                <p16:designElem xmlns:p16="http://schemas.microsoft.com/office/powerpoint/2015/main" val="1"/>
+              </p:ext>
+            </p:extLst>
+          </p:nvPr>
+        </p:nvSpPr>
+        <p:spPr>
+          <a:xfrm>
+            <a:off x="10602612" y="5333060"/>
+            <a:ext cx="1589388" cy="1524940"/>
+          </a:xfrm>
+          <a:custGeom>
+            <a:avLst/>
+            <a:gdLst>
+              <a:gd name="connsiteX0" fmla="*/ 2473947 w 3432581"/>
+              <a:gd name="connsiteY0" fmla="*/ 0 h 3293393"/>
+              <a:gd name="connsiteX1" fmla="*/ 3209623 w 3432581"/>
+              <a:gd name="connsiteY1" fmla="*/ 111224 h 3293393"/>
+              <a:gd name="connsiteX2" fmla="*/ 3432581 w 3432581"/>
+              <a:gd name="connsiteY2" fmla="*/ 192828 h 3293393"/>
+              <a:gd name="connsiteX3" fmla="*/ 3432581 w 3432581"/>
+              <a:gd name="connsiteY3" fmla="*/ 3293393 h 3293393"/>
+              <a:gd name="connsiteX4" fmla="*/ 141884 w 3432581"/>
+              <a:gd name="connsiteY4" fmla="*/ 3293393 h 3293393"/>
+              <a:gd name="connsiteX5" fmla="*/ 111224 w 3432581"/>
+              <a:gd name="connsiteY5" fmla="*/ 3209623 h 3293393"/>
+              <a:gd name="connsiteX6" fmla="*/ 0 w 3432581"/>
+              <a:gd name="connsiteY6" fmla="*/ 2473947 h 3293393"/>
+              <a:gd name="connsiteX7" fmla="*/ 2473947 w 3432581"/>
+              <a:gd name="connsiteY7" fmla="*/ 0 h 3293393"/>
+            </a:gdLst>
+            <a:ahLst/>
+            <a:cxnLst>
+              <a:cxn ang="0">
+                <a:pos x="connsiteX0" y="connsiteY0"/>
+              </a:cxn>
+              <a:cxn ang="0">
+                <a:pos x="connsiteX1" y="connsiteY1"/>
+              </a:cxn>
+              <a:cxn ang="0">
+                <a:pos x="connsiteX2" y="connsiteY2"/>
+              </a:cxn>
+              <a:cxn ang="0">
+                <a:pos x="connsiteX3" y="connsiteY3"/>
+              </a:cxn>
+              <a:cxn ang="0">
+                <a:pos x="connsiteX4" y="connsiteY4"/>
+              </a:cxn>
+              <a:cxn ang="0">
+                <a:pos x="connsiteX5" y="connsiteY5"/>
+              </a:cxn>
+              <a:cxn ang="0">
+                <a:pos x="connsiteX6" y="connsiteY6"/>
+              </a:cxn>
+              <a:cxn ang="0">
+                <a:pos x="connsiteX7" y="connsiteY7"/>
+              </a:cxn>
+            </a:cxnLst>
+            <a:rect l="l" t="t" r="r" b="b"/>
+            <a:pathLst>
+              <a:path w="3432581" h="3293393">
+                <a:moveTo>
+                  <a:pt x="2473947" y="0"/>
+                </a:moveTo>
+                <a:cubicBezTo>
+                  <a:pt x="2730133" y="0"/>
+                  <a:pt x="2977223" y="38940"/>
+                  <a:pt x="3209623" y="111224"/>
+                </a:cubicBezTo>
+                <a:lnTo>
+                  <a:pt x="3432581" y="192828"/>
+                </a:lnTo>
+                <a:lnTo>
+                  <a:pt x="3432581" y="3293393"/>
+                </a:lnTo>
+                <a:lnTo>
+                  <a:pt x="141884" y="3293393"/>
+                </a:lnTo>
+                <a:lnTo>
+                  <a:pt x="111224" y="3209623"/>
+                </a:lnTo>
+                <a:cubicBezTo>
+                  <a:pt x="38940" y="2977224"/>
+                  <a:pt x="0" y="2730133"/>
+                  <a:pt x="0" y="2473947"/>
+                </a:cubicBezTo>
+                <a:cubicBezTo>
+                  <a:pt x="0" y="1107624"/>
+                  <a:pt x="1107624" y="0"/>
+                  <a:pt x="2473947" y="0"/>
+                </a:cubicBezTo>
+                <a:close/>
+              </a:path>
+            </a:pathLst>
+          </a:custGeom>
+          <a:solidFill>
+            <a:schemeClr val="accent3">
+              <a:alpha val="20000"/>
+            </a:schemeClr>
+          </a:solidFill>
+          <a:ln w="28575">
+            <a:noFill/>
+          </a:ln>
+        </p:spPr>
+        <p:style>
+          <a:lnRef idx="2">
+            <a:schemeClr val="accent1">
+              <a:shade val="50000"/>
+            </a:schemeClr>
+          </a:lnRef>
+          <a:fillRef idx="1">
+            <a:schemeClr val="accent1"/>
+          </a:fillRef>
+          <a:effectRef idx="0">
+            <a:schemeClr val="accent1"/>
+          </a:effectRef>
+          <a:fontRef idx="minor">
+            <a:schemeClr val="lt1"/>
+          </a:fontRef>
+        </p:style>
+        <p:txBody>
+          <a:bodyPr rot="0" spcFirstLastPara="0" vertOverflow="overflow" horzOverflow="overflow" vert="horz" wrap="square" lIns="91440" tIns="45720" rIns="91440" bIns="45720" numCol="1" spcCol="0" rtlCol="0" fromWordArt="0" anchor="ctr" anchorCtr="0" forceAA="0" compatLnSpc="1">
+            <a:prstTxWarp prst="textNoShape">
+              <a:avLst/>
+            </a:prstTxWarp>
+            <a:noAutofit/>
+          </a:bodyPr>
+          <a:lstStyle/>
+          <a:p>
+            <a:pPr algn="ctr"/>
+            <a:endParaRPr lang="en-US" dirty="0"/>
+          </a:p>
+        </p:txBody>
+      </p:sp>
+      <p:pic>
+        <p:nvPicPr>
+          <p:cNvPr id="5" name="Content Placeholder 4" descr="Diagram, schematic&#10;&#10;Description automatically generated">
+            <a:extLst>
+              <a:ext uri="{FF2B5EF4-FFF2-40B4-BE49-F238E27FC236}">
+                <a16:creationId xmlns:a16="http://schemas.microsoft.com/office/drawing/2014/main" id="{78E3252F-422A-844A-AD79-A431C8EB6E9F}"/>
+              </a:ext>
+            </a:extLst>
+          </p:cNvPr>
+          <p:cNvPicPr>
+            <a:picLocks noGrp="1" noChangeAspect="1"/>
+          </p:cNvPicPr>
+          <p:nvPr>
+            <p:ph idx="1"/>
+          </p:nvPr>
+        </p:nvPicPr>
+        <p:blipFill>
+          <a:blip r:embed="rId2"/>
+          <a:stretch>
+            <a:fillRect/>
+          </a:stretch>
+        </p:blipFill>
+        <p:spPr>
+          <a:xfrm>
+            <a:off x="7131538" y="1957246"/>
+            <a:ext cx="4144828" cy="4207948"/>
+          </a:xfrm>
+          <a:prstGeom prst="rect">
+            <a:avLst/>
+          </a:prstGeom>
+          <a:ln w="28575">
+            <a:noFill/>
+          </a:ln>
+        </p:spPr>
+      </p:pic>
+    </p:spTree>
+    <p:extLst>
+      <p:ext uri="{BB962C8B-B14F-4D97-AF65-F5344CB8AC3E}">
+        <p14:creationId xmlns:p14="http://schemas.microsoft.com/office/powerpoint/2010/main" val="4000391263"/>
+      </p:ext>
+    </p:extLst>
+  </p:cSld>
+  <p:clrMapOvr>
+    <a:masterClrMapping/>
+  </p:clrMapOvr>
+</p:sld>
+</file>
+
+<file path=ppt/slides/slide9.xml><?xml version="1.0" encoding="utf-8"?>
+<p:sld xmlns:a="http://schemas.openxmlformats.org/drawingml/2006/main" xmlns:r="http://schemas.openxmlformats.org/officeDocument/2006/relationships" xmlns:p="http://schemas.openxmlformats.org/presentationml/2006/main">
+  <p:cSld>
+    <p:bg>
+      <p:bgPr>
+        <a:solidFill>
+          <a:schemeClr val="bg1"/>
+        </a:solidFill>
+        <a:effectLst/>
+      </p:bgPr>
+    </p:bg>
+    <p:spTree>
+      <p:nvGrpSpPr>
+        <p:cNvPr id="1" name=""/>
+        <p:cNvGrpSpPr/>
+        <p:nvPr/>
+      </p:nvGrpSpPr>
+      <p:grpSpPr>
+        <a:xfrm>
+          <a:off x="0" y="0"/>
+          <a:ext cx="0" cy="0"/>
+          <a:chOff x="0" y="0"/>
+          <a:chExt cx="0" cy="0"/>
+        </a:xfrm>
+      </p:grpSpPr>
+      <p:grpSp>
+        <p:nvGrpSpPr>
+          <p:cNvPr id="10" name="Graphic 185">
+            <a:extLst>
+              <a:ext uri="{FF2B5EF4-FFF2-40B4-BE49-F238E27FC236}">
+                <a16:creationId xmlns:a16="http://schemas.microsoft.com/office/drawing/2014/main" id="{8A351602-3772-4279-B0D3-A523F6F6EAB3}"/>
+              </a:ext>
+              <a:ext uri="{C183D7F6-B498-43B3-948B-1728B52AA6E4}">
+                <adec:decorative xmlns:adec="http://schemas.microsoft.com/office/drawing/2017/decorative" val="1"/>
+              </a:ext>
+            </a:extLst>
+          </p:cNvPr>
+          <p:cNvGrpSpPr>
+            <a:grpSpLocks noGrp="1" noUngrp="1" noRot="1" noChangeAspect="1" noMove="1" noResize="1"/>
+          </p:cNvGrpSpPr>
+          <p:nvPr>
+            <p:extLst>
+              <p:ext uri="{386F3935-93C4-4BCD-93E2-E3B085C9AB24}">
+                <p16:designElem xmlns:p16="http://schemas.microsoft.com/office/powerpoint/2015/main" val="1"/>
+              </p:ext>
+            </p:extLst>
+          </p:nvPr>
+        </p:nvGrpSpPr>
+        <p:grpSpPr>
+          <a:xfrm>
+            <a:off x="10999576" y="5987064"/>
+            <a:ext cx="1054466" cy="469689"/>
+            <a:chOff x="9841624" y="4115729"/>
+            <a:chExt cx="602169" cy="268223"/>
+          </a:xfrm>
+          <a:solidFill>
+            <a:schemeClr val="tx1"/>
+          </a:solidFill>
+        </p:grpSpPr>
+        <p:sp>
+          <p:nvSpPr>
+            <p:cNvPr id="11" name="Freeform: Shape 10">
+              <a:extLst>
+                <a:ext uri="{FF2B5EF4-FFF2-40B4-BE49-F238E27FC236}">
+                  <a16:creationId xmlns:a16="http://schemas.microsoft.com/office/drawing/2014/main" id="{A5AAAA75-5FFB-4C07-AD4A-3146773E6CDD}"/>
+                </a:ext>
+                <a:ext uri="{C183D7F6-B498-43B3-948B-1728B52AA6E4}">
+                  <adec:decorative xmlns:adec="http://schemas.microsoft.com/office/drawing/2017/decorative" val="1"/>
+                </a:ext>
+              </a:extLst>
+            </p:cNvPr>
+            <p:cNvSpPr/>
+            <p:nvPr>
+              <p:extLst>
+                <p:ext uri="{386F3935-93C4-4BCD-93E2-E3B085C9AB24}">
+                  <p16:designElem xmlns:p16="http://schemas.microsoft.com/office/powerpoint/2015/main" val="1"/>
+                </p:ext>
+              </p:extLst>
+            </p:nvPr>
+          </p:nvSpPr>
+          <p:spPr>
+            <a:xfrm>
+              <a:off x="9841624" y="4115729"/>
+              <a:ext cx="202882" cy="268223"/>
+            </a:xfrm>
+            <a:custGeom>
+              <a:avLst/>
+              <a:gdLst>
+                <a:gd name="connsiteX0" fmla="*/ 20765 w 202882"/>
+                <a:gd name="connsiteY0" fmla="*/ 268224 h 268223"/>
+                <a:gd name="connsiteX1" fmla="*/ 0 w 202882"/>
+                <a:gd name="connsiteY1" fmla="*/ 268224 h 268223"/>
+                <a:gd name="connsiteX2" fmla="*/ 182118 w 202882"/>
+                <a:gd name="connsiteY2" fmla="*/ 0 h 268223"/>
+                <a:gd name="connsiteX3" fmla="*/ 202883 w 202882"/>
+                <a:gd name="connsiteY3" fmla="*/ 0 h 268223"/>
+              </a:gdLst>
+              <a:ahLst/>
+              <a:cxnLst>
+                <a:cxn ang="0">
+                  <a:pos x="connsiteX0" y="connsiteY0"/>
+                </a:cxn>
+                <a:cxn ang="0">
+                  <a:pos x="connsiteX1" y="connsiteY1"/>
+                </a:cxn>
+                <a:cxn ang="0">
+                  <a:pos x="connsiteX2" y="connsiteY2"/>
+                </a:cxn>
+                <a:cxn ang="0">
+                  <a:pos x="connsiteX3" y="connsiteY3"/>
+                </a:cxn>
+              </a:cxnLst>
+              <a:rect l="l" t="t" r="r" b="b"/>
+              <a:pathLst>
+                <a:path w="202882" h="268223">
+                  <a:moveTo>
+                    <a:pt x="20765" y="268224"/>
+                  </a:moveTo>
+                  <a:lnTo>
+                    <a:pt x="0" y="268224"/>
+                  </a:lnTo>
+                  <a:lnTo>
+                    <a:pt x="182118" y="0"/>
+                  </a:lnTo>
+                  <a:lnTo>
+                    <a:pt x="202883" y="0"/>
+                  </a:lnTo>
+                  <a:close/>
+                </a:path>
+              </a:pathLst>
+            </a:custGeom>
+            <a:grpFill/>
+            <a:ln w="9525" cap="flat">
+              <a:noFill/>
+              <a:prstDash val="solid"/>
+              <a:miter/>
+            </a:ln>
+          </p:spPr>
+          <p:txBody>
+            <a:bodyPr rtlCol="0" anchor="ctr"/>
+            <a:lstStyle/>
+            <a:p>
+              <a:endParaRPr lang="en-US"/>
+            </a:p>
+          </p:txBody>
+        </p:sp>
+        <p:sp>
+          <p:nvSpPr>
+            <p:cNvPr id="12" name="Freeform: Shape 11">
+              <a:extLst>
+                <a:ext uri="{FF2B5EF4-FFF2-40B4-BE49-F238E27FC236}">
+                  <a16:creationId xmlns:a16="http://schemas.microsoft.com/office/drawing/2014/main" id="{1479895E-3847-44BB-8404-28F14219FB70}"/>
+                </a:ext>
+                <a:ext uri="{C183D7F6-B498-43B3-948B-1728B52AA6E4}">
+                  <adec:decorative xmlns:adec="http://schemas.microsoft.com/office/drawing/2017/decorative" val="1"/>
+                </a:ext>
+              </a:extLst>
+            </p:cNvPr>
+            <p:cNvSpPr/>
+            <p:nvPr>
+              <p:extLst>
+                <p:ext uri="{386F3935-93C4-4BCD-93E2-E3B085C9AB24}">
+                  <p16:designElem xmlns:p16="http://schemas.microsoft.com/office/powerpoint/2015/main" val="1"/>
+                </p:ext>
+              </p:extLst>
+            </p:nvPr>
+          </p:nvSpPr>
+          <p:spPr>
+            <a:xfrm>
+              <a:off x="9941445" y="4115729"/>
+              <a:ext cx="202882" cy="268223"/>
+            </a:xfrm>
+            <a:custGeom>
+              <a:avLst/>
+              <a:gdLst>
+                <a:gd name="connsiteX0" fmla="*/ 20765 w 202882"/>
+                <a:gd name="connsiteY0" fmla="*/ 268224 h 268223"/>
+                <a:gd name="connsiteX1" fmla="*/ 0 w 202882"/>
+                <a:gd name="connsiteY1" fmla="*/ 268224 h 268223"/>
+                <a:gd name="connsiteX2" fmla="*/ 182118 w 202882"/>
+                <a:gd name="connsiteY2" fmla="*/ 0 h 268223"/>
+                <a:gd name="connsiteX3" fmla="*/ 202883 w 202882"/>
+                <a:gd name="connsiteY3" fmla="*/ 0 h 268223"/>
+              </a:gdLst>
+              <a:ahLst/>
+              <a:cxnLst>
+                <a:cxn ang="0">
+                  <a:pos x="connsiteX0" y="connsiteY0"/>
+                </a:cxn>
+                <a:cxn ang="0">
+                  <a:pos x="connsiteX1" y="connsiteY1"/>
+                </a:cxn>
+                <a:cxn ang="0">
+                  <a:pos x="connsiteX2" y="connsiteY2"/>
+                </a:cxn>
+                <a:cxn ang="0">
+                  <a:pos x="connsiteX3" y="connsiteY3"/>
+                </a:cxn>
+              </a:cxnLst>
+              <a:rect l="l" t="t" r="r" b="b"/>
+              <a:pathLst>
+                <a:path w="202882" h="268223">
+                  <a:moveTo>
+                    <a:pt x="20765" y="268224"/>
+                  </a:moveTo>
+                  <a:lnTo>
+                    <a:pt x="0" y="268224"/>
+                  </a:lnTo>
+                  <a:lnTo>
+                    <a:pt x="182118" y="0"/>
+                  </a:lnTo>
+                  <a:lnTo>
+                    <a:pt x="202883" y="0"/>
+                  </a:lnTo>
+                  <a:close/>
+                </a:path>
+              </a:pathLst>
+            </a:custGeom>
+            <a:grpFill/>
+            <a:ln w="9525" cap="flat">
+              <a:noFill/>
+              <a:prstDash val="solid"/>
+              <a:miter/>
+            </a:ln>
+          </p:spPr>
+          <p:txBody>
+            <a:bodyPr rtlCol="0" anchor="ctr"/>
+            <a:lstStyle/>
+            <a:p>
+              <a:endParaRPr lang="en-US"/>
+            </a:p>
+          </p:txBody>
+        </p:sp>
+        <p:sp>
+          <p:nvSpPr>
+            <p:cNvPr id="13" name="Freeform: Shape 12">
+              <a:extLst>
+                <a:ext uri="{FF2B5EF4-FFF2-40B4-BE49-F238E27FC236}">
+                  <a16:creationId xmlns:a16="http://schemas.microsoft.com/office/drawing/2014/main" id="{50E02F68-8149-4236-8D9F-6B550F78B932}"/>
+                </a:ext>
+                <a:ext uri="{C183D7F6-B498-43B3-948B-1728B52AA6E4}">
+                  <adec:decorative xmlns:adec="http://schemas.microsoft.com/office/drawing/2017/decorative" val="1"/>
+                </a:ext>
+              </a:extLst>
+            </p:cNvPr>
+            <p:cNvSpPr/>
+            <p:nvPr>
+              <p:extLst>
+                <p:ext uri="{386F3935-93C4-4BCD-93E2-E3B085C9AB24}">
+                  <p16:designElem xmlns:p16="http://schemas.microsoft.com/office/powerpoint/2015/main" val="1"/>
+                </p:ext>
+              </p:extLst>
+            </p:nvPr>
+          </p:nvSpPr>
+          <p:spPr>
+            <a:xfrm>
+              <a:off x="10041267" y="4115729"/>
+              <a:ext cx="202882" cy="268223"/>
+            </a:xfrm>
+            <a:custGeom>
+              <a:avLst/>
+              <a:gdLst>
+                <a:gd name="connsiteX0" fmla="*/ 20669 w 202882"/>
+                <a:gd name="connsiteY0" fmla="*/ 268224 h 268223"/>
+                <a:gd name="connsiteX1" fmla="*/ 0 w 202882"/>
+                <a:gd name="connsiteY1" fmla="*/ 268224 h 268223"/>
+                <a:gd name="connsiteX2" fmla="*/ 182118 w 202882"/>
+                <a:gd name="connsiteY2" fmla="*/ 0 h 268223"/>
+                <a:gd name="connsiteX3" fmla="*/ 202883 w 202882"/>
+                <a:gd name="connsiteY3" fmla="*/ 0 h 268223"/>
+              </a:gdLst>
+              <a:ahLst/>
+              <a:cxnLst>
+                <a:cxn ang="0">
+                  <a:pos x="connsiteX0" y="connsiteY0"/>
+                </a:cxn>
+                <a:cxn ang="0">
+                  <a:pos x="connsiteX1" y="connsiteY1"/>
+                </a:cxn>
+                <a:cxn ang="0">
+                  <a:pos x="connsiteX2" y="connsiteY2"/>
+                </a:cxn>
+                <a:cxn ang="0">
+                  <a:pos x="connsiteX3" y="connsiteY3"/>
+                </a:cxn>
+              </a:cxnLst>
+              <a:rect l="l" t="t" r="r" b="b"/>
+              <a:pathLst>
+                <a:path w="202882" h="268223">
+                  <a:moveTo>
+                    <a:pt x="20669" y="268224"/>
+                  </a:moveTo>
+                  <a:lnTo>
+                    <a:pt x="0" y="268224"/>
+                  </a:lnTo>
+                  <a:lnTo>
+                    <a:pt x="182118" y="0"/>
+                  </a:lnTo>
+                  <a:lnTo>
+                    <a:pt x="202883" y="0"/>
+                  </a:lnTo>
+                  <a:close/>
+                </a:path>
+              </a:pathLst>
+            </a:custGeom>
+            <a:grpFill/>
+            <a:ln w="9525" cap="flat">
+              <a:noFill/>
+              <a:prstDash val="solid"/>
+              <a:miter/>
+            </a:ln>
+          </p:spPr>
+          <p:txBody>
+            <a:bodyPr rtlCol="0" anchor="ctr"/>
+            <a:lstStyle/>
+            <a:p>
+              <a:endParaRPr lang="en-US"/>
+            </a:p>
+          </p:txBody>
+        </p:sp>
+        <p:sp>
+          <p:nvSpPr>
+            <p:cNvPr id="14" name="Freeform: Shape 13">
+              <a:extLst>
+                <a:ext uri="{FF2B5EF4-FFF2-40B4-BE49-F238E27FC236}">
+                  <a16:creationId xmlns:a16="http://schemas.microsoft.com/office/drawing/2014/main" id="{956FCAAB-F073-4561-A484-42C7DD10DC26}"/>
+                </a:ext>
+                <a:ext uri="{C183D7F6-B498-43B3-948B-1728B52AA6E4}">
+                  <adec:decorative xmlns:adec="http://schemas.microsoft.com/office/drawing/2017/decorative" val="1"/>
+                </a:ext>
+              </a:extLst>
+            </p:cNvPr>
+            <p:cNvSpPr/>
+            <p:nvPr>
+              <p:extLst>
+                <p:ext uri="{386F3935-93C4-4BCD-93E2-E3B085C9AB24}">
+                  <p16:designElem xmlns:p16="http://schemas.microsoft.com/office/powerpoint/2015/main" val="1"/>
+                </p:ext>
+              </p:extLst>
+            </p:nvPr>
+          </p:nvSpPr>
+          <p:spPr>
+            <a:xfrm>
+              <a:off x="10141090" y="4115729"/>
+              <a:ext cx="202882" cy="268223"/>
+            </a:xfrm>
+            <a:custGeom>
+              <a:avLst/>
+              <a:gdLst>
+                <a:gd name="connsiteX0" fmla="*/ 20669 w 202882"/>
+                <a:gd name="connsiteY0" fmla="*/ 268224 h 268223"/>
+                <a:gd name="connsiteX1" fmla="*/ 0 w 202882"/>
+                <a:gd name="connsiteY1" fmla="*/ 268224 h 268223"/>
+                <a:gd name="connsiteX2" fmla="*/ 182118 w 202882"/>
+                <a:gd name="connsiteY2" fmla="*/ 0 h 268223"/>
+                <a:gd name="connsiteX3" fmla="*/ 202883 w 202882"/>
+                <a:gd name="connsiteY3" fmla="*/ 0 h 268223"/>
+              </a:gdLst>
+              <a:ahLst/>
+              <a:cxnLst>
+                <a:cxn ang="0">
+                  <a:pos x="connsiteX0" y="connsiteY0"/>
+                </a:cxn>
+                <a:cxn ang="0">
+                  <a:pos x="connsiteX1" y="connsiteY1"/>
+                </a:cxn>
+                <a:cxn ang="0">
+                  <a:pos x="connsiteX2" y="connsiteY2"/>
+                </a:cxn>
+                <a:cxn ang="0">
+                  <a:pos x="connsiteX3" y="connsiteY3"/>
+                </a:cxn>
+              </a:cxnLst>
+              <a:rect l="l" t="t" r="r" b="b"/>
+              <a:pathLst>
+                <a:path w="202882" h="268223">
+                  <a:moveTo>
+                    <a:pt x="20669" y="268224"/>
+                  </a:moveTo>
+                  <a:lnTo>
+                    <a:pt x="0" y="268224"/>
+                  </a:lnTo>
+                  <a:lnTo>
+                    <a:pt x="182118" y="0"/>
+                  </a:lnTo>
+                  <a:lnTo>
+                    <a:pt x="202883" y="0"/>
+                  </a:lnTo>
+                  <a:close/>
+                </a:path>
+              </a:pathLst>
+            </a:custGeom>
+            <a:grpFill/>
+            <a:ln w="9525" cap="flat">
+              <a:noFill/>
+              <a:prstDash val="solid"/>
+              <a:miter/>
+            </a:ln>
+          </p:spPr>
+          <p:txBody>
+            <a:bodyPr rtlCol="0" anchor="ctr"/>
+            <a:lstStyle/>
+            <a:p>
+              <a:endParaRPr lang="en-US"/>
+            </a:p>
+          </p:txBody>
+        </p:sp>
+        <p:sp>
+          <p:nvSpPr>
+            <p:cNvPr id="15" name="Freeform: Shape 14">
+              <a:extLst>
+                <a:ext uri="{FF2B5EF4-FFF2-40B4-BE49-F238E27FC236}">
+                  <a16:creationId xmlns:a16="http://schemas.microsoft.com/office/drawing/2014/main" id="{6CF8DB94-87A3-43E9-9BBB-301CFF0FB05B}"/>
+                </a:ext>
+                <a:ext uri="{C183D7F6-B498-43B3-948B-1728B52AA6E4}">
+                  <adec:decorative xmlns:adec="http://schemas.microsoft.com/office/drawing/2017/decorative" val="1"/>
+                </a:ext>
+              </a:extLst>
+            </p:cNvPr>
+            <p:cNvSpPr/>
+            <p:nvPr>
+              <p:extLst>
+                <p:ext uri="{386F3935-93C4-4BCD-93E2-E3B085C9AB24}">
+                  <p16:designElem xmlns:p16="http://schemas.microsoft.com/office/powerpoint/2015/main" val="1"/>
+                </p:ext>
+              </p:extLst>
+            </p:nvPr>
+          </p:nvSpPr>
+          <p:spPr>
+            <a:xfrm>
+              <a:off x="10240911" y="4115729"/>
+              <a:ext cx="202882" cy="268223"/>
+            </a:xfrm>
+            <a:custGeom>
+              <a:avLst/>
+              <a:gdLst>
+                <a:gd name="connsiteX0" fmla="*/ 20669 w 202882"/>
+                <a:gd name="connsiteY0" fmla="*/ 268224 h 268223"/>
+                <a:gd name="connsiteX1" fmla="*/ 0 w 202882"/>
+                <a:gd name="connsiteY1" fmla="*/ 268224 h 268223"/>
+                <a:gd name="connsiteX2" fmla="*/ 182118 w 202882"/>
+                <a:gd name="connsiteY2" fmla="*/ 0 h 268223"/>
+                <a:gd name="connsiteX3" fmla="*/ 202883 w 202882"/>
+                <a:gd name="connsiteY3" fmla="*/ 0 h 268223"/>
+              </a:gdLst>
+              <a:ahLst/>
+              <a:cxnLst>
+                <a:cxn ang="0">
+                  <a:pos x="connsiteX0" y="connsiteY0"/>
+                </a:cxn>
+                <a:cxn ang="0">
+                  <a:pos x="connsiteX1" y="connsiteY1"/>
+                </a:cxn>
+                <a:cxn ang="0">
+                  <a:pos x="connsiteX2" y="connsiteY2"/>
+                </a:cxn>
+                <a:cxn ang="0">
+                  <a:pos x="connsiteX3" y="connsiteY3"/>
+                </a:cxn>
+              </a:cxnLst>
+              <a:rect l="l" t="t" r="r" b="b"/>
+              <a:pathLst>
+                <a:path w="202882" h="268223">
+                  <a:moveTo>
+                    <a:pt x="20669" y="268224"/>
+                  </a:moveTo>
+                  <a:lnTo>
+                    <a:pt x="0" y="268224"/>
+                  </a:lnTo>
+                  <a:lnTo>
+                    <a:pt x="182118" y="0"/>
+                  </a:lnTo>
+                  <a:lnTo>
+                    <a:pt x="202883" y="0"/>
+                  </a:lnTo>
+                  <a:close/>
+                </a:path>
+              </a:pathLst>
+            </a:custGeom>
+            <a:grpFill/>
+            <a:ln w="9525" cap="flat">
+              <a:noFill/>
+              <a:prstDash val="solid"/>
+              <a:miter/>
+            </a:ln>
+          </p:spPr>
+          <p:txBody>
+            <a:bodyPr rtlCol="0" anchor="ctr"/>
+            <a:lstStyle/>
+            <a:p>
+              <a:endParaRPr lang="en-US"/>
+            </a:p>
+          </p:txBody>
+        </p:sp>
+      </p:grpSp>
+      <p:sp>
+        <p:nvSpPr>
+          <p:cNvPr id="17" name="Oval 16">
+            <a:extLst>
+              <a:ext uri="{FF2B5EF4-FFF2-40B4-BE49-F238E27FC236}">
+                <a16:creationId xmlns:a16="http://schemas.microsoft.com/office/drawing/2014/main" id="{7D6BF779-0B8C-4CC2-9268-9506AD0C5331}"/>
+              </a:ext>
+              <a:ext uri="{C183D7F6-B498-43B3-948B-1728B52AA6E4}">
+                <adec:decorative xmlns:adec="http://schemas.microsoft.com/office/drawing/2017/decorative" val="1"/>
+              </a:ext>
+            </a:extLst>
+          </p:cNvPr>
+          <p:cNvSpPr>
+            <a:spLocks noGrp="1" noRot="1" noChangeAspect="1" noMove="1" noResize="1" noEditPoints="1" noAdjustHandles="1" noChangeArrowheads="1" noChangeShapeType="1" noTextEdit="1"/>
+          </p:cNvSpPr>
+          <p:nvPr>
+            <p:extLst>
+              <p:ext uri="{386F3935-93C4-4BCD-93E2-E3B085C9AB24}">
+                <p16:designElem xmlns:p16="http://schemas.microsoft.com/office/powerpoint/2015/main" val="1"/>
+              </p:ext>
+            </p:extLst>
+          </p:nvPr>
+        </p:nvSpPr>
+        <p:spPr>
+          <a:xfrm>
+            <a:off x="320736" y="652894"/>
+            <a:ext cx="319941" cy="319941"/>
+          </a:xfrm>
+          <a:prstGeom prst="ellipse">
+            <a:avLst/>
+          </a:prstGeom>
+          <a:solidFill>
+            <a:schemeClr val="accent3">
+              <a:lumMod val="20000"/>
+              <a:lumOff val="80000"/>
+            </a:schemeClr>
+          </a:solidFill>
+          <a:ln w="28575">
+            <a:solidFill>
+              <a:schemeClr val="tx1"/>
+            </a:solidFill>
+          </a:ln>
+        </p:spPr>
+        <p:style>
+          <a:lnRef idx="2">
+            <a:schemeClr val="accent1">
+              <a:shade val="50000"/>
+            </a:schemeClr>
+          </a:lnRef>
+          <a:fillRef idx="1">
+            <a:schemeClr val="accent1"/>
+          </a:fillRef>
+          <a:effectRef idx="0">
+            <a:schemeClr val="accent1"/>
+          </a:effectRef>
+          <a:fontRef idx="minor">
+            <a:schemeClr val="lt1"/>
+          </a:fontRef>
+        </p:style>
+        <p:txBody>
+          <a:bodyPr rot="0" spcFirstLastPara="0" vertOverflow="overflow" horzOverflow="overflow" vert="horz" wrap="square" lIns="91440" tIns="45720" rIns="91440" bIns="45720" numCol="1" spcCol="0" rtlCol="0" fromWordArt="0" anchor="ctr" anchorCtr="0" forceAA="0" compatLnSpc="1">
+            <a:prstTxWarp prst="textNoShape">
+              <a:avLst/>
+            </a:prstTxWarp>
+            <a:noAutofit/>
+          </a:bodyPr>
+          <a:lstStyle/>
+          <a:p>
+            <a:pPr algn="ctr"/>
+            <a:endParaRPr lang="en-US"/>
+          </a:p>
+        </p:txBody>
+      </p:sp>
+      <p:sp useBgFill="1">
+        <p:nvSpPr>
+          <p:cNvPr id="19" name="Rectangle 18">
+            <a:extLst>
+              <a:ext uri="{FF2B5EF4-FFF2-40B4-BE49-F238E27FC236}">
+                <a16:creationId xmlns:a16="http://schemas.microsoft.com/office/drawing/2014/main" id="{3A397E3E-B90C-4D82-BAAA-36F7AC6A4565}"/>
+              </a:ext>
+              <a:ext uri="{C183D7F6-B498-43B3-948B-1728B52AA6E4}">
+                <adec:decorative xmlns:adec="http://schemas.microsoft.com/office/drawing/2017/decorative" val="1"/>
+              </a:ext>
+            </a:extLst>
+          </p:cNvPr>
+          <p:cNvSpPr>
+            <a:spLocks noGrp="1" noRot="1" noChangeAspect="1" noMove="1" noResize="1" noEditPoints="1" noAdjustHandles="1" noChangeArrowheads="1" noChangeShapeType="1" noTextEdit="1"/>
+          </p:cNvSpPr>
+          <p:nvPr>
+            <p:extLst>
+              <p:ext uri="{386F3935-93C4-4BCD-93E2-E3B085C9AB24}">
+                <p16:designElem xmlns:p16="http://schemas.microsoft.com/office/powerpoint/2015/main" val="1"/>
+              </p:ext>
+            </p:extLst>
+          </p:nvPr>
+        </p:nvSpPr>
+        <p:spPr>
+          <a:xfrm>
+            <a:off x="0" y="0"/>
+            <a:ext cx="12192000" cy="6858000"/>
+          </a:xfrm>
+          <a:prstGeom prst="rect">
+            <a:avLst/>
+          </a:prstGeom>
+          <a:ln>
+            <a:noFill/>
+          </a:ln>
+        </p:spPr>
+        <p:style>
+          <a:lnRef idx="2">
+            <a:schemeClr val="accent1">
+              <a:shade val="50000"/>
+            </a:schemeClr>
+          </a:lnRef>
+          <a:fillRef idx="1">
+            <a:schemeClr val="accent1"/>
+          </a:fillRef>
+          <a:effectRef idx="0">
+            <a:schemeClr val="accent1"/>
+          </a:effectRef>
+          <a:fontRef idx="minor">
+            <a:schemeClr val="lt1"/>
+          </a:fontRef>
+        </p:style>
+        <p:txBody>
+          <a:bodyPr rtlCol="0" anchor="ctr"/>
+          <a:lstStyle/>
+          <a:p>
+            <a:pPr algn="ctr"/>
+            <a:endParaRPr lang="en-US" dirty="0"/>
+          </a:p>
+        </p:txBody>
+      </p:sp>
+      <p:sp>
+        <p:nvSpPr>
+          <p:cNvPr id="21" name="Freeform: Shape 20">
+            <a:extLst>
+              <a:ext uri="{FF2B5EF4-FFF2-40B4-BE49-F238E27FC236}">
+                <a16:creationId xmlns:a16="http://schemas.microsoft.com/office/drawing/2014/main" id="{1EE8AD20-D46A-4CDA-ACE9-CDEE6F001164}"/>
+              </a:ext>
+              <a:ext uri="{C183D7F6-B498-43B3-948B-1728B52AA6E4}">
+                <adec:decorative xmlns:adec="http://schemas.microsoft.com/office/drawing/2017/decorative" val="1"/>
+              </a:ext>
+            </a:extLst>
+          </p:cNvPr>
+          <p:cNvSpPr>
+            <a:spLocks noGrp="1" noRot="1" noChangeAspect="1" noMove="1" noResize="1" noEditPoints="1" noAdjustHandles="1" noChangeArrowheads="1" noChangeShapeType="1" noTextEdit="1"/>
+          </p:cNvSpPr>
+          <p:nvPr>
+            <p:extLst>
+              <p:ext uri="{386F3935-93C4-4BCD-93E2-E3B085C9AB24}">
+                <p16:designElem xmlns:p16="http://schemas.microsoft.com/office/powerpoint/2015/main" val="1"/>
+              </p:ext>
+            </p:extLst>
+          </p:nvPr>
+        </p:nvSpPr>
+        <p:spPr>
+          <a:xfrm>
+            <a:off x="3" y="2"/>
+            <a:ext cx="2134216" cy="2258161"/>
+          </a:xfrm>
+          <a:custGeom>
+            <a:avLst/>
+            <a:gdLst>
+              <a:gd name="connsiteX0" fmla="*/ 2292284 w 3871489"/>
+              <a:gd name="connsiteY0" fmla="*/ 0 h 4096327"/>
+              <a:gd name="connsiteX1" fmla="*/ 3500914 w 3871489"/>
+              <a:gd name="connsiteY1" fmla="*/ 0 h 4096327"/>
+              <a:gd name="connsiteX2" fmla="*/ 3542229 w 3871489"/>
+              <a:gd name="connsiteY2" fmla="*/ 68006 h 4096327"/>
+              <a:gd name="connsiteX3" fmla="*/ 3871489 w 3871489"/>
+              <a:gd name="connsiteY3" fmla="*/ 1368323 h 4096327"/>
+              <a:gd name="connsiteX4" fmla="*/ 1143485 w 3871489"/>
+              <a:gd name="connsiteY4" fmla="*/ 4096327 h 4096327"/>
+              <a:gd name="connsiteX5" fmla="*/ 81633 w 3871489"/>
+              <a:gd name="connsiteY5" fmla="*/ 3881944 h 4096327"/>
+              <a:gd name="connsiteX6" fmla="*/ 0 w 3871489"/>
+              <a:gd name="connsiteY6" fmla="*/ 3842618 h 4096327"/>
+              <a:gd name="connsiteX7" fmla="*/ 0 w 3871489"/>
+              <a:gd name="connsiteY7" fmla="*/ 2741475 h 4096327"/>
+              <a:gd name="connsiteX8" fmla="*/ 6615 w 3871489"/>
+              <a:gd name="connsiteY8" fmla="*/ 2747487 h 4096327"/>
+              <a:gd name="connsiteX9" fmla="*/ 1143485 w 3871489"/>
+              <a:gd name="connsiteY9" fmla="*/ 3155655 h 4096327"/>
+              <a:gd name="connsiteX10" fmla="*/ 2930817 w 3871489"/>
+              <a:gd name="connsiteY10" fmla="*/ 1368323 h 4096327"/>
+              <a:gd name="connsiteX11" fmla="*/ 2407287 w 3871489"/>
+              <a:gd name="connsiteY11" fmla="*/ 104524 h 4096327"/>
+            </a:gdLst>
+            <a:ahLst/>
+            <a:cxnLst>
+              <a:cxn ang="0">
+                <a:pos x="connsiteX0" y="connsiteY0"/>
+              </a:cxn>
+              <a:cxn ang="0">
+                <a:pos x="connsiteX1" y="connsiteY1"/>
+              </a:cxn>
+              <a:cxn ang="0">
+                <a:pos x="connsiteX2" y="connsiteY2"/>
+              </a:cxn>
+              <a:cxn ang="0">
+                <a:pos x="connsiteX3" y="connsiteY3"/>
+              </a:cxn>
+              <a:cxn ang="0">
+                <a:pos x="connsiteX4" y="connsiteY4"/>
+              </a:cxn>
+              <a:cxn ang="0">
+                <a:pos x="connsiteX5" y="connsiteY5"/>
+              </a:cxn>
+              <a:cxn ang="0">
+                <a:pos x="connsiteX6" y="connsiteY6"/>
+              </a:cxn>
+              <a:cxn ang="0">
+                <a:pos x="connsiteX7" y="connsiteY7"/>
+              </a:cxn>
+              <a:cxn ang="0">
+                <a:pos x="connsiteX8" y="connsiteY8"/>
+              </a:cxn>
+              <a:cxn ang="0">
+                <a:pos x="connsiteX9" y="connsiteY9"/>
+              </a:cxn>
+              <a:cxn ang="0">
+                <a:pos x="connsiteX10" y="connsiteY10"/>
+              </a:cxn>
+              <a:cxn ang="0">
+                <a:pos x="connsiteX11" y="connsiteY11"/>
+              </a:cxn>
+            </a:cxnLst>
+            <a:rect l="l" t="t" r="r" b="b"/>
+            <a:pathLst>
+              <a:path w="3871489" h="4096327">
+                <a:moveTo>
+                  <a:pt x="2292284" y="0"/>
+                </a:moveTo>
+                <a:lnTo>
+                  <a:pt x="3500914" y="0"/>
+                </a:lnTo>
+                <a:lnTo>
+                  <a:pt x="3542229" y="68006"/>
+                </a:lnTo>
+                <a:cubicBezTo>
+                  <a:pt x="3752213" y="454545"/>
+                  <a:pt x="3871489" y="897507"/>
+                  <a:pt x="3871489" y="1368323"/>
+                </a:cubicBezTo>
+                <a:cubicBezTo>
+                  <a:pt x="3871489" y="2874936"/>
+                  <a:pt x="2650098" y="4096327"/>
+                  <a:pt x="1143485" y="4096327"/>
+                </a:cubicBezTo>
+                <a:cubicBezTo>
+                  <a:pt x="766832" y="4096327"/>
+                  <a:pt x="408006" y="4019990"/>
+                  <a:pt x="81633" y="3881944"/>
+                </a:cubicBezTo>
+                <a:lnTo>
+                  <a:pt x="0" y="3842618"/>
+                </a:lnTo>
+                <a:lnTo>
+                  <a:pt x="0" y="2741475"/>
+                </a:lnTo>
+                <a:lnTo>
+                  <a:pt x="6615" y="2747487"/>
+                </a:lnTo>
+                <a:cubicBezTo>
+                  <a:pt x="315579" y="3002472"/>
+                  <a:pt x="711663" y="3155655"/>
+                  <a:pt x="1143485" y="3155655"/>
+                </a:cubicBezTo>
+                <a:cubicBezTo>
+                  <a:pt x="2130515" y="3155655"/>
+                  <a:pt x="2930817" y="2355353"/>
+                  <a:pt x="2930817" y="1368323"/>
+                </a:cubicBezTo>
+                <a:cubicBezTo>
+                  <a:pt x="2930817" y="874812"/>
+                  <a:pt x="2730741" y="427979"/>
+                  <a:pt x="2407287" y="104524"/>
+                </a:cubicBezTo>
+                <a:close/>
+              </a:path>
+            </a:pathLst>
+          </a:custGeom>
+          <a:solidFill>
+            <a:srgbClr val="FFFFFF"/>
+          </a:solidFill>
+          <a:ln w="28575">
+            <a:noFill/>
+          </a:ln>
+        </p:spPr>
+        <p:style>
+          <a:lnRef idx="2">
+            <a:schemeClr val="accent1">
+              <a:shade val="50000"/>
+            </a:schemeClr>
+          </a:lnRef>
+          <a:fillRef idx="1">
+            <a:schemeClr val="accent1"/>
+          </a:fillRef>
+          <a:effectRef idx="0">
+            <a:schemeClr val="accent1"/>
+          </a:effectRef>
+          <a:fontRef idx="minor">
+            <a:schemeClr val="lt1"/>
+          </a:fontRef>
+        </p:style>
+        <p:txBody>
+          <a:bodyPr rot="0" spcFirstLastPara="0" vertOverflow="overflow" horzOverflow="overflow" vert="horz" wrap="square" lIns="91440" tIns="45720" rIns="91440" bIns="45720" numCol="1" spcCol="0" rtlCol="0" fromWordArt="0" anchor="ctr" anchorCtr="0" forceAA="0" compatLnSpc="1">
+            <a:prstTxWarp prst="textNoShape">
+              <a:avLst/>
+            </a:prstTxWarp>
+            <a:noAutofit/>
+          </a:bodyPr>
+          <a:lstStyle/>
+          <a:p>
+            <a:pPr algn="ctr"/>
+            <a:endParaRPr lang="en-US">
+              <a:solidFill>
+                <a:schemeClr val="accent1"/>
+              </a:solidFill>
+            </a:endParaRPr>
+          </a:p>
+        </p:txBody>
+      </p:sp>
+      <p:sp>
+        <p:nvSpPr>
+          <p:cNvPr id="23" name="Freeform: Shape 22">
+            <a:extLst>
+              <a:ext uri="{FF2B5EF4-FFF2-40B4-BE49-F238E27FC236}">
+                <a16:creationId xmlns:a16="http://schemas.microsoft.com/office/drawing/2014/main" id="{9A19265B-5023-4F97-B3C5-6DC04937BDE4}"/>
+              </a:ext>
+              <a:ext uri="{C183D7F6-B498-43B3-948B-1728B52AA6E4}">
+                <adec:decorative xmlns:adec="http://schemas.microsoft.com/office/drawing/2017/decorative" val="1"/>
+              </a:ext>
+            </a:extLst>
+          </p:cNvPr>
+          <p:cNvSpPr>
+            <a:spLocks noGrp="1" noRot="1" noChangeAspect="1" noMove="1" noResize="1" noEditPoints="1" noAdjustHandles="1" noChangeArrowheads="1" noChangeShapeType="1" noTextEdit="1"/>
+          </p:cNvSpPr>
+          <p:nvPr>
+            <p:extLst>
+              <p:ext uri="{386F3935-93C4-4BCD-93E2-E3B085C9AB24}">
+                <p16:designElem xmlns:p16="http://schemas.microsoft.com/office/powerpoint/2015/main" val="1"/>
+              </p:ext>
+            </p:extLst>
+          </p:nvPr>
+        </p:nvSpPr>
+        <p:spPr>
+          <a:xfrm>
+            <a:off x="3" y="2"/>
+            <a:ext cx="2134216" cy="2258161"/>
+          </a:xfrm>
+          <a:custGeom>
+            <a:avLst/>
+            <a:gdLst>
+              <a:gd name="connsiteX0" fmla="*/ 2292284 w 3871489"/>
+              <a:gd name="connsiteY0" fmla="*/ 0 h 4096327"/>
+              <a:gd name="connsiteX1" fmla="*/ 3500914 w 3871489"/>
+              <a:gd name="connsiteY1" fmla="*/ 0 h 4096327"/>
+              <a:gd name="connsiteX2" fmla="*/ 3542229 w 3871489"/>
+              <a:gd name="connsiteY2" fmla="*/ 68006 h 4096327"/>
+              <a:gd name="connsiteX3" fmla="*/ 3871489 w 3871489"/>
+              <a:gd name="connsiteY3" fmla="*/ 1368323 h 4096327"/>
+              <a:gd name="connsiteX4" fmla="*/ 1143485 w 3871489"/>
+              <a:gd name="connsiteY4" fmla="*/ 4096327 h 4096327"/>
+              <a:gd name="connsiteX5" fmla="*/ 81633 w 3871489"/>
+              <a:gd name="connsiteY5" fmla="*/ 3881944 h 4096327"/>
+              <a:gd name="connsiteX6" fmla="*/ 0 w 3871489"/>
+              <a:gd name="connsiteY6" fmla="*/ 3842618 h 4096327"/>
+              <a:gd name="connsiteX7" fmla="*/ 0 w 3871489"/>
+              <a:gd name="connsiteY7" fmla="*/ 2741475 h 4096327"/>
+              <a:gd name="connsiteX8" fmla="*/ 6615 w 3871489"/>
+              <a:gd name="connsiteY8" fmla="*/ 2747487 h 4096327"/>
+              <a:gd name="connsiteX9" fmla="*/ 1143485 w 3871489"/>
+              <a:gd name="connsiteY9" fmla="*/ 3155655 h 4096327"/>
+              <a:gd name="connsiteX10" fmla="*/ 2930817 w 3871489"/>
+              <a:gd name="connsiteY10" fmla="*/ 1368323 h 4096327"/>
+              <a:gd name="connsiteX11" fmla="*/ 2407287 w 3871489"/>
+              <a:gd name="connsiteY11" fmla="*/ 104524 h 4096327"/>
+            </a:gdLst>
+            <a:ahLst/>
+            <a:cxnLst>
+              <a:cxn ang="0">
+                <a:pos x="connsiteX0" y="connsiteY0"/>
+              </a:cxn>
+              <a:cxn ang="0">
+                <a:pos x="connsiteX1" y="connsiteY1"/>
+              </a:cxn>
+              <a:cxn ang="0">
+                <a:pos x="connsiteX2" y="connsiteY2"/>
+              </a:cxn>
+              <a:cxn ang="0">
+                <a:pos x="connsiteX3" y="connsiteY3"/>
+              </a:cxn>
+              <a:cxn ang="0">
+                <a:pos x="connsiteX4" y="connsiteY4"/>
+              </a:cxn>
+              <a:cxn ang="0">
+                <a:pos x="connsiteX5" y="connsiteY5"/>
+              </a:cxn>
+              <a:cxn ang="0">
+                <a:pos x="connsiteX6" y="connsiteY6"/>
+              </a:cxn>
+              <a:cxn ang="0">
+                <a:pos x="connsiteX7" y="connsiteY7"/>
+              </a:cxn>
+              <a:cxn ang="0">
+                <a:pos x="connsiteX8" y="connsiteY8"/>
+              </a:cxn>
+              <a:cxn ang="0">
+                <a:pos x="connsiteX9" y="connsiteY9"/>
+              </a:cxn>
+              <a:cxn ang="0">
+                <a:pos x="connsiteX10" y="connsiteY10"/>
+              </a:cxn>
+              <a:cxn ang="0">
+                <a:pos x="connsiteX11" y="connsiteY11"/>
+              </a:cxn>
+            </a:cxnLst>
+            <a:rect l="l" t="t" r="r" b="b"/>
+            <a:pathLst>
+              <a:path w="3871489" h="4096327">
+                <a:moveTo>
+                  <a:pt x="2292284" y="0"/>
+                </a:moveTo>
+                <a:lnTo>
+                  <a:pt x="3500914" y="0"/>
+                </a:lnTo>
+                <a:lnTo>
+                  <a:pt x="3542229" y="68006"/>
+                </a:lnTo>
+                <a:cubicBezTo>
+                  <a:pt x="3752213" y="454545"/>
+                  <a:pt x="3871489" y="897507"/>
+                  <a:pt x="3871489" y="1368323"/>
+                </a:cubicBezTo>
+                <a:cubicBezTo>
+                  <a:pt x="3871489" y="2874936"/>
+                  <a:pt x="2650098" y="4096327"/>
+                  <a:pt x="1143485" y="4096327"/>
+                </a:cubicBezTo>
+                <a:cubicBezTo>
+                  <a:pt x="766832" y="4096327"/>
+                  <a:pt x="408006" y="4019990"/>
+                  <a:pt x="81633" y="3881944"/>
+                </a:cubicBezTo>
+                <a:lnTo>
+                  <a:pt x="0" y="3842618"/>
+                </a:lnTo>
+                <a:lnTo>
+                  <a:pt x="0" y="2741475"/>
+                </a:lnTo>
+                <a:lnTo>
+                  <a:pt x="6615" y="2747487"/>
+                </a:lnTo>
+                <a:cubicBezTo>
+                  <a:pt x="315579" y="3002472"/>
+                  <a:pt x="711663" y="3155655"/>
+                  <a:pt x="1143485" y="3155655"/>
+                </a:cubicBezTo>
+                <a:cubicBezTo>
+                  <a:pt x="2130515" y="3155655"/>
+                  <a:pt x="2930817" y="2355353"/>
+                  <a:pt x="2930817" y="1368323"/>
+                </a:cubicBezTo>
+                <a:cubicBezTo>
+                  <a:pt x="2930817" y="874812"/>
+                  <a:pt x="2730741" y="427979"/>
+                  <a:pt x="2407287" y="104524"/>
+                </a:cubicBezTo>
+                <a:close/>
+              </a:path>
+            </a:pathLst>
+          </a:custGeom>
+          <a:solidFill>
+            <a:schemeClr val="accent1">
+              <a:alpha val="20000"/>
+            </a:schemeClr>
+          </a:solidFill>
+          <a:ln w="28575">
+            <a:noFill/>
+          </a:ln>
+        </p:spPr>
+        <p:style>
+          <a:lnRef idx="2">
+            <a:schemeClr val="accent1">
+              <a:shade val="50000"/>
+            </a:schemeClr>
+          </a:lnRef>
+          <a:fillRef idx="1">
+            <a:schemeClr val="accent1"/>
+          </a:fillRef>
+          <a:effectRef idx="0">
+            <a:schemeClr val="accent1"/>
+          </a:effectRef>
+          <a:fontRef idx="minor">
+            <a:schemeClr val="lt1"/>
+          </a:fontRef>
+        </p:style>
+        <p:txBody>
+          <a:bodyPr rot="0" spcFirstLastPara="0" vertOverflow="overflow" horzOverflow="overflow" vert="horz" wrap="square" lIns="91440" tIns="45720" rIns="91440" bIns="45720" numCol="1" spcCol="0" rtlCol="0" fromWordArt="0" anchor="ctr" anchorCtr="0" forceAA="0" compatLnSpc="1">
+            <a:prstTxWarp prst="textNoShape">
+              <a:avLst/>
+            </a:prstTxWarp>
+            <a:noAutofit/>
+          </a:bodyPr>
+          <a:lstStyle/>
+          <a:p>
+            <a:pPr algn="ctr"/>
+            <a:endParaRPr lang="en-US">
+              <a:solidFill>
+                <a:schemeClr val="accent1"/>
+              </a:solidFill>
+            </a:endParaRPr>
+          </a:p>
+        </p:txBody>
+      </p:sp>
+      <p:sp>
+        <p:nvSpPr>
+          <p:cNvPr id="25" name="Rectangle 24">
+            <a:extLst>
+              <a:ext uri="{FF2B5EF4-FFF2-40B4-BE49-F238E27FC236}">
+                <a16:creationId xmlns:a16="http://schemas.microsoft.com/office/drawing/2014/main" id="{E167761E-9A06-42D7-A1E1-99C836918D41}"/>
+              </a:ext>
+              <a:ext uri="{C183D7F6-B498-43B3-948B-1728B52AA6E4}">
+                <adec:decorative xmlns:adec="http://schemas.microsoft.com/office/drawing/2017/decorative" val="1"/>
+              </a:ext>
+            </a:extLst>
+          </p:cNvPr>
+          <p:cNvSpPr>
+            <a:spLocks noGrp="1" noRot="1" noChangeAspect="1" noMove="1" noResize="1" noEditPoints="1" noAdjustHandles="1" noChangeArrowheads="1" noChangeShapeType="1" noTextEdit="1"/>
+          </p:cNvSpPr>
+          <p:nvPr>
+            <p:extLst>
+              <p:ext uri="{386F3935-93C4-4BCD-93E2-E3B085C9AB24}">
+                <p16:designElem xmlns:p16="http://schemas.microsoft.com/office/powerpoint/2015/main" val="1"/>
+              </p:ext>
+            </p:extLst>
+          </p:nvPr>
+        </p:nvSpPr>
+        <p:spPr>
+          <a:xfrm>
+            <a:off x="1481312" y="743744"/>
+            <a:ext cx="4860256" cy="4589316"/>
+          </a:xfrm>
+          <a:prstGeom prst="rect">
+            <a:avLst/>
+          </a:prstGeom>
+          <a:solidFill>
+            <a:srgbClr val="FFFFFF"/>
+          </a:solidFill>
+          <a:ln w="28575">
+            <a:noFill/>
+          </a:ln>
+        </p:spPr>
+        <p:style>
+          <a:lnRef idx="2">
+            <a:schemeClr val="accent1">
+              <a:shade val="50000"/>
+            </a:schemeClr>
+          </a:lnRef>
+          <a:fillRef idx="1">
+            <a:schemeClr val="accent1"/>
+          </a:fillRef>
+          <a:effectRef idx="0">
+            <a:schemeClr val="accent1"/>
+          </a:effectRef>
+          <a:fontRef idx="minor">
+            <a:schemeClr val="lt1"/>
+          </a:fontRef>
+        </p:style>
+        <p:txBody>
+          <a:bodyPr rot="0" spcFirstLastPara="0" vertOverflow="overflow" horzOverflow="overflow" vert="horz" wrap="square" lIns="91440" tIns="45720" rIns="91440" bIns="45720" numCol="1" spcCol="0" rtlCol="0" fromWordArt="0" anchor="ctr" anchorCtr="0" forceAA="0" compatLnSpc="1">
+            <a:prstTxWarp prst="textNoShape">
+              <a:avLst/>
+            </a:prstTxWarp>
+            <a:noAutofit/>
+          </a:bodyPr>
+          <a:lstStyle/>
+          <a:p>
+            <a:pPr algn="ctr"/>
+            <a:endParaRPr lang="en-US">
+              <a:solidFill>
+                <a:schemeClr val="accent1"/>
+              </a:solidFill>
+            </a:endParaRPr>
+          </a:p>
+        </p:txBody>
+      </p:sp>
+      <p:sp>
+        <p:nvSpPr>
+          <p:cNvPr id="27" name="Rectangle 26">
+            <a:extLst>
+              <a:ext uri="{FF2B5EF4-FFF2-40B4-BE49-F238E27FC236}">
+                <a16:creationId xmlns:a16="http://schemas.microsoft.com/office/drawing/2014/main" id="{6E1810D1-939F-4DDF-9906-72FABD13604A}"/>
+              </a:ext>
+              <a:ext uri="{C183D7F6-B498-43B3-948B-1728B52AA6E4}">
+                <adec:decorative xmlns:adec="http://schemas.microsoft.com/office/drawing/2017/decorative" val="1"/>
+              </a:ext>
+            </a:extLst>
+          </p:cNvPr>
+          <p:cNvSpPr>
+            <a:spLocks noGrp="1" noRot="1" noChangeAspect="1" noMove="1" noResize="1" noEditPoints="1" noAdjustHandles="1" noChangeArrowheads="1" noChangeShapeType="1" noTextEdit="1"/>
+          </p:cNvSpPr>
+          <p:nvPr>
+            <p:extLst>
+              <p:ext uri="{386F3935-93C4-4BCD-93E2-E3B085C9AB24}">
+                <p16:designElem xmlns:p16="http://schemas.microsoft.com/office/powerpoint/2015/main" val="1"/>
+              </p:ext>
+            </p:extLst>
+          </p:nvPr>
+        </p:nvSpPr>
+        <p:spPr>
+          <a:xfrm>
+            <a:off x="1481312" y="743744"/>
+            <a:ext cx="4860256" cy="4589316"/>
+          </a:xfrm>
+          <a:prstGeom prst="rect">
+            <a:avLst/>
+          </a:prstGeom>
+          <a:solidFill>
+            <a:schemeClr val="accent1">
+              <a:alpha val="20000"/>
+            </a:schemeClr>
+          </a:solidFill>
+          <a:ln w="28575">
+            <a:solidFill>
+              <a:schemeClr val="tx1"/>
+            </a:solidFill>
+          </a:ln>
+        </p:spPr>
+        <p:style>
+          <a:lnRef idx="2">
+            <a:schemeClr val="accent1">
+              <a:shade val="50000"/>
+            </a:schemeClr>
+          </a:lnRef>
+          <a:fillRef idx="1">
+            <a:schemeClr val="accent1"/>
+          </a:fillRef>
+          <a:effectRef idx="0">
+            <a:schemeClr val="accent1"/>
+          </a:effectRef>
+          <a:fontRef idx="minor">
+            <a:schemeClr val="lt1"/>
+          </a:fontRef>
+        </p:style>
+        <p:txBody>
+          <a:bodyPr rtlCol="0" anchor="ctr"/>
+          <a:lstStyle/>
+          <a:p>
+            <a:pPr algn="ctr"/>
+            <a:endParaRPr lang="en-US"/>
+          </a:p>
+        </p:txBody>
+      </p:sp>
+      <p:sp useBgFill="1">
+        <p:nvSpPr>
+          <p:cNvPr id="29" name="Rectangle 28">
+            <a:extLst>
+              <a:ext uri="{FF2B5EF4-FFF2-40B4-BE49-F238E27FC236}">
+                <a16:creationId xmlns:a16="http://schemas.microsoft.com/office/drawing/2014/main" id="{547FBA6C-82DB-4925-B184-33CC47C86D0F}"/>
+              </a:ext>
+              <a:ext uri="{C183D7F6-B498-43B3-948B-1728B52AA6E4}">
+                <adec:decorative xmlns:adec="http://schemas.microsoft.com/office/drawing/2017/decorative" val="1"/>
+              </a:ext>
+            </a:extLst>
+          </p:cNvPr>
+          <p:cNvSpPr>
+            <a:spLocks noGrp="1" noRot="1" noChangeAspect="1" noMove="1" noResize="1" noEditPoints="1" noAdjustHandles="1" noChangeArrowheads="1" noChangeShapeType="1" noTextEdit="1"/>
+          </p:cNvSpPr>
+          <p:nvPr>
+            <p:extLst>
+              <p:ext uri="{386F3935-93C4-4BCD-93E2-E3B085C9AB24}">
+                <p16:designElem xmlns:p16="http://schemas.microsoft.com/office/powerpoint/2015/main" val="1"/>
+              </p:ext>
+            </p:extLst>
+          </p:nvPr>
+        </p:nvSpPr>
+        <p:spPr>
+          <a:xfrm>
+            <a:off x="1379729" y="648365"/>
+            <a:ext cx="4860256" cy="4589316"/>
+          </a:xfrm>
+          <a:prstGeom prst="rect">
+            <a:avLst/>
+          </a:prstGeom>
+          <a:ln w="28575">
+            <a:solidFill>
+              <a:schemeClr val="tx1"/>
+            </a:solidFill>
+          </a:ln>
+        </p:spPr>
+        <p:style>
+          <a:lnRef idx="2">
+            <a:schemeClr val="accent1">
+              <a:shade val="50000"/>
+            </a:schemeClr>
+          </a:lnRef>
+          <a:fillRef idx="1">
+            <a:schemeClr val="accent1"/>
+          </a:fillRef>
+          <a:effectRef idx="0">
+            <a:schemeClr val="accent1"/>
+          </a:effectRef>
+          <a:fontRef idx="minor">
+            <a:schemeClr val="lt1"/>
+          </a:fontRef>
+        </p:style>
+        <p:txBody>
+          <a:bodyPr rtlCol="0" anchor="ctr"/>
+          <a:lstStyle/>
+          <a:p>
+            <a:pPr algn="ctr"/>
+            <a:endParaRPr lang="en-US"/>
+          </a:p>
+        </p:txBody>
+      </p:sp>
+      <p:sp>
+        <p:nvSpPr>
+          <p:cNvPr id="2" name="Title 1">
+            <a:extLst>
+              <a:ext uri="{FF2B5EF4-FFF2-40B4-BE49-F238E27FC236}">
+                <a16:creationId xmlns:a16="http://schemas.microsoft.com/office/drawing/2014/main" id="{2330B99A-F5EB-E24E-A72C-A588066DAE80}"/>
+              </a:ext>
+            </a:extLst>
+          </p:cNvPr>
+          <p:cNvSpPr>
+            <a:spLocks noGrp="1"/>
+          </p:cNvSpPr>
+          <p:nvPr>
+            <p:ph type="title"/>
+          </p:nvPr>
+        </p:nvSpPr>
+        <p:spPr>
+          <a:xfrm>
+            <a:off x="1521269" y="799275"/>
+            <a:ext cx="4579668" cy="3028072"/>
+          </a:xfrm>
+        </p:spPr>
+        <p:txBody>
+          <a:bodyPr vert="horz" lIns="91440" tIns="45720" rIns="91440" bIns="45720" rtlCol="0" anchor="b">
+            <a:normAutofit/>
+          </a:bodyPr>
+          <a:lstStyle/>
+          <a:p>
+            <a:pPr algn="ctr"/>
+            <a:r>
+              <a:rPr lang="en-US" sz="6000" b="1" cap="all" spc="1500">
+                <a:ea typeface="Source Sans Pro SemiBold" panose="020B0603030403020204" pitchFamily="34" charset="0"/>
+              </a:rPr>
+              <a:t>Good design page</a:t>
+            </a:r>
+          </a:p>
+        </p:txBody>
+      </p:sp>
+      <p:grpSp>
+        <p:nvGrpSpPr>
+          <p:cNvPr id="31" name="Graphic 185">
+            <a:extLst>
+              <a:ext uri="{FF2B5EF4-FFF2-40B4-BE49-F238E27FC236}">
+                <a16:creationId xmlns:a16="http://schemas.microsoft.com/office/drawing/2014/main" id="{0ECF8052-C3DA-4816-AE5E-732CDCFFDDE0}"/>
+              </a:ext>
+              <a:ext uri="{C183D7F6-B498-43B3-948B-1728B52AA6E4}">
+                <adec:decorative xmlns:adec="http://schemas.microsoft.com/office/drawing/2017/decorative" val="1"/>
+              </a:ext>
+            </a:extLst>
+          </p:cNvPr>
+          <p:cNvGrpSpPr>
+            <a:grpSpLocks noGrp="1" noUngrp="1" noRot="1" noChangeAspect="1" noMove="1" noResize="1"/>
+          </p:cNvGrpSpPr>
+          <p:nvPr>
+            <p:extLst>
+              <p:ext uri="{386F3935-93C4-4BCD-93E2-E3B085C9AB24}">
+                <p16:designElem xmlns:p16="http://schemas.microsoft.com/office/powerpoint/2015/main" val="1"/>
+              </p:ext>
+            </p:extLst>
+          </p:nvPr>
+        </p:nvGrpSpPr>
+        <p:grpSpPr>
+          <a:xfrm>
+            <a:off x="10358345" y="1663988"/>
+            <a:ext cx="843745" cy="375828"/>
+            <a:chOff x="9841624" y="4115729"/>
+            <a:chExt cx="602169" cy="268223"/>
+          </a:xfrm>
+          <a:solidFill>
+            <a:schemeClr val="tx1"/>
+          </a:solidFill>
+        </p:grpSpPr>
+        <p:sp>
+          <p:nvSpPr>
+            <p:cNvPr id="32" name="Freeform: Shape 31">
+              <a:extLst>
+                <a:ext uri="{FF2B5EF4-FFF2-40B4-BE49-F238E27FC236}">
+                  <a16:creationId xmlns:a16="http://schemas.microsoft.com/office/drawing/2014/main" id="{F9E9B70F-47D9-47CF-8B0D-E5B282D6B8D3}"/>
+                </a:ext>
+                <a:ext uri="{C183D7F6-B498-43B3-948B-1728B52AA6E4}">
+                  <adec:decorative xmlns:adec="http://schemas.microsoft.com/office/drawing/2017/decorative" val="1"/>
+                </a:ext>
+              </a:extLst>
+            </p:cNvPr>
+            <p:cNvSpPr/>
+            <p:nvPr>
+              <p:extLst>
+                <p:ext uri="{386F3935-93C4-4BCD-93E2-E3B085C9AB24}">
+                  <p16:designElem xmlns:p16="http://schemas.microsoft.com/office/powerpoint/2015/main" val="1"/>
+                </p:ext>
+              </p:extLst>
+            </p:nvPr>
+          </p:nvSpPr>
+          <p:spPr>
+            <a:xfrm>
+              <a:off x="9841624" y="4115729"/>
+              <a:ext cx="202882" cy="268223"/>
+            </a:xfrm>
+            <a:custGeom>
+              <a:avLst/>
+              <a:gdLst>
+                <a:gd name="connsiteX0" fmla="*/ 20765 w 202882"/>
+                <a:gd name="connsiteY0" fmla="*/ 268224 h 268223"/>
+                <a:gd name="connsiteX1" fmla="*/ 0 w 202882"/>
+                <a:gd name="connsiteY1" fmla="*/ 268224 h 268223"/>
+                <a:gd name="connsiteX2" fmla="*/ 182118 w 202882"/>
+                <a:gd name="connsiteY2" fmla="*/ 0 h 268223"/>
+                <a:gd name="connsiteX3" fmla="*/ 202883 w 202882"/>
+                <a:gd name="connsiteY3" fmla="*/ 0 h 268223"/>
+              </a:gdLst>
+              <a:ahLst/>
+              <a:cxnLst>
+                <a:cxn ang="0">
+                  <a:pos x="connsiteX0" y="connsiteY0"/>
+                </a:cxn>
+                <a:cxn ang="0">
+                  <a:pos x="connsiteX1" y="connsiteY1"/>
+                </a:cxn>
+                <a:cxn ang="0">
+                  <a:pos x="connsiteX2" y="connsiteY2"/>
+                </a:cxn>
+                <a:cxn ang="0">
+                  <a:pos x="connsiteX3" y="connsiteY3"/>
+                </a:cxn>
+              </a:cxnLst>
+              <a:rect l="l" t="t" r="r" b="b"/>
+              <a:pathLst>
+                <a:path w="202882" h="268223">
+                  <a:moveTo>
+                    <a:pt x="20765" y="268224"/>
+                  </a:moveTo>
+                  <a:lnTo>
+                    <a:pt x="0" y="268224"/>
+                  </a:lnTo>
+                  <a:lnTo>
+                    <a:pt x="182118" y="0"/>
+                  </a:lnTo>
+                  <a:lnTo>
+                    <a:pt x="202883" y="0"/>
+                  </a:lnTo>
+                  <a:close/>
+                </a:path>
+              </a:pathLst>
+            </a:custGeom>
+            <a:grpFill/>
+            <a:ln w="28575">
+              <a:noFill/>
+            </a:ln>
+          </p:spPr>
+          <p:style>
+            <a:lnRef idx="2">
+              <a:schemeClr val="accent1">
+                <a:shade val="50000"/>
+              </a:schemeClr>
+            </a:lnRef>
+            <a:fillRef idx="1">
+              <a:schemeClr val="accent1"/>
+            </a:fillRef>
+            <a:effectRef idx="0">
+              <a:schemeClr val="accent1"/>
+            </a:effectRef>
+            <a:fontRef idx="minor">
+              <a:schemeClr val="lt1"/>
+            </a:fontRef>
+          </p:style>
+          <p:txBody>
+            <a:bodyPr rot="0" spcFirstLastPara="0" vertOverflow="overflow" horzOverflow="overflow" vert="horz" wrap="square" lIns="91440" tIns="45720" rIns="91440" bIns="45720" numCol="1" spcCol="0" rtlCol="0" fromWordArt="0" anchor="ctr" anchorCtr="0" forceAA="0" compatLnSpc="1">
+              <a:prstTxWarp prst="textNoShape">
+                <a:avLst/>
+              </a:prstTxWarp>
+              <a:noAutofit/>
+            </a:bodyPr>
+            <a:lstStyle/>
+            <a:p>
+              <a:pPr algn="ctr"/>
+              <a:endParaRPr lang="en-US">
+                <a:solidFill>
+                  <a:schemeClr val="accent1"/>
+                </a:solidFill>
+              </a:endParaRPr>
+            </a:p>
+          </p:txBody>
+        </p:sp>
+        <p:sp>
+          <p:nvSpPr>
+            <p:cNvPr id="33" name="Freeform: Shape 32">
+              <a:extLst>
+                <a:ext uri="{FF2B5EF4-FFF2-40B4-BE49-F238E27FC236}">
+                  <a16:creationId xmlns:a16="http://schemas.microsoft.com/office/drawing/2014/main" id="{F75EF19C-EB14-4387-8C4D-AF88C873C910}"/>
+                </a:ext>
+                <a:ext uri="{C183D7F6-B498-43B3-948B-1728B52AA6E4}">
+                  <adec:decorative xmlns:adec="http://schemas.microsoft.com/office/drawing/2017/decorative" val="1"/>
+                </a:ext>
+              </a:extLst>
+            </p:cNvPr>
+            <p:cNvSpPr/>
+            <p:nvPr>
+              <p:extLst>
+                <p:ext uri="{386F3935-93C4-4BCD-93E2-E3B085C9AB24}">
+                  <p16:designElem xmlns:p16="http://schemas.microsoft.com/office/powerpoint/2015/main" val="1"/>
+                </p:ext>
+              </p:extLst>
+            </p:nvPr>
+          </p:nvSpPr>
+          <p:spPr>
+            <a:xfrm>
+              <a:off x="9941445" y="4115729"/>
+              <a:ext cx="202882" cy="268223"/>
+            </a:xfrm>
+            <a:custGeom>
+              <a:avLst/>
+              <a:gdLst>
+                <a:gd name="connsiteX0" fmla="*/ 20765 w 202882"/>
+                <a:gd name="connsiteY0" fmla="*/ 268224 h 268223"/>
+                <a:gd name="connsiteX1" fmla="*/ 0 w 202882"/>
+                <a:gd name="connsiteY1" fmla="*/ 268224 h 268223"/>
+                <a:gd name="connsiteX2" fmla="*/ 182118 w 202882"/>
+                <a:gd name="connsiteY2" fmla="*/ 0 h 268223"/>
+                <a:gd name="connsiteX3" fmla="*/ 202883 w 202882"/>
+                <a:gd name="connsiteY3" fmla="*/ 0 h 268223"/>
+              </a:gdLst>
+              <a:ahLst/>
+              <a:cxnLst>
+                <a:cxn ang="0">
+                  <a:pos x="connsiteX0" y="connsiteY0"/>
+                </a:cxn>
+                <a:cxn ang="0">
+                  <a:pos x="connsiteX1" y="connsiteY1"/>
+                </a:cxn>
+                <a:cxn ang="0">
+                  <a:pos x="connsiteX2" y="connsiteY2"/>
+                </a:cxn>
+                <a:cxn ang="0">
+                  <a:pos x="connsiteX3" y="connsiteY3"/>
+                </a:cxn>
+              </a:cxnLst>
+              <a:rect l="l" t="t" r="r" b="b"/>
+              <a:pathLst>
+                <a:path w="202882" h="268223">
+                  <a:moveTo>
+                    <a:pt x="20765" y="268224"/>
+                  </a:moveTo>
+                  <a:lnTo>
+                    <a:pt x="0" y="268224"/>
+                  </a:lnTo>
+                  <a:lnTo>
+                    <a:pt x="182118" y="0"/>
+                  </a:lnTo>
+                  <a:lnTo>
+                    <a:pt x="202883" y="0"/>
+                  </a:lnTo>
+                  <a:close/>
+                </a:path>
+              </a:pathLst>
+            </a:custGeom>
+            <a:grpFill/>
+            <a:ln w="28575">
+              <a:noFill/>
+            </a:ln>
+          </p:spPr>
+          <p:style>
+            <a:lnRef idx="2">
+              <a:schemeClr val="accent1">
+                <a:shade val="50000"/>
+              </a:schemeClr>
+            </a:lnRef>
+            <a:fillRef idx="1">
+              <a:schemeClr val="accent1"/>
+            </a:fillRef>
+            <a:effectRef idx="0">
+              <a:schemeClr val="accent1"/>
+            </a:effectRef>
+            <a:fontRef idx="minor">
+              <a:schemeClr val="lt1"/>
+            </a:fontRef>
+          </p:style>
+          <p:txBody>
+            <a:bodyPr rot="0" spcFirstLastPara="0" vertOverflow="overflow" horzOverflow="overflow" vert="horz" wrap="square" lIns="91440" tIns="45720" rIns="91440" bIns="45720" numCol="1" spcCol="0" rtlCol="0" fromWordArt="0" anchor="ctr" anchorCtr="0" forceAA="0" compatLnSpc="1">
+              <a:prstTxWarp prst="textNoShape">
+                <a:avLst/>
+              </a:prstTxWarp>
+              <a:noAutofit/>
+            </a:bodyPr>
+            <a:lstStyle/>
+            <a:p>
+              <a:pPr algn="ctr"/>
+              <a:endParaRPr lang="en-US" dirty="0">
+                <a:solidFill>
+                  <a:schemeClr val="accent1"/>
+                </a:solidFill>
+              </a:endParaRPr>
+            </a:p>
+          </p:txBody>
+        </p:sp>
+        <p:sp>
+          <p:nvSpPr>
+            <p:cNvPr id="34" name="Freeform: Shape 33">
+              <a:extLst>
+                <a:ext uri="{FF2B5EF4-FFF2-40B4-BE49-F238E27FC236}">
+                  <a16:creationId xmlns:a16="http://schemas.microsoft.com/office/drawing/2014/main" id="{A66EBC76-FA4E-4AF6-BFE7-FB8FABF3D4AB}"/>
+                </a:ext>
+                <a:ext uri="{C183D7F6-B498-43B3-948B-1728B52AA6E4}">
+                  <adec:decorative xmlns:adec="http://schemas.microsoft.com/office/drawing/2017/decorative" val="1"/>
+                </a:ext>
+              </a:extLst>
+            </p:cNvPr>
+            <p:cNvSpPr/>
+            <p:nvPr>
+              <p:extLst>
+                <p:ext uri="{386F3935-93C4-4BCD-93E2-E3B085C9AB24}">
+                  <p16:designElem xmlns:p16="http://schemas.microsoft.com/office/powerpoint/2015/main" val="1"/>
+                </p:ext>
+              </p:extLst>
+            </p:nvPr>
+          </p:nvSpPr>
+          <p:spPr>
+            <a:xfrm>
+              <a:off x="10041267" y="4115729"/>
+              <a:ext cx="202882" cy="268223"/>
+            </a:xfrm>
+            <a:custGeom>
+              <a:avLst/>
+              <a:gdLst>
+                <a:gd name="connsiteX0" fmla="*/ 20669 w 202882"/>
+                <a:gd name="connsiteY0" fmla="*/ 268224 h 268223"/>
+                <a:gd name="connsiteX1" fmla="*/ 0 w 202882"/>
+                <a:gd name="connsiteY1" fmla="*/ 268224 h 268223"/>
+                <a:gd name="connsiteX2" fmla="*/ 182118 w 202882"/>
+                <a:gd name="connsiteY2" fmla="*/ 0 h 268223"/>
+                <a:gd name="connsiteX3" fmla="*/ 202883 w 202882"/>
+                <a:gd name="connsiteY3" fmla="*/ 0 h 268223"/>
+              </a:gdLst>
+              <a:ahLst/>
+              <a:cxnLst>
+                <a:cxn ang="0">
+                  <a:pos x="connsiteX0" y="connsiteY0"/>
+                </a:cxn>
+                <a:cxn ang="0">
+                  <a:pos x="connsiteX1" y="connsiteY1"/>
+                </a:cxn>
+                <a:cxn ang="0">
+                  <a:pos x="connsiteX2" y="connsiteY2"/>
+                </a:cxn>
+                <a:cxn ang="0">
+                  <a:pos x="connsiteX3" y="connsiteY3"/>
+                </a:cxn>
+              </a:cxnLst>
+              <a:rect l="l" t="t" r="r" b="b"/>
+              <a:pathLst>
+                <a:path w="202882" h="268223">
+                  <a:moveTo>
+                    <a:pt x="20669" y="268224"/>
+                  </a:moveTo>
+                  <a:lnTo>
+                    <a:pt x="0" y="268224"/>
+                  </a:lnTo>
+                  <a:lnTo>
+                    <a:pt x="182118" y="0"/>
+                  </a:lnTo>
+                  <a:lnTo>
+                    <a:pt x="202883" y="0"/>
+                  </a:lnTo>
+                  <a:close/>
+                </a:path>
+              </a:pathLst>
+            </a:custGeom>
+            <a:grpFill/>
+            <a:ln w="28575">
+              <a:noFill/>
+            </a:ln>
+          </p:spPr>
+          <p:style>
+            <a:lnRef idx="2">
+              <a:schemeClr val="accent1">
+                <a:shade val="50000"/>
+              </a:schemeClr>
+            </a:lnRef>
+            <a:fillRef idx="1">
+              <a:schemeClr val="accent1"/>
+            </a:fillRef>
+            <a:effectRef idx="0">
+              <a:schemeClr val="accent1"/>
+            </a:effectRef>
+            <a:fontRef idx="minor">
+              <a:schemeClr val="lt1"/>
+            </a:fontRef>
+          </p:style>
+          <p:txBody>
+            <a:bodyPr rot="0" spcFirstLastPara="0" vertOverflow="overflow" horzOverflow="overflow" vert="horz" wrap="square" lIns="91440" tIns="45720" rIns="91440" bIns="45720" numCol="1" spcCol="0" rtlCol="0" fromWordArt="0" anchor="ctr" anchorCtr="0" forceAA="0" compatLnSpc="1">
+              <a:prstTxWarp prst="textNoShape">
+                <a:avLst/>
+              </a:prstTxWarp>
+              <a:noAutofit/>
+            </a:bodyPr>
+            <a:lstStyle/>
+            <a:p>
+              <a:pPr algn="ctr"/>
+              <a:endParaRPr lang="en-US">
+                <a:solidFill>
+                  <a:schemeClr val="accent1"/>
+                </a:solidFill>
+              </a:endParaRPr>
+            </a:p>
+          </p:txBody>
+        </p:sp>
+        <p:sp>
+          <p:nvSpPr>
+            <p:cNvPr id="35" name="Freeform: Shape 34">
+              <a:extLst>
+                <a:ext uri="{FF2B5EF4-FFF2-40B4-BE49-F238E27FC236}">
+                  <a16:creationId xmlns:a16="http://schemas.microsoft.com/office/drawing/2014/main" id="{230A0EA4-19B6-4636-835C-B994609562A1}"/>
+                </a:ext>
+                <a:ext uri="{C183D7F6-B498-43B3-948B-1728B52AA6E4}">
+                  <adec:decorative xmlns:adec="http://schemas.microsoft.com/office/drawing/2017/decorative" val="1"/>
+                </a:ext>
+              </a:extLst>
+            </p:cNvPr>
+            <p:cNvSpPr/>
+            <p:nvPr>
+              <p:extLst>
+                <p:ext uri="{386F3935-93C4-4BCD-93E2-E3B085C9AB24}">
+                  <p16:designElem xmlns:p16="http://schemas.microsoft.com/office/powerpoint/2015/main" val="1"/>
+                </p:ext>
+              </p:extLst>
+            </p:nvPr>
+          </p:nvSpPr>
+          <p:spPr>
+            <a:xfrm>
+              <a:off x="10141090" y="4115729"/>
+              <a:ext cx="202882" cy="268223"/>
+            </a:xfrm>
+            <a:custGeom>
+              <a:avLst/>
+              <a:gdLst>
+                <a:gd name="connsiteX0" fmla="*/ 20669 w 202882"/>
+                <a:gd name="connsiteY0" fmla="*/ 268224 h 268223"/>
+                <a:gd name="connsiteX1" fmla="*/ 0 w 202882"/>
+                <a:gd name="connsiteY1" fmla="*/ 268224 h 268223"/>
+                <a:gd name="connsiteX2" fmla="*/ 182118 w 202882"/>
+                <a:gd name="connsiteY2" fmla="*/ 0 h 268223"/>
+                <a:gd name="connsiteX3" fmla="*/ 202883 w 202882"/>
+                <a:gd name="connsiteY3" fmla="*/ 0 h 268223"/>
+              </a:gdLst>
+              <a:ahLst/>
+              <a:cxnLst>
+                <a:cxn ang="0">
+                  <a:pos x="connsiteX0" y="connsiteY0"/>
+                </a:cxn>
+                <a:cxn ang="0">
+                  <a:pos x="connsiteX1" y="connsiteY1"/>
+                </a:cxn>
+                <a:cxn ang="0">
+                  <a:pos x="connsiteX2" y="connsiteY2"/>
+                </a:cxn>
+                <a:cxn ang="0">
+                  <a:pos x="connsiteX3" y="connsiteY3"/>
+                </a:cxn>
+              </a:cxnLst>
+              <a:rect l="l" t="t" r="r" b="b"/>
+              <a:pathLst>
+                <a:path w="202882" h="268223">
+                  <a:moveTo>
+                    <a:pt x="20669" y="268224"/>
+                  </a:moveTo>
+                  <a:lnTo>
+                    <a:pt x="0" y="268224"/>
+                  </a:lnTo>
+                  <a:lnTo>
+                    <a:pt x="182118" y="0"/>
+                  </a:lnTo>
+                  <a:lnTo>
+                    <a:pt x="202883" y="0"/>
+                  </a:lnTo>
+                  <a:close/>
+                </a:path>
+              </a:pathLst>
+            </a:custGeom>
+            <a:grpFill/>
+            <a:ln w="28575">
+              <a:noFill/>
+            </a:ln>
+          </p:spPr>
+          <p:style>
+            <a:lnRef idx="2">
+              <a:schemeClr val="accent1">
+                <a:shade val="50000"/>
+              </a:schemeClr>
+            </a:lnRef>
+            <a:fillRef idx="1">
+              <a:schemeClr val="accent1"/>
+            </a:fillRef>
+            <a:effectRef idx="0">
+              <a:schemeClr val="accent1"/>
+            </a:effectRef>
+            <a:fontRef idx="minor">
+              <a:schemeClr val="lt1"/>
+            </a:fontRef>
+          </p:style>
+          <p:txBody>
+            <a:bodyPr rot="0" spcFirstLastPara="0" vertOverflow="overflow" horzOverflow="overflow" vert="horz" wrap="square" lIns="91440" tIns="45720" rIns="91440" bIns="45720" numCol="1" spcCol="0" rtlCol="0" fromWordArt="0" anchor="ctr" anchorCtr="0" forceAA="0" compatLnSpc="1">
+              <a:prstTxWarp prst="textNoShape">
+                <a:avLst/>
+              </a:prstTxWarp>
+              <a:noAutofit/>
+            </a:bodyPr>
+            <a:lstStyle/>
+            <a:p>
+              <a:pPr algn="ctr"/>
+              <a:endParaRPr lang="en-US">
+                <a:solidFill>
+                  <a:schemeClr val="accent1"/>
+                </a:solidFill>
+              </a:endParaRPr>
+            </a:p>
+          </p:txBody>
+        </p:sp>
+        <p:sp>
+          <p:nvSpPr>
+            <p:cNvPr id="36" name="Freeform: Shape 35">
+              <a:extLst>
+                <a:ext uri="{FF2B5EF4-FFF2-40B4-BE49-F238E27FC236}">
+                  <a16:creationId xmlns:a16="http://schemas.microsoft.com/office/drawing/2014/main" id="{309F5BE7-809E-440D-9E1C-3AFCB358C197}"/>
+                </a:ext>
+                <a:ext uri="{C183D7F6-B498-43B3-948B-1728B52AA6E4}">
+                  <adec:decorative xmlns:adec="http://schemas.microsoft.com/office/drawing/2017/decorative" val="1"/>
+                </a:ext>
+              </a:extLst>
+            </p:cNvPr>
+            <p:cNvSpPr/>
+            <p:nvPr>
+              <p:extLst>
+                <p:ext uri="{386F3935-93C4-4BCD-93E2-E3B085C9AB24}">
+                  <p16:designElem xmlns:p16="http://schemas.microsoft.com/office/powerpoint/2015/main" val="1"/>
+                </p:ext>
+              </p:extLst>
+            </p:nvPr>
+          </p:nvSpPr>
+          <p:spPr>
+            <a:xfrm>
+              <a:off x="10240911" y="4115729"/>
+              <a:ext cx="202882" cy="268223"/>
+            </a:xfrm>
+            <a:custGeom>
+              <a:avLst/>
+              <a:gdLst>
+                <a:gd name="connsiteX0" fmla="*/ 20669 w 202882"/>
+                <a:gd name="connsiteY0" fmla="*/ 268224 h 268223"/>
+                <a:gd name="connsiteX1" fmla="*/ 0 w 202882"/>
+                <a:gd name="connsiteY1" fmla="*/ 268224 h 268223"/>
+                <a:gd name="connsiteX2" fmla="*/ 182118 w 202882"/>
+                <a:gd name="connsiteY2" fmla="*/ 0 h 268223"/>
+                <a:gd name="connsiteX3" fmla="*/ 202883 w 202882"/>
+                <a:gd name="connsiteY3" fmla="*/ 0 h 268223"/>
+              </a:gdLst>
+              <a:ahLst/>
+              <a:cxnLst>
+                <a:cxn ang="0">
+                  <a:pos x="connsiteX0" y="connsiteY0"/>
+                </a:cxn>
+                <a:cxn ang="0">
+                  <a:pos x="connsiteX1" y="connsiteY1"/>
+                </a:cxn>
+                <a:cxn ang="0">
+                  <a:pos x="connsiteX2" y="connsiteY2"/>
+                </a:cxn>
+                <a:cxn ang="0">
+                  <a:pos x="connsiteX3" y="connsiteY3"/>
+                </a:cxn>
+              </a:cxnLst>
+              <a:rect l="l" t="t" r="r" b="b"/>
+              <a:pathLst>
+                <a:path w="202882" h="268223">
+                  <a:moveTo>
+                    <a:pt x="20669" y="268224"/>
+                  </a:moveTo>
+                  <a:lnTo>
+                    <a:pt x="0" y="268224"/>
+                  </a:lnTo>
+                  <a:lnTo>
+                    <a:pt x="182118" y="0"/>
+                  </a:lnTo>
+                  <a:lnTo>
+                    <a:pt x="202883" y="0"/>
+                  </a:lnTo>
+                  <a:close/>
+                </a:path>
+              </a:pathLst>
+            </a:custGeom>
+            <a:grpFill/>
+            <a:ln w="28575">
+              <a:noFill/>
+            </a:ln>
+          </p:spPr>
+          <p:style>
+            <a:lnRef idx="2">
+              <a:schemeClr val="accent1">
+                <a:shade val="50000"/>
+              </a:schemeClr>
+            </a:lnRef>
+            <a:fillRef idx="1">
+              <a:schemeClr val="accent1"/>
+            </a:fillRef>
+            <a:effectRef idx="0">
+              <a:schemeClr val="accent1"/>
+            </a:effectRef>
+            <a:fontRef idx="minor">
+              <a:schemeClr val="lt1"/>
+            </a:fontRef>
+          </p:style>
+          <p:txBody>
+            <a:bodyPr rot="0" spcFirstLastPara="0" vertOverflow="overflow" horzOverflow="overflow" vert="horz" wrap="square" lIns="91440" tIns="45720" rIns="91440" bIns="45720" numCol="1" spcCol="0" rtlCol="0" fromWordArt="0" anchor="ctr" anchorCtr="0" forceAA="0" compatLnSpc="1">
+              <a:prstTxWarp prst="textNoShape">
+                <a:avLst/>
+              </a:prstTxWarp>
+              <a:noAutofit/>
+            </a:bodyPr>
+            <a:lstStyle/>
+            <a:p>
+              <a:pPr algn="ctr"/>
+              <a:endParaRPr lang="en-US" dirty="0">
+                <a:solidFill>
+                  <a:schemeClr val="accent1"/>
+                </a:solidFill>
+              </a:endParaRPr>
+            </a:p>
+          </p:txBody>
+        </p:sp>
+      </p:grpSp>
+      <p:sp>
+        <p:nvSpPr>
+          <p:cNvPr id="38" name="Oval 37">
+            <a:extLst>
+              <a:ext uri="{FF2B5EF4-FFF2-40B4-BE49-F238E27FC236}">
+                <a16:creationId xmlns:a16="http://schemas.microsoft.com/office/drawing/2014/main" id="{98713B11-DA30-489D-95C2-E053A20672A2}"/>
+              </a:ext>
+              <a:ext uri="{C183D7F6-B498-43B3-948B-1728B52AA6E4}">
+                <adec:decorative xmlns:adec="http://schemas.microsoft.com/office/drawing/2017/decorative" val="1"/>
+              </a:ext>
+            </a:extLst>
+          </p:cNvPr>
+          <p:cNvSpPr>
+            <a:spLocks noGrp="1" noRot="1" noChangeAspect="1" noMove="1" noResize="1" noEditPoints="1" noAdjustHandles="1" noChangeArrowheads="1" noChangeShapeType="1" noTextEdit="1"/>
+          </p:cNvSpPr>
+          <p:nvPr>
+            <p:extLst>
+              <p:ext uri="{386F3935-93C4-4BCD-93E2-E3B085C9AB24}">
+                <p16:designElem xmlns:p16="http://schemas.microsoft.com/office/powerpoint/2015/main" val="1"/>
+              </p:ext>
+            </p:extLst>
+          </p:nvPr>
+        </p:nvSpPr>
+        <p:spPr>
+          <a:xfrm>
+            <a:off x="1176261" y="4074364"/>
+            <a:ext cx="365125" cy="365125"/>
+          </a:xfrm>
+          <a:prstGeom prst="ellipse">
+            <a:avLst/>
+          </a:prstGeom>
+          <a:solidFill>
+            <a:srgbClr val="FFFFFF"/>
+          </a:solidFill>
+          <a:ln w="28575">
+            <a:noFill/>
+          </a:ln>
+        </p:spPr>
+        <p:style>
+          <a:lnRef idx="2">
+            <a:schemeClr val="accent1">
+              <a:shade val="50000"/>
+            </a:schemeClr>
+          </a:lnRef>
+          <a:fillRef idx="1">
+            <a:schemeClr val="accent1"/>
+          </a:fillRef>
+          <a:effectRef idx="0">
+            <a:schemeClr val="accent1"/>
+          </a:effectRef>
+          <a:fontRef idx="minor">
+            <a:schemeClr val="lt1"/>
+          </a:fontRef>
+        </p:style>
+        <p:txBody>
+          <a:bodyPr rot="0" spcFirstLastPara="0" vertOverflow="overflow" horzOverflow="overflow" vert="horz" wrap="square" lIns="91440" tIns="45720" rIns="91440" bIns="45720" numCol="1" spcCol="0" rtlCol="0" fromWordArt="0" anchor="ctr" anchorCtr="0" forceAA="0" compatLnSpc="1">
+            <a:prstTxWarp prst="textNoShape">
+              <a:avLst/>
+            </a:prstTxWarp>
+            <a:noAutofit/>
+          </a:bodyPr>
+          <a:lstStyle/>
+          <a:p>
+            <a:pPr algn="ctr"/>
+            <a:endParaRPr lang="en-US">
+              <a:solidFill>
+                <a:schemeClr val="accent1"/>
+              </a:solidFill>
+            </a:endParaRPr>
+          </a:p>
+        </p:txBody>
+      </p:sp>
+      <p:sp>
+        <p:nvSpPr>
+          <p:cNvPr id="40" name="Oval 39">
+            <a:extLst>
+              <a:ext uri="{FF2B5EF4-FFF2-40B4-BE49-F238E27FC236}">
+                <a16:creationId xmlns:a16="http://schemas.microsoft.com/office/drawing/2014/main" id="{533FDFCA-FA81-4883-8308-C418ED25B165}"/>
+              </a:ext>
+              <a:ext uri="{C183D7F6-B498-43B3-948B-1728B52AA6E4}">
+                <adec:decorative xmlns:adec="http://schemas.microsoft.com/office/drawing/2017/decorative" val="1"/>
+              </a:ext>
+            </a:extLst>
+          </p:cNvPr>
+          <p:cNvSpPr>
+            <a:spLocks noGrp="1" noRot="1" noChangeAspect="1" noMove="1" noResize="1" noEditPoints="1" noAdjustHandles="1" noChangeArrowheads="1" noChangeShapeType="1" noTextEdit="1"/>
+          </p:cNvSpPr>
+          <p:nvPr>
+            <p:extLst>
+              <p:ext uri="{386F3935-93C4-4BCD-93E2-E3B085C9AB24}">
+                <p16:designElem xmlns:p16="http://schemas.microsoft.com/office/powerpoint/2015/main" val="1"/>
+              </p:ext>
+            </p:extLst>
+          </p:nvPr>
+        </p:nvSpPr>
+        <p:spPr>
+          <a:xfrm>
+            <a:off x="1176261" y="4074364"/>
+            <a:ext cx="365125" cy="365125"/>
+          </a:xfrm>
+          <a:prstGeom prst="ellipse">
+            <a:avLst/>
+          </a:prstGeom>
+          <a:solidFill>
+            <a:schemeClr val="accent3">
+              <a:lumMod val="20000"/>
+              <a:lumOff val="80000"/>
+            </a:schemeClr>
+          </a:solidFill>
+          <a:ln w="28575">
+            <a:solidFill>
+              <a:schemeClr val="tx1"/>
+            </a:solidFill>
+          </a:ln>
+        </p:spPr>
+        <p:style>
+          <a:lnRef idx="2">
+            <a:schemeClr val="accent1">
+              <a:shade val="50000"/>
+            </a:schemeClr>
+          </a:lnRef>
+          <a:fillRef idx="1">
+            <a:schemeClr val="accent1"/>
+          </a:fillRef>
+          <a:effectRef idx="0">
+            <a:schemeClr val="accent1"/>
+          </a:effectRef>
+          <a:fontRef idx="minor">
+            <a:schemeClr val="lt1"/>
+          </a:fontRef>
+        </p:style>
+        <p:txBody>
+          <a:bodyPr rot="0" spcFirstLastPara="0" vertOverflow="overflow" horzOverflow="overflow" vert="horz" wrap="square" lIns="91440" tIns="45720" rIns="91440" bIns="45720" numCol="1" spcCol="0" rtlCol="0" fromWordArt="0" anchor="ctr" anchorCtr="0" forceAA="0" compatLnSpc="1">
+            <a:prstTxWarp prst="textNoShape">
+              <a:avLst/>
+            </a:prstTxWarp>
+            <a:noAutofit/>
+          </a:bodyPr>
+          <a:lstStyle/>
+          <a:p>
+            <a:pPr algn="ctr"/>
+            <a:endParaRPr lang="en-US"/>
+          </a:p>
+        </p:txBody>
+      </p:sp>
+      <p:sp>
+        <p:nvSpPr>
+          <p:cNvPr id="42" name="Freeform: Shape 41">
+            <a:extLst>
+              <a:ext uri="{FF2B5EF4-FFF2-40B4-BE49-F238E27FC236}">
+                <a16:creationId xmlns:a16="http://schemas.microsoft.com/office/drawing/2014/main" id="{3B563765-A6D6-464C-BDA7-A0A2F40AF412}"/>
+              </a:ext>
+              <a:ext uri="{C183D7F6-B498-43B3-948B-1728B52AA6E4}">
+                <adec:decorative xmlns:adec="http://schemas.microsoft.com/office/drawing/2017/decorative" val="1"/>
+              </a:ext>
+            </a:extLst>
+          </p:cNvPr>
+          <p:cNvSpPr>
+            <a:spLocks noGrp="1" noRot="1" noChangeAspect="1" noMove="1" noResize="1" noEditPoints="1" noAdjustHandles="1" noChangeArrowheads="1" noChangeShapeType="1" noTextEdit="1"/>
+          </p:cNvSpPr>
+          <p:nvPr>
+            <p:extLst>
+              <p:ext uri="{386F3935-93C4-4BCD-93E2-E3B085C9AB24}">
+                <p16:designElem xmlns:p16="http://schemas.microsoft.com/office/powerpoint/2015/main" val="1"/>
+              </p:ext>
+            </p:extLst>
+          </p:nvPr>
+        </p:nvSpPr>
+        <p:spPr>
+          <a:xfrm>
+            <a:off x="10599841" y="5333060"/>
+            <a:ext cx="1589388" cy="1524940"/>
+          </a:xfrm>
+          <a:custGeom>
+            <a:avLst/>
+            <a:gdLst>
+              <a:gd name="connsiteX0" fmla="*/ 2473947 w 3432581"/>
+              <a:gd name="connsiteY0" fmla="*/ 0 h 3293393"/>
+              <a:gd name="connsiteX1" fmla="*/ 3209623 w 3432581"/>
+              <a:gd name="connsiteY1" fmla="*/ 111224 h 3293393"/>
+              <a:gd name="connsiteX2" fmla="*/ 3432581 w 3432581"/>
+              <a:gd name="connsiteY2" fmla="*/ 192828 h 3293393"/>
+              <a:gd name="connsiteX3" fmla="*/ 3432581 w 3432581"/>
+              <a:gd name="connsiteY3" fmla="*/ 3293393 h 3293393"/>
+              <a:gd name="connsiteX4" fmla="*/ 141884 w 3432581"/>
+              <a:gd name="connsiteY4" fmla="*/ 3293393 h 3293393"/>
+              <a:gd name="connsiteX5" fmla="*/ 111224 w 3432581"/>
+              <a:gd name="connsiteY5" fmla="*/ 3209623 h 3293393"/>
+              <a:gd name="connsiteX6" fmla="*/ 0 w 3432581"/>
+              <a:gd name="connsiteY6" fmla="*/ 2473947 h 3293393"/>
+              <a:gd name="connsiteX7" fmla="*/ 2473947 w 3432581"/>
+              <a:gd name="connsiteY7" fmla="*/ 0 h 3293393"/>
+            </a:gdLst>
+            <a:ahLst/>
+            <a:cxnLst>
+              <a:cxn ang="0">
+                <a:pos x="connsiteX0" y="connsiteY0"/>
+              </a:cxn>
+              <a:cxn ang="0">
+                <a:pos x="connsiteX1" y="connsiteY1"/>
+              </a:cxn>
+              <a:cxn ang="0">
+                <a:pos x="connsiteX2" y="connsiteY2"/>
+              </a:cxn>
+              <a:cxn ang="0">
+                <a:pos x="connsiteX3" y="connsiteY3"/>
+              </a:cxn>
+              <a:cxn ang="0">
+                <a:pos x="connsiteX4" y="connsiteY4"/>
+              </a:cxn>
+              <a:cxn ang="0">
+                <a:pos x="connsiteX5" y="connsiteY5"/>
+              </a:cxn>
+              <a:cxn ang="0">
+                <a:pos x="connsiteX6" y="connsiteY6"/>
+              </a:cxn>
+              <a:cxn ang="0">
+                <a:pos x="connsiteX7" y="connsiteY7"/>
+              </a:cxn>
+            </a:cxnLst>
+            <a:rect l="l" t="t" r="r" b="b"/>
+            <a:pathLst>
+              <a:path w="3432581" h="3293393">
+                <a:moveTo>
+                  <a:pt x="2473947" y="0"/>
+                </a:moveTo>
+                <a:cubicBezTo>
+                  <a:pt x="2730133" y="0"/>
+                  <a:pt x="2977223" y="38940"/>
+                  <a:pt x="3209623" y="111224"/>
+                </a:cubicBezTo>
+                <a:lnTo>
+                  <a:pt x="3432581" y="192828"/>
+                </a:lnTo>
+                <a:lnTo>
+                  <a:pt x="3432581" y="3293393"/>
+                </a:lnTo>
+                <a:lnTo>
+                  <a:pt x="141884" y="3293393"/>
+                </a:lnTo>
+                <a:lnTo>
+                  <a:pt x="111224" y="3209623"/>
+                </a:lnTo>
+                <a:cubicBezTo>
+                  <a:pt x="38940" y="2977224"/>
+                  <a:pt x="0" y="2730133"/>
+                  <a:pt x="0" y="2473947"/>
+                </a:cubicBezTo>
+                <a:cubicBezTo>
+                  <a:pt x="0" y="1107624"/>
+                  <a:pt x="1107624" y="0"/>
+                  <a:pt x="2473947" y="0"/>
+                </a:cubicBezTo>
+                <a:close/>
+              </a:path>
+            </a:pathLst>
+          </a:custGeom>
+          <a:solidFill>
+            <a:srgbClr val="FFFFFF"/>
+          </a:solidFill>
+          <a:ln w="28575">
+            <a:noFill/>
+          </a:ln>
+        </p:spPr>
+        <p:style>
+          <a:lnRef idx="2">
+            <a:schemeClr val="accent1">
+              <a:shade val="50000"/>
+            </a:schemeClr>
+          </a:lnRef>
+          <a:fillRef idx="1">
+            <a:schemeClr val="accent1"/>
+          </a:fillRef>
+          <a:effectRef idx="0">
+            <a:schemeClr val="accent1"/>
+          </a:effectRef>
+          <a:fontRef idx="minor">
+            <a:schemeClr val="lt1"/>
+          </a:fontRef>
+        </p:style>
+        <p:txBody>
+          <a:bodyPr rot="0" spcFirstLastPara="0" vertOverflow="overflow" horzOverflow="overflow" vert="horz" wrap="square" lIns="91440" tIns="45720" rIns="91440" bIns="45720" numCol="1" spcCol="0" rtlCol="0" fromWordArt="0" anchor="ctr" anchorCtr="0" forceAA="0" compatLnSpc="1">
+            <a:prstTxWarp prst="textNoShape">
+              <a:avLst/>
+            </a:prstTxWarp>
+            <a:noAutofit/>
+          </a:bodyPr>
+          <a:lstStyle/>
+          <a:p>
+            <a:pPr algn="ctr"/>
+            <a:endParaRPr lang="en-US" dirty="0">
+              <a:solidFill>
+                <a:schemeClr val="accent1"/>
+              </a:solidFill>
+            </a:endParaRPr>
+          </a:p>
+        </p:txBody>
+      </p:sp>
+      <p:sp>
+        <p:nvSpPr>
+          <p:cNvPr id="44" name="Freeform: Shape 43">
+            <a:extLst>
+              <a:ext uri="{FF2B5EF4-FFF2-40B4-BE49-F238E27FC236}">
+                <a16:creationId xmlns:a16="http://schemas.microsoft.com/office/drawing/2014/main" id="{487CDD03-1100-46B3-B04A-D66410E5BF1A}"/>
+              </a:ext>
+              <a:ext uri="{C183D7F6-B498-43B3-948B-1728B52AA6E4}">
+                <adec:decorative xmlns:adec="http://schemas.microsoft.com/office/drawing/2017/decorative" val="1"/>
+              </a:ext>
+            </a:extLst>
+          </p:cNvPr>
+          <p:cNvSpPr>
+            <a:spLocks noGrp="1" noRot="1" noChangeAspect="1" noMove="1" noResize="1" noEditPoints="1" noAdjustHandles="1" noChangeArrowheads="1" noChangeShapeType="1" noTextEdit="1"/>
+          </p:cNvSpPr>
+          <p:nvPr>
+            <p:extLst>
+              <p:ext uri="{386F3935-93C4-4BCD-93E2-E3B085C9AB24}">
+                <p16:designElem xmlns:p16="http://schemas.microsoft.com/office/powerpoint/2015/main" val="1"/>
+              </p:ext>
+            </p:extLst>
+          </p:nvPr>
+        </p:nvSpPr>
+        <p:spPr>
+          <a:xfrm>
+            <a:off x="10602612" y="5333060"/>
+            <a:ext cx="1589388" cy="1524940"/>
+          </a:xfrm>
+          <a:custGeom>
+            <a:avLst/>
+            <a:gdLst>
+              <a:gd name="connsiteX0" fmla="*/ 2473947 w 3432581"/>
+              <a:gd name="connsiteY0" fmla="*/ 0 h 3293393"/>
+              <a:gd name="connsiteX1" fmla="*/ 3209623 w 3432581"/>
+              <a:gd name="connsiteY1" fmla="*/ 111224 h 3293393"/>
+              <a:gd name="connsiteX2" fmla="*/ 3432581 w 3432581"/>
+              <a:gd name="connsiteY2" fmla="*/ 192828 h 3293393"/>
+              <a:gd name="connsiteX3" fmla="*/ 3432581 w 3432581"/>
+              <a:gd name="connsiteY3" fmla="*/ 3293393 h 3293393"/>
+              <a:gd name="connsiteX4" fmla="*/ 141884 w 3432581"/>
+              <a:gd name="connsiteY4" fmla="*/ 3293393 h 3293393"/>
+              <a:gd name="connsiteX5" fmla="*/ 111224 w 3432581"/>
+              <a:gd name="connsiteY5" fmla="*/ 3209623 h 3293393"/>
+              <a:gd name="connsiteX6" fmla="*/ 0 w 3432581"/>
+              <a:gd name="connsiteY6" fmla="*/ 2473947 h 3293393"/>
+              <a:gd name="connsiteX7" fmla="*/ 2473947 w 3432581"/>
+              <a:gd name="connsiteY7" fmla="*/ 0 h 3293393"/>
+            </a:gdLst>
+            <a:ahLst/>
+            <a:cxnLst>
+              <a:cxn ang="0">
+                <a:pos x="connsiteX0" y="connsiteY0"/>
+              </a:cxn>
+              <a:cxn ang="0">
+                <a:pos x="connsiteX1" y="connsiteY1"/>
+              </a:cxn>
+              <a:cxn ang="0">
+                <a:pos x="connsiteX2" y="connsiteY2"/>
+              </a:cxn>
+              <a:cxn ang="0">
+                <a:pos x="connsiteX3" y="connsiteY3"/>
+              </a:cxn>
+              <a:cxn ang="0">
+                <a:pos x="connsiteX4" y="connsiteY4"/>
+              </a:cxn>
+              <a:cxn ang="0">
+                <a:pos x="connsiteX5" y="connsiteY5"/>
+              </a:cxn>
+              <a:cxn ang="0">
+                <a:pos x="connsiteX6" y="connsiteY6"/>
+              </a:cxn>
+              <a:cxn ang="0">
+                <a:pos x="connsiteX7" y="connsiteY7"/>
+              </a:cxn>
+            </a:cxnLst>
+            <a:rect l="l" t="t" r="r" b="b"/>
+            <a:pathLst>
+              <a:path w="3432581" h="3293393">
+                <a:moveTo>
+                  <a:pt x="2473947" y="0"/>
+                </a:moveTo>
+                <a:cubicBezTo>
+                  <a:pt x="2730133" y="0"/>
+                  <a:pt x="2977223" y="38940"/>
+                  <a:pt x="3209623" y="111224"/>
+                </a:cubicBezTo>
+                <a:lnTo>
+                  <a:pt x="3432581" y="192828"/>
+                </a:lnTo>
+                <a:lnTo>
+                  <a:pt x="3432581" y="3293393"/>
+                </a:lnTo>
+                <a:lnTo>
+                  <a:pt x="141884" y="3293393"/>
+                </a:lnTo>
+                <a:lnTo>
+                  <a:pt x="111224" y="3209623"/>
+                </a:lnTo>
+                <a:cubicBezTo>
+                  <a:pt x="38940" y="2977224"/>
+                  <a:pt x="0" y="2730133"/>
+                  <a:pt x="0" y="2473947"/>
+                </a:cubicBezTo>
+                <a:cubicBezTo>
+                  <a:pt x="0" y="1107624"/>
+                  <a:pt x="1107624" y="0"/>
+                  <a:pt x="2473947" y="0"/>
+                </a:cubicBezTo>
+                <a:close/>
+              </a:path>
+            </a:pathLst>
+          </a:custGeom>
+          <a:solidFill>
+            <a:schemeClr val="accent3">
+              <a:alpha val="20000"/>
+            </a:schemeClr>
+          </a:solidFill>
+          <a:ln w="28575">
+            <a:noFill/>
+          </a:ln>
+        </p:spPr>
+        <p:style>
+          <a:lnRef idx="2">
+            <a:schemeClr val="accent1">
+              <a:shade val="50000"/>
+            </a:schemeClr>
+          </a:lnRef>
+          <a:fillRef idx="1">
+            <a:schemeClr val="accent1"/>
+          </a:fillRef>
+          <a:effectRef idx="0">
+            <a:schemeClr val="accent1"/>
+          </a:effectRef>
+          <a:fontRef idx="minor">
+            <a:schemeClr val="lt1"/>
+          </a:fontRef>
+        </p:style>
+        <p:txBody>
+          <a:bodyPr rot="0" spcFirstLastPara="0" vertOverflow="overflow" horzOverflow="overflow" vert="horz" wrap="square" lIns="91440" tIns="45720" rIns="91440" bIns="45720" numCol="1" spcCol="0" rtlCol="0" fromWordArt="0" anchor="ctr" anchorCtr="0" forceAA="0" compatLnSpc="1">
+            <a:prstTxWarp prst="textNoShape">
+              <a:avLst/>
+            </a:prstTxWarp>
+            <a:noAutofit/>
+          </a:bodyPr>
+          <a:lstStyle/>
+          <a:p>
+            <a:pPr algn="ctr"/>
+            <a:endParaRPr lang="en-US" dirty="0"/>
+          </a:p>
+        </p:txBody>
+      </p:sp>
+      <p:pic>
+        <p:nvPicPr>
+          <p:cNvPr id="5" name="Content Placeholder 4" descr="Chart, box and whisker chart&#10;&#10;Description automatically generated">
+            <a:extLst>
+              <a:ext uri="{FF2B5EF4-FFF2-40B4-BE49-F238E27FC236}">
+                <a16:creationId xmlns:a16="http://schemas.microsoft.com/office/drawing/2014/main" id="{D3D0A25D-8C22-C741-B2E2-839F65E629C6}"/>
+              </a:ext>
+            </a:extLst>
+          </p:cNvPr>
+          <p:cNvPicPr>
+            <a:picLocks noGrp="1" noChangeAspect="1"/>
+          </p:cNvPicPr>
+          <p:nvPr>
+            <p:ph idx="1"/>
+          </p:nvPr>
+        </p:nvPicPr>
+        <p:blipFill>
+          <a:blip r:embed="rId2"/>
+          <a:stretch>
+            <a:fillRect/>
+          </a:stretch>
+        </p:blipFill>
+        <p:spPr>
+          <a:xfrm>
+            <a:off x="7068418" y="2115044"/>
+            <a:ext cx="4207948" cy="4050149"/>
+          </a:xfrm>
+          <a:prstGeom prst="rect">
+            <a:avLst/>
+          </a:prstGeom>
+          <a:ln w="28575">
+            <a:noFill/>
+          </a:ln>
+        </p:spPr>
+      </p:pic>
+    </p:spTree>
+    <p:extLst>
+      <p:ext uri="{BB962C8B-B14F-4D97-AF65-F5344CB8AC3E}">
+        <p14:creationId xmlns:p14="http://schemas.microsoft.com/office/powerpoint/2010/main" val="815357139"/>
       </p:ext>
     </p:extLst>
   </p:cSld>
